--- a/深度學習理論-深層神經網路基礎與卷積神經網路@李宏毅/lecture 3 - keras.pptx
+++ b/深度學習理論-深層神經網路基礎與卷積神經網路@李宏毅/lecture 3 - keras.pptx
@@ -5,22 +5,20 @@
     <p:sldMasterId id="2147483660" r:id="rId1"/>
   </p:sldMasterIdLst>
   <p:notesMasterIdLst>
-    <p:notesMasterId r:id="rId15"/>
+    <p:notesMasterId r:id="rId13"/>
   </p:notesMasterIdLst>
   <p:sldIdLst>
     <p:sldId id="256" r:id="rId2"/>
     <p:sldId id="292" r:id="rId3"/>
-    <p:sldId id="293" r:id="rId4"/>
-    <p:sldId id="257" r:id="rId5"/>
-    <p:sldId id="258" r:id="rId6"/>
-    <p:sldId id="259" r:id="rId7"/>
-    <p:sldId id="260" r:id="rId8"/>
-    <p:sldId id="261" r:id="rId9"/>
-    <p:sldId id="262" r:id="rId10"/>
-    <p:sldId id="263" r:id="rId11"/>
-    <p:sldId id="291" r:id="rId12"/>
-    <p:sldId id="283" r:id="rId13"/>
-    <p:sldId id="285" r:id="rId14"/>
+    <p:sldId id="257" r:id="rId4"/>
+    <p:sldId id="258" r:id="rId5"/>
+    <p:sldId id="259" r:id="rId6"/>
+    <p:sldId id="260" r:id="rId7"/>
+    <p:sldId id="294" r:id="rId8"/>
+    <p:sldId id="295" r:id="rId9"/>
+    <p:sldId id="296" r:id="rId10"/>
+    <p:sldId id="285" r:id="rId11"/>
+    <p:sldId id="293" r:id="rId12"/>
   </p:sldIdLst>
   <p:sldSz cx="9144000" cy="6858000" type="screen4x3"/>
   <p:notesSz cx="6858000" cy="9144000"/>
@@ -213,7 +211,7 @@
           <a:p>
             <a:fld id="{DE82E724-B64B-4BAE-BF6E-E80BB62F5BBC}" type="datetimeFigureOut">
               <a:rPr lang="zh-TW" altLang="en-US" smtClean="0"/>
-              <a:t>2018/2/10</a:t>
+              <a:t>2018/2/11</a:t>
             </a:fld>
             <a:endParaRPr lang="zh-TW" altLang="en-US"/>
           </a:p>
@@ -579,7 +577,7 @@
           <a:p>
             <a:fld id="{3F9096D2-8776-4F5C-A458-4FD37E7160D3}" type="slidenum">
               <a:rPr lang="zh-TW" altLang="en-US" smtClean="0"/>
-              <a:t>4</a:t>
+              <a:t>3</a:t>
             </a:fld>
             <a:endParaRPr lang="zh-TW" altLang="en-US"/>
           </a:p>
@@ -704,7 +702,7 @@
           <a:p>
             <a:fld id="{91E7F86A-5A07-4713-A20D-78823EE9F2D1}" type="slidenum">
               <a:rPr lang="zh-TW" altLang="en-US" smtClean="0"/>
-              <a:t>5</a:t>
+              <a:t>4</a:t>
             </a:fld>
             <a:endParaRPr lang="zh-TW" altLang="en-US"/>
           </a:p>
@@ -891,7 +889,7 @@
           <a:p>
             <a:fld id="{3F9096D2-8776-4F5C-A458-4FD37E7160D3}" type="slidenum">
               <a:rPr lang="zh-TW" altLang="en-US" smtClean="0"/>
-              <a:t>8</a:t>
+              <a:t>7</a:t>
             </a:fld>
             <a:endParaRPr lang="zh-TW" altLang="en-US"/>
           </a:p>
@@ -900,7 +898,7 @@
     </p:spTree>
     <p:extLst>
       <p:ext uri="{BB962C8B-B14F-4D97-AF65-F5344CB8AC3E}">
-        <p14:creationId xmlns:p14="http://schemas.microsoft.com/office/powerpoint/2010/main" val="2022919062"/>
+        <p14:creationId xmlns:p14="http://schemas.microsoft.com/office/powerpoint/2010/main" val="3838674773"/>
       </p:ext>
     </p:extLst>
   </p:cSld>
@@ -1035,7 +1033,7 @@
           <a:p>
             <a:fld id="{3F9096D2-8776-4F5C-A458-4FD37E7160D3}" type="slidenum">
               <a:rPr lang="zh-TW" altLang="en-US" smtClean="0"/>
-              <a:t>9</a:t>
+              <a:t>8</a:t>
             </a:fld>
             <a:endParaRPr lang="zh-TW" altLang="en-US"/>
           </a:p>
@@ -1044,7 +1042,7 @@
     </p:spTree>
     <p:extLst>
       <p:ext uri="{BB962C8B-B14F-4D97-AF65-F5344CB8AC3E}">
-        <p14:creationId xmlns:p14="http://schemas.microsoft.com/office/powerpoint/2010/main" val="3604444648"/>
+        <p14:creationId xmlns:p14="http://schemas.microsoft.com/office/powerpoint/2010/main" val="4267617486"/>
       </p:ext>
     </p:extLst>
   </p:cSld>
@@ -1098,294 +1096,6 @@
           <a:bodyPr/>
           <a:lstStyle/>
           <a:p>
-            <a:pPr marL="0" marR="0" indent="0" algn="l" defTabSz="914400" rtl="0" eaLnBrk="1" fontAlgn="auto" latinLnBrk="0" hangingPunct="1">
-              <a:lnSpc>
-                <a:spcPct val="100000"/>
-              </a:lnSpc>
-              <a:spcBef>
-                <a:spcPts val="0"/>
-              </a:spcBef>
-              <a:spcAft>
-                <a:spcPts val="0"/>
-              </a:spcAft>
-              <a:buClrTx/>
-              <a:buSzTx/>
-              <a:buFontTx/>
-              <a:buNone/>
-              <a:tabLst/>
-              <a:defRPr/>
-            </a:pPr>
-            <a:r>
-              <a:rPr lang="en-US" altLang="zh-TW" dirty="0" err="1"/>
-              <a:t>Theno</a:t>
-            </a:r>
-            <a:r>
-              <a:rPr lang="en-US" altLang="zh-TW" dirty="0"/>
-              <a:t>: </a:t>
-            </a:r>
-            <a:r>
-              <a:rPr lang="en-US" altLang="zh-TW" dirty="0" err="1"/>
-              <a:t>Universite</a:t>
-            </a:r>
-            <a:r>
-              <a:rPr lang="en-US" altLang="zh-TW" dirty="0"/>
-              <a:t> de </a:t>
-            </a:r>
-            <a:r>
-              <a:rPr lang="en-US" altLang="zh-TW" dirty="0" err="1"/>
-              <a:t>Montr</a:t>
-            </a:r>
-            <a:r>
-              <a:rPr lang="en-US" altLang="zh-TW" dirty="0"/>
-              <a:t> ´ </a:t>
-            </a:r>
-            <a:r>
-              <a:rPr lang="en-US" altLang="zh-TW" dirty="0" err="1"/>
-              <a:t>eal</a:t>
-            </a:r>
-            <a:endParaRPr lang="zh-TW" altLang="en-US" dirty="0"/>
-          </a:p>
-          <a:p>
-            <a:r>
-              <a:rPr lang="en-US" altLang="zh-TW" dirty="0" err="1"/>
-              <a:t>Yoshua</a:t>
-            </a:r>
-            <a:r>
-              <a:rPr lang="en-US" altLang="zh-TW" dirty="0"/>
-              <a:t> </a:t>
-            </a:r>
-            <a:r>
-              <a:rPr lang="en-US" altLang="zh-TW" dirty="0" err="1"/>
-              <a:t>Bengio</a:t>
-            </a:r>
-            <a:endParaRPr lang="zh-TW" altLang="en-US" dirty="0"/>
-          </a:p>
-        </p:txBody>
-      </p:sp>
-      <p:sp>
-        <p:nvSpPr>
-          <p:cNvPr id="4" name="投影片編號版面配置區 3"/>
-          <p:cNvSpPr>
-            <a:spLocks noGrp="1"/>
-          </p:cNvSpPr>
-          <p:nvPr>
-            <p:ph type="sldNum" sz="quarter" idx="10"/>
-          </p:nvPr>
-        </p:nvSpPr>
-        <p:spPr/>
-        <p:txBody>
-          <a:bodyPr/>
-          <a:lstStyle/>
-          <a:p>
-            <a:fld id="{3F9096D2-8776-4F5C-A458-4FD37E7160D3}" type="slidenum">
-              <a:rPr lang="zh-TW" altLang="en-US" smtClean="0"/>
-              <a:t>10</a:t>
-            </a:fld>
-            <a:endParaRPr lang="zh-TW" altLang="en-US"/>
-          </a:p>
-        </p:txBody>
-      </p:sp>
-    </p:spTree>
-    <p:extLst>
-      <p:ext uri="{BB962C8B-B14F-4D97-AF65-F5344CB8AC3E}">
-        <p14:creationId xmlns:p14="http://schemas.microsoft.com/office/powerpoint/2010/main" val="3700132201"/>
-      </p:ext>
-    </p:extLst>
-  </p:cSld>
-  <p:clrMapOvr>
-    <a:masterClrMapping/>
-  </p:clrMapOvr>
-</p:notes>
-</file>
-
-<file path=ppt/notesSlides/notesSlide6.xml><?xml version="1.0" encoding="utf-8"?>
-<p:notes xmlns:a="http://schemas.openxmlformats.org/drawingml/2006/main" xmlns:r="http://schemas.openxmlformats.org/officeDocument/2006/relationships" xmlns:p="http://schemas.openxmlformats.org/presentationml/2006/main">
-  <p:cSld>
-    <p:spTree>
-      <p:nvGrpSpPr>
-        <p:cNvPr id="1" name=""/>
-        <p:cNvGrpSpPr/>
-        <p:nvPr/>
-      </p:nvGrpSpPr>
-      <p:grpSpPr>
-        <a:xfrm>
-          <a:off x="0" y="0"/>
-          <a:ext cx="0" cy="0"/>
-          <a:chOff x="0" y="0"/>
-          <a:chExt cx="0" cy="0"/>
-        </a:xfrm>
-      </p:grpSpPr>
-      <p:sp>
-        <p:nvSpPr>
-          <p:cNvPr id="2" name="投影片圖像版面配置區 1"/>
-          <p:cNvSpPr>
-            <a:spLocks noGrp="1" noRot="1" noChangeAspect="1"/>
-          </p:cNvSpPr>
-          <p:nvPr>
-            <p:ph type="sldImg"/>
-          </p:nvPr>
-        </p:nvSpPr>
-        <p:spPr/>
-      </p:sp>
-      <p:sp>
-        <p:nvSpPr>
-          <p:cNvPr id="3" name="備忘稿版面配置區 2"/>
-          <p:cNvSpPr>
-            <a:spLocks noGrp="1"/>
-          </p:cNvSpPr>
-          <p:nvPr>
-            <p:ph type="body" idx="1"/>
-          </p:nvPr>
-        </p:nvSpPr>
-        <p:spPr/>
-        <p:txBody>
-          <a:bodyPr/>
-          <a:lstStyle/>
-          <a:p>
-            <a:pPr marL="0" marR="0" indent="0" algn="l" defTabSz="914400" rtl="0" eaLnBrk="1" fontAlgn="auto" latinLnBrk="0" hangingPunct="1">
-              <a:lnSpc>
-                <a:spcPct val="100000"/>
-              </a:lnSpc>
-              <a:spcBef>
-                <a:spcPts val="0"/>
-              </a:spcBef>
-              <a:spcAft>
-                <a:spcPts val="0"/>
-              </a:spcAft>
-              <a:buClrTx/>
-              <a:buSzTx/>
-              <a:buFontTx/>
-              <a:buNone/>
-              <a:tabLst/>
-              <a:defRPr/>
-            </a:pPr>
-            <a:r>
-              <a:rPr lang="en-US" altLang="zh-TW" dirty="0" err="1"/>
-              <a:t>Theno</a:t>
-            </a:r>
-            <a:r>
-              <a:rPr lang="en-US" altLang="zh-TW" dirty="0"/>
-              <a:t>: </a:t>
-            </a:r>
-            <a:r>
-              <a:rPr lang="en-US" altLang="zh-TW" dirty="0" err="1"/>
-              <a:t>Universite</a:t>
-            </a:r>
-            <a:r>
-              <a:rPr lang="en-US" altLang="zh-TW" dirty="0"/>
-              <a:t> de </a:t>
-            </a:r>
-            <a:r>
-              <a:rPr lang="en-US" altLang="zh-TW" dirty="0" err="1"/>
-              <a:t>Montr</a:t>
-            </a:r>
-            <a:r>
-              <a:rPr lang="en-US" altLang="zh-TW" dirty="0"/>
-              <a:t> ´ </a:t>
-            </a:r>
-            <a:r>
-              <a:rPr lang="en-US" altLang="zh-TW" dirty="0" err="1"/>
-              <a:t>eal</a:t>
-            </a:r>
-            <a:endParaRPr lang="zh-TW" altLang="en-US" dirty="0"/>
-          </a:p>
-          <a:p>
-            <a:r>
-              <a:rPr lang="en-US" altLang="zh-TW" dirty="0" err="1"/>
-              <a:t>Yoshua</a:t>
-            </a:r>
-            <a:r>
-              <a:rPr lang="en-US" altLang="zh-TW" dirty="0"/>
-              <a:t> </a:t>
-            </a:r>
-            <a:r>
-              <a:rPr lang="en-US" altLang="zh-TW" dirty="0" err="1"/>
-              <a:t>Bengio</a:t>
-            </a:r>
-            <a:endParaRPr lang="zh-TW" altLang="en-US" dirty="0"/>
-          </a:p>
-        </p:txBody>
-      </p:sp>
-      <p:sp>
-        <p:nvSpPr>
-          <p:cNvPr id="4" name="投影片編號版面配置區 3"/>
-          <p:cNvSpPr>
-            <a:spLocks noGrp="1"/>
-          </p:cNvSpPr>
-          <p:nvPr>
-            <p:ph type="sldNum" sz="quarter" idx="10"/>
-          </p:nvPr>
-        </p:nvSpPr>
-        <p:spPr/>
-        <p:txBody>
-          <a:bodyPr/>
-          <a:lstStyle/>
-          <a:p>
-            <a:fld id="{3F9096D2-8776-4F5C-A458-4FD37E7160D3}" type="slidenum">
-              <a:rPr lang="zh-TW" altLang="en-US" smtClean="0"/>
-              <a:t>11</a:t>
-            </a:fld>
-            <a:endParaRPr lang="zh-TW" altLang="en-US"/>
-          </a:p>
-        </p:txBody>
-      </p:sp>
-    </p:spTree>
-    <p:extLst>
-      <p:ext uri="{BB962C8B-B14F-4D97-AF65-F5344CB8AC3E}">
-        <p14:creationId xmlns:p14="http://schemas.microsoft.com/office/powerpoint/2010/main" val="205641581"/>
-      </p:ext>
-    </p:extLst>
-  </p:cSld>
-  <p:clrMapOvr>
-    <a:masterClrMapping/>
-  </p:clrMapOvr>
-</p:notes>
-</file>
-
-<file path=ppt/notesSlides/notesSlide7.xml><?xml version="1.0" encoding="utf-8"?>
-<p:notes xmlns:a="http://schemas.openxmlformats.org/drawingml/2006/main" xmlns:r="http://schemas.openxmlformats.org/officeDocument/2006/relationships" xmlns:p="http://schemas.openxmlformats.org/presentationml/2006/main">
-  <p:cSld>
-    <p:spTree>
-      <p:nvGrpSpPr>
-        <p:cNvPr id="1" name=""/>
-        <p:cNvGrpSpPr/>
-        <p:nvPr/>
-      </p:nvGrpSpPr>
-      <p:grpSpPr>
-        <a:xfrm>
-          <a:off x="0" y="0"/>
-          <a:ext cx="0" cy="0"/>
-          <a:chOff x="0" y="0"/>
-          <a:chExt cx="0" cy="0"/>
-        </a:xfrm>
-      </p:grpSpPr>
-      <p:sp>
-        <p:nvSpPr>
-          <p:cNvPr id="2" name="投影片圖像版面配置區 1"/>
-          <p:cNvSpPr>
-            <a:spLocks noGrp="1" noRot="1" noChangeAspect="1"/>
-          </p:cNvSpPr>
-          <p:nvPr>
-            <p:ph type="sldImg"/>
-          </p:nvPr>
-        </p:nvSpPr>
-        <p:spPr/>
-      </p:sp>
-      <p:sp>
-        <p:nvSpPr>
-          <p:cNvPr id="3" name="備忘稿版面配置區 2"/>
-          <p:cNvSpPr>
-            <a:spLocks noGrp="1"/>
-          </p:cNvSpPr>
-          <p:nvPr>
-            <p:ph type="body" idx="1"/>
-          </p:nvPr>
-        </p:nvSpPr>
-        <p:spPr/>
-        <p:txBody>
-          <a:bodyPr/>
-          <a:lstStyle/>
-          <a:p>
             <a:r>
               <a:rPr lang="en-US" altLang="zh-TW" sz="1200" b="0" i="0" kern="1200" dirty="0">
                 <a:solidFill>
@@ -1460,7 +1170,7 @@
           <a:p>
             <a:fld id="{3F9096D2-8776-4F5C-A458-4FD37E7160D3}" type="slidenum">
               <a:rPr lang="zh-TW" altLang="en-US" smtClean="0"/>
-              <a:t>12</a:t>
+              <a:t>9</a:t>
             </a:fld>
             <a:endParaRPr lang="zh-TW" altLang="en-US"/>
           </a:p>
@@ -1469,7 +1179,7 @@
     </p:spTree>
     <p:extLst>
       <p:ext uri="{BB962C8B-B14F-4D97-AF65-F5344CB8AC3E}">
-        <p14:creationId xmlns:p14="http://schemas.microsoft.com/office/powerpoint/2010/main" val="2705150473"/>
+        <p14:creationId xmlns:p14="http://schemas.microsoft.com/office/powerpoint/2010/main" val="721387528"/>
       </p:ext>
     </p:extLst>
   </p:cSld>
@@ -1610,7 +1320,7 @@
           <a:p>
             <a:fld id="{8B46B61A-578C-45AC-9FAB-1D67206B9B50}" type="datetimeFigureOut">
               <a:rPr lang="zh-TW" altLang="en-US" smtClean="0"/>
-              <a:t>2018/2/10</a:t>
+              <a:t>2018/2/11</a:t>
             </a:fld>
             <a:endParaRPr lang="zh-TW" altLang="en-US"/>
           </a:p>
@@ -1780,7 +1490,7 @@
           <a:p>
             <a:fld id="{8B46B61A-578C-45AC-9FAB-1D67206B9B50}" type="datetimeFigureOut">
               <a:rPr lang="zh-TW" altLang="en-US" smtClean="0"/>
-              <a:t>2018/2/10</a:t>
+              <a:t>2018/2/11</a:t>
             </a:fld>
             <a:endParaRPr lang="zh-TW" altLang="en-US"/>
           </a:p>
@@ -1960,7 +1670,7 @@
           <a:p>
             <a:fld id="{8B46B61A-578C-45AC-9FAB-1D67206B9B50}" type="datetimeFigureOut">
               <a:rPr lang="zh-TW" altLang="en-US" smtClean="0"/>
-              <a:t>2018/2/10</a:t>
+              <a:t>2018/2/11</a:t>
             </a:fld>
             <a:endParaRPr lang="zh-TW" altLang="en-US"/>
           </a:p>
@@ -2130,7 +1840,7 @@
           <a:p>
             <a:fld id="{8B46B61A-578C-45AC-9FAB-1D67206B9B50}" type="datetimeFigureOut">
               <a:rPr lang="zh-TW" altLang="en-US" smtClean="0"/>
-              <a:t>2018/2/10</a:t>
+              <a:t>2018/2/11</a:t>
             </a:fld>
             <a:endParaRPr lang="zh-TW" altLang="en-US"/>
           </a:p>
@@ -2374,7 +2084,7 @@
           <a:p>
             <a:fld id="{8B46B61A-578C-45AC-9FAB-1D67206B9B50}" type="datetimeFigureOut">
               <a:rPr lang="zh-TW" altLang="en-US" smtClean="0"/>
-              <a:t>2018/2/10</a:t>
+              <a:t>2018/2/11</a:t>
             </a:fld>
             <a:endParaRPr lang="zh-TW" altLang="en-US"/>
           </a:p>
@@ -2606,7 +2316,7 @@
           <a:p>
             <a:fld id="{8B46B61A-578C-45AC-9FAB-1D67206B9B50}" type="datetimeFigureOut">
               <a:rPr lang="zh-TW" altLang="en-US" smtClean="0"/>
-              <a:t>2018/2/10</a:t>
+              <a:t>2018/2/11</a:t>
             </a:fld>
             <a:endParaRPr lang="zh-TW" altLang="en-US"/>
           </a:p>
@@ -2973,7 +2683,7 @@
           <a:p>
             <a:fld id="{8B46B61A-578C-45AC-9FAB-1D67206B9B50}" type="datetimeFigureOut">
               <a:rPr lang="zh-TW" altLang="en-US" smtClean="0"/>
-              <a:t>2018/2/10</a:t>
+              <a:t>2018/2/11</a:t>
             </a:fld>
             <a:endParaRPr lang="zh-TW" altLang="en-US"/>
           </a:p>
@@ -3091,7 +2801,7 @@
           <a:p>
             <a:fld id="{8B46B61A-578C-45AC-9FAB-1D67206B9B50}" type="datetimeFigureOut">
               <a:rPr lang="zh-TW" altLang="en-US" smtClean="0"/>
-              <a:t>2018/2/10</a:t>
+              <a:t>2018/2/11</a:t>
             </a:fld>
             <a:endParaRPr lang="zh-TW" altLang="en-US"/>
           </a:p>
@@ -3186,7 +2896,7 @@
           <a:p>
             <a:fld id="{8B46B61A-578C-45AC-9FAB-1D67206B9B50}" type="datetimeFigureOut">
               <a:rPr lang="zh-TW" altLang="en-US" smtClean="0"/>
-              <a:t>2018/2/10</a:t>
+              <a:t>2018/2/11</a:t>
             </a:fld>
             <a:endParaRPr lang="zh-TW" altLang="en-US"/>
           </a:p>
@@ -3463,7 +3173,7 @@
           <a:p>
             <a:fld id="{8B46B61A-578C-45AC-9FAB-1D67206B9B50}" type="datetimeFigureOut">
               <a:rPr lang="zh-TW" altLang="en-US" smtClean="0"/>
-              <a:t>2018/2/10</a:t>
+              <a:t>2018/2/11</a:t>
             </a:fld>
             <a:endParaRPr lang="zh-TW" altLang="en-US"/>
           </a:p>
@@ -3720,7 +3430,7 @@
           <a:p>
             <a:fld id="{8B46B61A-578C-45AC-9FAB-1D67206B9B50}" type="datetimeFigureOut">
               <a:rPr lang="zh-TW" altLang="en-US" smtClean="0"/>
-              <a:t>2018/2/10</a:t>
+              <a:t>2018/2/11</a:t>
             </a:fld>
             <a:endParaRPr lang="zh-TW" altLang="en-US"/>
           </a:p>
@@ -3933,7 +3643,7 @@
           <a:p>
             <a:fld id="{8B46B61A-578C-45AC-9FAB-1D67206B9B50}" type="datetimeFigureOut">
               <a:rPr lang="zh-TW" altLang="en-US" smtClean="0"/>
-              <a:t>2018/2/10</a:t>
+              <a:t>2018/2/11</a:t>
             </a:fld>
             <a:endParaRPr lang="zh-TW" altLang="en-US"/>
           </a:p>
@@ -4435,54 +4145,6 @@
           <a:chExt cx="0" cy="0"/>
         </a:xfrm>
       </p:grpSpPr>
-      <p:pic>
-        <p:nvPicPr>
-          <p:cNvPr id="22" name="圖片 21"/>
-          <p:cNvPicPr>
-            <a:picLocks noChangeAspect="1"/>
-          </p:cNvPicPr>
-          <p:nvPr/>
-        </p:nvPicPr>
-        <p:blipFill>
-          <a:blip r:embed="rId3"/>
-          <a:stretch>
-            <a:fillRect/>
-          </a:stretch>
-        </p:blipFill>
-        <p:spPr>
-          <a:xfrm>
-            <a:off x="730692" y="2586690"/>
-            <a:ext cx="7864711" cy="1065013"/>
-          </a:xfrm>
-          <a:prstGeom prst="rect">
-            <a:avLst/>
-          </a:prstGeom>
-        </p:spPr>
-      </p:pic>
-      <p:pic>
-        <p:nvPicPr>
-          <p:cNvPr id="20" name="圖片 19"/>
-          <p:cNvPicPr>
-            <a:picLocks noChangeAspect="1"/>
-          </p:cNvPicPr>
-          <p:nvPr/>
-        </p:nvPicPr>
-        <p:blipFill>
-          <a:blip r:embed="rId4"/>
-          <a:stretch>
-            <a:fillRect/>
-          </a:stretch>
-        </p:blipFill>
-        <p:spPr>
-          <a:xfrm>
-            <a:off x="2358559" y="330137"/>
-            <a:ext cx="6584974" cy="1312280"/>
-          </a:xfrm>
-          <a:prstGeom prst="rect">
-            <a:avLst/>
-          </a:prstGeom>
-        </p:spPr>
-      </p:pic>
       <p:sp>
         <p:nvSpPr>
           <p:cNvPr id="2" name="標題 1"/>
@@ -4499,8 +4161,8 @@
           <a:lstStyle/>
           <a:p>
             <a:r>
-              <a:rPr lang="en-US" altLang="zh-TW" dirty="0" err="1"/>
-              <a:t>Keras</a:t>
+              <a:rPr lang="en-US" altLang="zh-TW" dirty="0"/>
+              <a:t>Demo</a:t>
             </a:r>
             <a:endParaRPr lang="zh-TW" altLang="en-US" dirty="0"/>
           </a:p>
@@ -4508,527 +4170,29 @@
       </p:sp>
       <p:sp>
         <p:nvSpPr>
-          <p:cNvPr id="3" name="矩形 2"/>
-          <p:cNvSpPr/>
-          <p:nvPr/>
-        </p:nvSpPr>
-        <p:spPr>
-          <a:xfrm>
-            <a:off x="7119872" y="365126"/>
-            <a:ext cx="1805189" cy="1235074"/>
-          </a:xfrm>
-          <a:prstGeom prst="rect">
-            <a:avLst/>
-          </a:prstGeom>
-          <a:noFill/>
-          <a:ln w="57150">
-            <a:solidFill>
-              <a:srgbClr val="FF0000"/>
-            </a:solidFill>
-          </a:ln>
-        </p:spPr>
-        <p:style>
-          <a:lnRef idx="2">
-            <a:schemeClr val="accent1">
-              <a:shade val="50000"/>
-            </a:schemeClr>
-          </a:lnRef>
-          <a:fillRef idx="1">
-            <a:schemeClr val="accent1"/>
-          </a:fillRef>
-          <a:effectRef idx="0">
-            <a:schemeClr val="accent1"/>
-          </a:effectRef>
-          <a:fontRef idx="minor">
-            <a:schemeClr val="lt1"/>
-          </a:fontRef>
-        </p:style>
-        <p:txBody>
-          <a:bodyPr rtlCol="0" anchor="ctr"/>
-          <a:lstStyle/>
-          <a:p>
-            <a:pPr algn="ctr"/>
-            <a:endParaRPr lang="zh-TW" altLang="en-US"/>
-          </a:p>
-        </p:txBody>
-      </p:sp>
-      <p:cxnSp>
-        <p:nvCxnSpPr>
-          <p:cNvPr id="8" name="直線接點 7"/>
-          <p:cNvCxnSpPr/>
-          <p:nvPr/>
-        </p:nvCxnSpPr>
-        <p:spPr>
-          <a:xfrm>
-            <a:off x="2971561" y="3233194"/>
-            <a:ext cx="2679731" cy="0"/>
-          </a:xfrm>
-          <a:prstGeom prst="line">
-            <a:avLst/>
-          </a:prstGeom>
-          <a:ln w="57150">
-            <a:solidFill>
-              <a:srgbClr val="FFFF00"/>
-            </a:solidFill>
-          </a:ln>
-        </p:spPr>
-        <p:style>
-          <a:lnRef idx="1">
-            <a:schemeClr val="accent1"/>
-          </a:lnRef>
-          <a:fillRef idx="0">
-            <a:schemeClr val="accent1"/>
-          </a:fillRef>
-          <a:effectRef idx="0">
-            <a:schemeClr val="accent1"/>
-          </a:effectRef>
-          <a:fontRef idx="minor">
-            <a:schemeClr val="tx1"/>
-          </a:fontRef>
-        </p:style>
-      </p:cxnSp>
-      <p:sp>
-        <p:nvSpPr>
-          <p:cNvPr id="6" name="文字方塊 5"/>
-          <p:cNvSpPr txBox="1"/>
-          <p:nvPr/>
-        </p:nvSpPr>
-        <p:spPr>
-          <a:xfrm>
-            <a:off x="337211" y="2042536"/>
-            <a:ext cx="3480046" cy="461665"/>
-          </a:xfrm>
-          <a:prstGeom prst="rect">
-            <a:avLst/>
-          </a:prstGeom>
-          <a:noFill/>
-        </p:spPr>
-        <p:txBody>
-          <a:bodyPr wrap="square" rtlCol="0">
-            <a:spAutoFit/>
+          <p:cNvPr id="3" name="內容版面配置區 2"/>
+          <p:cNvSpPr>
+            <a:spLocks noGrp="1"/>
+          </p:cNvSpPr>
+          <p:nvPr>
+            <p:ph idx="1"/>
+          </p:nvPr>
+        </p:nvSpPr>
+        <p:spPr/>
+        <p:txBody>
+          <a:bodyPr>
+            <a:normAutofit/>
           </a:bodyPr>
           <a:lstStyle/>
           <a:p>
-            <a:r>
-              <a:rPr lang="en-US" altLang="zh-TW" sz="2400" dirty="0"/>
-              <a:t>Step 3.1: Configuration</a:t>
-            </a:r>
-            <a:endParaRPr lang="zh-TW" altLang="en-US" sz="2400" dirty="0"/>
-          </a:p>
-        </p:txBody>
-      </p:sp>
-      <p:sp>
-        <p:nvSpPr>
-          <p:cNvPr id="9" name="文字方塊 8"/>
-          <p:cNvSpPr txBox="1"/>
-          <p:nvPr/>
-        </p:nvSpPr>
-        <p:spPr>
-          <a:xfrm>
-            <a:off x="337211" y="4304362"/>
-            <a:ext cx="6246254" cy="461665"/>
-          </a:xfrm>
-          <a:prstGeom prst="rect">
-            <a:avLst/>
-          </a:prstGeom>
-          <a:noFill/>
-        </p:spPr>
-        <p:txBody>
-          <a:bodyPr wrap="square" rtlCol="0">
-            <a:spAutoFit/>
-          </a:bodyPr>
-          <a:lstStyle/>
-          <a:p>
-            <a:r>
-              <a:rPr lang="en-US" altLang="zh-TW" sz="2400" dirty="0"/>
-              <a:t>Step 3.2: Find the optimal network parameters</a:t>
-            </a:r>
-            <a:endParaRPr lang="zh-TW" altLang="en-US" sz="2400" dirty="0"/>
-          </a:p>
-        </p:txBody>
-      </p:sp>
-      <p:pic>
-        <p:nvPicPr>
-          <p:cNvPr id="13" name="圖片 12"/>
-          <p:cNvPicPr>
-            <a:picLocks noChangeAspect="1"/>
-          </p:cNvPicPr>
-          <p:nvPr/>
-        </p:nvPicPr>
-        <p:blipFill>
-          <a:blip r:embed="rId5"/>
-          <a:stretch>
-            <a:fillRect/>
-          </a:stretch>
-        </p:blipFill>
-        <p:spPr>
-          <a:xfrm>
-            <a:off x="190947" y="4939505"/>
-            <a:ext cx="8771898" cy="441579"/>
-          </a:xfrm>
-          <a:prstGeom prst="rect">
-            <a:avLst/>
-          </a:prstGeom>
-        </p:spPr>
-      </p:pic>
-      <p:sp>
-        <p:nvSpPr>
-          <p:cNvPr id="14" name="文字方塊 13"/>
-          <p:cNvSpPr txBox="1"/>
-          <p:nvPr/>
-        </p:nvSpPr>
-        <p:spPr>
-          <a:xfrm>
-            <a:off x="741222" y="5710096"/>
-            <a:ext cx="1815922" cy="830997"/>
-          </a:xfrm>
-          <a:prstGeom prst="rect">
-            <a:avLst/>
-          </a:prstGeom>
-          <a:noFill/>
-        </p:spPr>
-        <p:txBody>
-          <a:bodyPr wrap="square" rtlCol="0">
-            <a:spAutoFit/>
-          </a:bodyPr>
-          <a:lstStyle/>
-          <a:p>
-            <a:pPr algn="ctr"/>
-            <a:r>
-              <a:rPr lang="en-US" altLang="zh-TW" sz="2400" dirty="0"/>
-              <a:t>Training data</a:t>
-            </a:r>
-          </a:p>
-          <a:p>
-            <a:pPr algn="ctr"/>
-            <a:r>
-              <a:rPr lang="en-US" altLang="zh-TW" sz="2400" dirty="0"/>
-              <a:t>(Images)</a:t>
-            </a:r>
-            <a:endParaRPr lang="zh-TW" altLang="en-US" sz="2400" dirty="0"/>
-          </a:p>
-        </p:txBody>
-      </p:sp>
-      <p:sp>
-        <p:nvSpPr>
-          <p:cNvPr id="15" name="文字方塊 14"/>
-          <p:cNvSpPr txBox="1"/>
-          <p:nvPr/>
-        </p:nvSpPr>
-        <p:spPr>
-          <a:xfrm>
-            <a:off x="2910625" y="5814704"/>
-            <a:ext cx="1815922" cy="830997"/>
-          </a:xfrm>
-          <a:prstGeom prst="rect">
-            <a:avLst/>
-          </a:prstGeom>
-          <a:noFill/>
-        </p:spPr>
-        <p:txBody>
-          <a:bodyPr wrap="square" rtlCol="0">
-            <a:spAutoFit/>
-          </a:bodyPr>
-          <a:lstStyle/>
-          <a:p>
-            <a:pPr algn="ctr"/>
-            <a:r>
-              <a:rPr lang="en-US" altLang="zh-TW" sz="2400" dirty="0"/>
-              <a:t>Labels</a:t>
-            </a:r>
-          </a:p>
-          <a:p>
-            <a:pPr algn="ctr"/>
-            <a:r>
-              <a:rPr lang="en-US" altLang="zh-TW" sz="2400" dirty="0"/>
-              <a:t>(digits)</a:t>
-            </a:r>
-            <a:endParaRPr lang="zh-TW" altLang="en-US" sz="2400" dirty="0"/>
-          </a:p>
-        </p:txBody>
-      </p:sp>
-      <p:sp>
-        <p:nvSpPr>
-          <p:cNvPr id="16" name="文字方塊 15"/>
-          <p:cNvSpPr txBox="1"/>
-          <p:nvPr/>
-        </p:nvSpPr>
-        <p:spPr>
-          <a:xfrm>
-            <a:off x="5162851" y="5910027"/>
-            <a:ext cx="3091358" cy="461665"/>
-          </a:xfrm>
-          <a:prstGeom prst="rect">
-            <a:avLst/>
-          </a:prstGeom>
-          <a:noFill/>
-        </p:spPr>
-        <p:txBody>
-          <a:bodyPr wrap="square" rtlCol="0">
-            <a:spAutoFit/>
-          </a:bodyPr>
-          <a:lstStyle/>
-          <a:p>
-            <a:pPr algn="ctr"/>
-            <a:r>
-              <a:rPr lang="en-US" altLang="zh-TW" sz="2400" dirty="0"/>
-              <a:t>In the following slides</a:t>
-            </a:r>
-            <a:endParaRPr lang="zh-TW" altLang="en-US" sz="2400" dirty="0"/>
-          </a:p>
-        </p:txBody>
-      </p:sp>
-      <p:cxnSp>
-        <p:nvCxnSpPr>
-          <p:cNvPr id="18" name="直線單箭頭接點 17"/>
-          <p:cNvCxnSpPr/>
-          <p:nvPr/>
-        </p:nvCxnSpPr>
-        <p:spPr>
-          <a:xfrm flipV="1">
-            <a:off x="1885950" y="5381084"/>
-            <a:ext cx="317712" cy="433620"/>
-          </a:xfrm>
-          <a:prstGeom prst="straightConnector1">
-            <a:avLst/>
-          </a:prstGeom>
-          <a:ln w="38100">
-            <a:solidFill>
-              <a:srgbClr val="FF0000"/>
-            </a:solidFill>
-            <a:tailEnd type="triangle"/>
-          </a:ln>
-        </p:spPr>
-        <p:style>
-          <a:lnRef idx="1">
-            <a:schemeClr val="accent1"/>
-          </a:lnRef>
-          <a:fillRef idx="0">
-            <a:schemeClr val="accent1"/>
-          </a:fillRef>
-          <a:effectRef idx="0">
-            <a:schemeClr val="accent1"/>
-          </a:effectRef>
-          <a:fontRef idx="minor">
-            <a:schemeClr val="tx1"/>
-          </a:fontRef>
-        </p:style>
-      </p:cxnSp>
-      <p:cxnSp>
-        <p:nvCxnSpPr>
-          <p:cNvPr id="19" name="直線單箭頭接點 18"/>
-          <p:cNvCxnSpPr/>
-          <p:nvPr/>
-        </p:nvCxnSpPr>
-        <p:spPr>
-          <a:xfrm flipH="1" flipV="1">
-            <a:off x="3701872" y="5363253"/>
-            <a:ext cx="196793" cy="541940"/>
-          </a:xfrm>
-          <a:prstGeom prst="straightConnector1">
-            <a:avLst/>
-          </a:prstGeom>
-          <a:ln w="38100">
-            <a:solidFill>
-              <a:srgbClr val="FF0000"/>
-            </a:solidFill>
-            <a:tailEnd type="triangle"/>
-          </a:ln>
-        </p:spPr>
-        <p:style>
-          <a:lnRef idx="1">
-            <a:schemeClr val="accent1"/>
-          </a:lnRef>
-          <a:fillRef idx="0">
-            <a:schemeClr val="accent1"/>
-          </a:fillRef>
-          <a:effectRef idx="0">
-            <a:schemeClr val="accent1"/>
-          </a:effectRef>
-          <a:fontRef idx="minor">
-            <a:schemeClr val="tx1"/>
-          </a:fontRef>
-        </p:style>
-      </p:cxnSp>
-      <p:sp>
-        <p:nvSpPr>
-          <p:cNvPr id="21" name="右大括弧 20"/>
-          <p:cNvSpPr/>
-          <p:nvPr/>
-        </p:nvSpPr>
-        <p:spPr>
-          <a:xfrm rot="5400000">
-            <a:off x="6517917" y="3308411"/>
-            <a:ext cx="447495" cy="4442360"/>
-          </a:xfrm>
-          <a:prstGeom prst="rightBrace">
-            <a:avLst>
-              <a:gd name="adj1" fmla="val 115034"/>
-              <a:gd name="adj2" fmla="val 50000"/>
-            </a:avLst>
-          </a:prstGeom>
-          <a:ln w="38100">
-            <a:solidFill>
-              <a:srgbClr val="FF0000"/>
-            </a:solidFill>
-          </a:ln>
-        </p:spPr>
-        <p:style>
-          <a:lnRef idx="1">
-            <a:schemeClr val="accent1"/>
-          </a:lnRef>
-          <a:fillRef idx="0">
-            <a:schemeClr val="accent1"/>
-          </a:fillRef>
-          <a:effectRef idx="0">
-            <a:schemeClr val="accent1"/>
-          </a:effectRef>
-          <a:fontRef idx="minor">
-            <a:schemeClr val="tx1"/>
-          </a:fontRef>
-        </p:style>
-        <p:txBody>
-          <a:bodyPr rtlCol="0" anchor="ctr"/>
-          <a:lstStyle/>
-          <a:p>
-            <a:pPr algn="ctr"/>
-            <a:endParaRPr lang="zh-TW" altLang="en-US"/>
-          </a:p>
-        </p:txBody>
-      </p:sp>
-      <p:sp>
-        <p:nvSpPr>
-          <p:cNvPr id="5" name="矩形 4"/>
-          <p:cNvSpPr/>
-          <p:nvPr/>
-        </p:nvSpPr>
-        <p:spPr>
-          <a:xfrm>
-            <a:off x="1000259" y="3723950"/>
-            <a:ext cx="7325575" cy="369332"/>
-          </a:xfrm>
-          <a:prstGeom prst="rect">
-            <a:avLst/>
-          </a:prstGeom>
-        </p:spPr>
-        <p:txBody>
-          <a:bodyPr wrap="square">
-            <a:spAutoFit/>
-          </a:bodyPr>
-          <a:lstStyle/>
-          <a:p>
-            <a:pPr algn="ctr"/>
-            <a:r>
-              <a:rPr lang="en-US" altLang="zh-TW" b="1" dirty="0">
-                <a:solidFill>
-                  <a:srgbClr val="404040"/>
-                </a:solidFill>
-                <a:latin typeface="Georgia" panose="02040502050405020303" pitchFamily="18" charset="0"/>
-                <a:cs typeface="新細明體" panose="02020500000000000000" pitchFamily="18" charset="-120"/>
-              </a:rPr>
-              <a:t>SGD, </a:t>
-            </a:r>
-            <a:r>
-              <a:rPr lang="en-US" altLang="zh-TW" b="1" dirty="0" err="1">
-                <a:solidFill>
-                  <a:srgbClr val="404040"/>
-                </a:solidFill>
-                <a:latin typeface="Georgia" panose="02040502050405020303" pitchFamily="18" charset="0"/>
-                <a:cs typeface="新細明體" panose="02020500000000000000" pitchFamily="18" charset="-120"/>
-              </a:rPr>
-              <a:t>RMSprop</a:t>
-            </a:r>
-            <a:r>
-              <a:rPr lang="en-US" altLang="zh-TW" b="1" dirty="0">
-                <a:solidFill>
-                  <a:srgbClr val="404040"/>
-                </a:solidFill>
-                <a:latin typeface="Georgia" panose="02040502050405020303" pitchFamily="18" charset="0"/>
-                <a:cs typeface="新細明體" panose="02020500000000000000" pitchFamily="18" charset="-120"/>
-              </a:rPr>
-              <a:t>, </a:t>
-            </a:r>
-            <a:r>
-              <a:rPr lang="en-US" altLang="zh-TW" b="1" dirty="0" err="1">
-                <a:solidFill>
-                  <a:srgbClr val="404040"/>
-                </a:solidFill>
-                <a:latin typeface="Georgia" panose="02040502050405020303" pitchFamily="18" charset="0"/>
-                <a:cs typeface="新細明體" panose="02020500000000000000" pitchFamily="18" charset="-120"/>
-              </a:rPr>
-              <a:t>Adagrad</a:t>
-            </a:r>
-            <a:r>
-              <a:rPr lang="en-US" altLang="zh-TW" b="1" dirty="0">
-                <a:solidFill>
-                  <a:srgbClr val="404040"/>
-                </a:solidFill>
-                <a:latin typeface="Georgia" panose="02040502050405020303" pitchFamily="18" charset="0"/>
-                <a:cs typeface="新細明體" panose="02020500000000000000" pitchFamily="18" charset="-120"/>
-              </a:rPr>
-              <a:t>, </a:t>
-            </a:r>
-            <a:r>
-              <a:rPr lang="en-US" altLang="zh-TW" b="1" dirty="0" err="1">
-                <a:solidFill>
-                  <a:srgbClr val="404040"/>
-                </a:solidFill>
-                <a:latin typeface="Georgia" panose="02040502050405020303" pitchFamily="18" charset="0"/>
-                <a:cs typeface="新細明體" panose="02020500000000000000" pitchFamily="18" charset="-120"/>
-              </a:rPr>
-              <a:t>Adadelta</a:t>
-            </a:r>
-            <a:r>
-              <a:rPr lang="en-US" altLang="zh-TW" b="1" dirty="0">
-                <a:solidFill>
-                  <a:srgbClr val="404040"/>
-                </a:solidFill>
-                <a:latin typeface="Georgia" panose="02040502050405020303" pitchFamily="18" charset="0"/>
-                <a:cs typeface="新細明體" panose="02020500000000000000" pitchFamily="18" charset="-120"/>
-              </a:rPr>
-              <a:t>, Adam, </a:t>
-            </a:r>
-            <a:r>
-              <a:rPr lang="en-US" altLang="zh-TW" b="1" dirty="0" err="1">
-                <a:solidFill>
-                  <a:srgbClr val="404040"/>
-                </a:solidFill>
-                <a:latin typeface="Georgia" panose="02040502050405020303" pitchFamily="18" charset="0"/>
-                <a:cs typeface="新細明體" panose="02020500000000000000" pitchFamily="18" charset="-120"/>
-              </a:rPr>
-              <a:t>Adamax</a:t>
-            </a:r>
-            <a:r>
-              <a:rPr lang="en-US" altLang="zh-TW" b="1" dirty="0">
-                <a:solidFill>
-                  <a:srgbClr val="404040"/>
-                </a:solidFill>
-                <a:latin typeface="Georgia" panose="02040502050405020303" pitchFamily="18" charset="0"/>
-                <a:cs typeface="新細明體" panose="02020500000000000000" pitchFamily="18" charset="-120"/>
-              </a:rPr>
-              <a:t>, </a:t>
-            </a:r>
-            <a:r>
-              <a:rPr lang="en-US" altLang="zh-TW" b="1" dirty="0" err="1">
-                <a:solidFill>
-                  <a:srgbClr val="404040"/>
-                </a:solidFill>
-                <a:latin typeface="Georgia" panose="02040502050405020303" pitchFamily="18" charset="0"/>
-                <a:cs typeface="新細明體" panose="02020500000000000000" pitchFamily="18" charset="-120"/>
-              </a:rPr>
-              <a:t>Nadam</a:t>
-            </a:r>
-            <a:endParaRPr lang="zh-TW" altLang="zh-TW" b="1" dirty="0">
-              <a:latin typeface="新細明體" panose="02020500000000000000" pitchFamily="18" charset="-120"/>
-              <a:cs typeface="新細明體" panose="02020500000000000000" pitchFamily="18" charset="-120"/>
-            </a:endParaRPr>
+            <a:endParaRPr lang="zh-TW" altLang="en-US" dirty="0"/>
           </a:p>
         </p:txBody>
       </p:sp>
     </p:spTree>
     <p:extLst>
       <p:ext uri="{BB962C8B-B14F-4D97-AF65-F5344CB8AC3E}">
-        <p14:creationId xmlns:p14="http://schemas.microsoft.com/office/powerpoint/2010/main" val="2364973935"/>
+        <p14:creationId xmlns:p14="http://schemas.microsoft.com/office/powerpoint/2010/main" val="326668807"/>
       </p:ext>
     </p:extLst>
   </p:cSld>
@@ -5047,6 +4211,176 @@
       </p:transition>
     </mc:Fallback>
   </mc:AlternateContent>
+</p:sld>
+</file>
+
+<file path=ppt/slides/slide11.xml><?xml version="1.0" encoding="utf-8"?>
+<p:sld xmlns:a="http://schemas.openxmlformats.org/drawingml/2006/main" xmlns:r="http://schemas.openxmlformats.org/officeDocument/2006/relationships" xmlns:p="http://schemas.openxmlformats.org/presentationml/2006/main">
+  <p:cSld>
+    <p:spTree>
+      <p:nvGrpSpPr>
+        <p:cNvPr id="1" name=""/>
+        <p:cNvGrpSpPr/>
+        <p:nvPr/>
+      </p:nvGrpSpPr>
+      <p:grpSpPr>
+        <a:xfrm>
+          <a:off x="0" y="0"/>
+          <a:ext cx="0" cy="0"/>
+          <a:chOff x="0" y="0"/>
+          <a:chExt cx="0" cy="0"/>
+        </a:xfrm>
+      </p:grpSpPr>
+      <p:sp>
+        <p:nvSpPr>
+          <p:cNvPr id="2" name="標題 1">
+            <a:extLst>
+              <a:ext uri="{FF2B5EF4-FFF2-40B4-BE49-F238E27FC236}">
+                <a16:creationId xmlns:a16="http://schemas.microsoft.com/office/drawing/2014/main" id="{F3F1C51B-912A-4120-8FB9-8EB467174543}"/>
+              </a:ext>
+            </a:extLst>
+          </p:cNvPr>
+          <p:cNvSpPr>
+            <a:spLocks noGrp="1"/>
+          </p:cNvSpPr>
+          <p:nvPr>
+            <p:ph type="title"/>
+          </p:nvPr>
+        </p:nvSpPr>
+        <p:spPr/>
+        <p:txBody>
+          <a:bodyPr/>
+          <a:lstStyle/>
+          <a:p>
+            <a:endParaRPr lang="zh-TW" altLang="en-US"/>
+          </a:p>
+        </p:txBody>
+      </p:sp>
+      <p:sp>
+        <p:nvSpPr>
+          <p:cNvPr id="3" name="內容版面配置區 2">
+            <a:extLst>
+              <a:ext uri="{FF2B5EF4-FFF2-40B4-BE49-F238E27FC236}">
+                <a16:creationId xmlns:a16="http://schemas.microsoft.com/office/drawing/2014/main" id="{9CBD007D-20CD-48B4-9C43-D11886C67047}"/>
+              </a:ext>
+            </a:extLst>
+          </p:cNvPr>
+          <p:cNvSpPr>
+            <a:spLocks noGrp="1"/>
+          </p:cNvSpPr>
+          <p:nvPr>
+            <p:ph idx="1"/>
+          </p:nvPr>
+        </p:nvSpPr>
+        <p:spPr/>
+        <p:txBody>
+          <a:bodyPr/>
+          <a:lstStyle/>
+          <a:p>
+            <a:endParaRPr lang="zh-TW" altLang="en-US"/>
+          </a:p>
+        </p:txBody>
+      </p:sp>
+      <p:pic>
+        <p:nvPicPr>
+          <p:cNvPr id="4" name="圖片 3" descr="「ali boris nips talk」的圖片搜尋結果">
+            <a:extLst>
+              <a:ext uri="{FF2B5EF4-FFF2-40B4-BE49-F238E27FC236}">
+                <a16:creationId xmlns:a16="http://schemas.microsoft.com/office/drawing/2014/main" id="{57AC0664-5290-4FC2-8078-8A1D22235A58}"/>
+              </a:ext>
+            </a:extLst>
+          </p:cNvPr>
+          <p:cNvPicPr/>
+          <p:nvPr/>
+        </p:nvPicPr>
+        <p:blipFill>
+          <a:blip r:embed="rId2">
+            <a:extLst>
+              <a:ext uri="{28A0092B-C50C-407E-A947-70E740481C1C}">
+                <a14:useLocalDpi xmlns:a14="http://schemas.microsoft.com/office/drawing/2010/main" val="0"/>
+              </a:ext>
+            </a:extLst>
+          </a:blip>
+          <a:srcRect/>
+          <a:stretch>
+            <a:fillRect/>
+          </a:stretch>
+        </p:blipFill>
+        <p:spPr bwMode="auto">
+          <a:xfrm>
+            <a:off x="407963" y="1388209"/>
+            <a:ext cx="8328074" cy="3141588"/>
+          </a:xfrm>
+          <a:prstGeom prst="rect">
+            <a:avLst/>
+          </a:prstGeom>
+          <a:ln w="38100" cap="sq">
+            <a:solidFill>
+              <a:srgbClr val="000000"/>
+            </a:solidFill>
+            <a:prstDash val="solid"/>
+            <a:miter lim="800000"/>
+          </a:ln>
+          <a:effectLst>
+            <a:outerShdw blurRad="50800" dist="38100" dir="2700000" algn="tl" rotWithShape="0">
+              <a:srgbClr val="000000">
+                <a:alpha val="43000"/>
+              </a:srgbClr>
+            </a:outerShdw>
+          </a:effectLst>
+        </p:spPr>
+      </p:pic>
+      <p:sp>
+        <p:nvSpPr>
+          <p:cNvPr id="5" name="矩形 4">
+            <a:extLst>
+              <a:ext uri="{FF2B5EF4-FFF2-40B4-BE49-F238E27FC236}">
+                <a16:creationId xmlns:a16="http://schemas.microsoft.com/office/drawing/2014/main" id="{956F038E-C5F3-4147-8CD3-4F7DEE464403}"/>
+              </a:ext>
+            </a:extLst>
+          </p:cNvPr>
+          <p:cNvSpPr/>
+          <p:nvPr/>
+        </p:nvSpPr>
+        <p:spPr>
+          <a:xfrm>
+            <a:off x="2798010" y="4664733"/>
+            <a:ext cx="6134115" cy="461665"/>
+          </a:xfrm>
+          <a:prstGeom prst="rect">
+            <a:avLst/>
+          </a:prstGeom>
+        </p:spPr>
+        <p:txBody>
+          <a:bodyPr wrap="none">
+            <a:spAutoFit/>
+          </a:bodyPr>
+          <a:lstStyle/>
+          <a:p>
+            <a:r>
+              <a:rPr lang="en-US" altLang="zh-TW" sz="2400" dirty="0">
+                <a:latin typeface="微軟正黑體" panose="020B0604030504040204" pitchFamily="34" charset="-120"/>
+                <a:ea typeface="微軟正黑體" panose="020B0604030504040204" pitchFamily="34" charset="-120"/>
+              </a:rPr>
+              <a:t>Ali Rahimi, Test of Time Award, NIPS 2017</a:t>
+            </a:r>
+            <a:endParaRPr lang="zh-TW" altLang="en-US" sz="2400" dirty="0">
+              <a:latin typeface="微軟正黑體" panose="020B0604030504040204" pitchFamily="34" charset="-120"/>
+              <a:ea typeface="微軟正黑體" panose="020B0604030504040204" pitchFamily="34" charset="-120"/>
+            </a:endParaRPr>
+          </a:p>
+        </p:txBody>
+      </p:sp>
+    </p:spTree>
+    <p:extLst>
+      <p:ext uri="{BB962C8B-B14F-4D97-AF65-F5344CB8AC3E}">
+        <p14:creationId xmlns:p14="http://schemas.microsoft.com/office/powerpoint/2010/main" val="1491177535"/>
+      </p:ext>
+    </p:extLst>
+  </p:cSld>
+  <p:clrMapOvr>
+    <a:masterClrMapping/>
+  </p:clrMapOvr>
   <p:timing>
     <p:tnLst>
       <p:par>
@@ -5081,358 +4415,7 @@
                                           </p:stCondLst>
                                         </p:cTn>
                                         <p:tgtEl>
-                                          <p:spTgt spid="22"/>
-                                        </p:tgtEl>
-                                        <p:attrNameLst>
-                                          <p:attrName>style.visibility</p:attrName>
-                                        </p:attrNameLst>
-                                      </p:cBhvr>
-                                      <p:to>
-                                        <p:strVal val="visible"/>
-                                      </p:to>
-                                    </p:set>
-                                  </p:childTnLst>
-                                </p:cTn>
-                              </p:par>
-                            </p:childTnLst>
-                          </p:cTn>
-                        </p:par>
-                      </p:childTnLst>
-                    </p:cTn>
-                  </p:par>
-                  <p:par>
-                    <p:cTn id="7" fill="hold">
-                      <p:stCondLst>
-                        <p:cond delay="indefinite"/>
-                      </p:stCondLst>
-                      <p:childTnLst>
-                        <p:par>
-                          <p:cTn id="8" fill="hold">
-                            <p:stCondLst>
-                              <p:cond delay="0"/>
-                            </p:stCondLst>
-                            <p:childTnLst>
-                              <p:par>
-                                <p:cTn id="9" presetID="1" presetClass="entr" presetSubtype="0" fill="hold" nodeType="clickEffect">
-                                  <p:stCondLst>
-                                    <p:cond delay="0"/>
-                                  </p:stCondLst>
-                                  <p:childTnLst>
-                                    <p:set>
-                                      <p:cBhvr>
-                                        <p:cTn id="10" dur="1" fill="hold">
-                                          <p:stCondLst>
-                                            <p:cond delay="0"/>
-                                          </p:stCondLst>
-                                        </p:cTn>
-                                        <p:tgtEl>
-                                          <p:spTgt spid="8"/>
-                                        </p:tgtEl>
-                                        <p:attrNameLst>
-                                          <p:attrName>style.visibility</p:attrName>
-                                        </p:attrNameLst>
-                                      </p:cBhvr>
-                                      <p:to>
-                                        <p:strVal val="visible"/>
-                                      </p:to>
-                                    </p:set>
-                                  </p:childTnLst>
-                                </p:cTn>
-                              </p:par>
-                            </p:childTnLst>
-                          </p:cTn>
-                        </p:par>
-                      </p:childTnLst>
-                    </p:cTn>
-                  </p:par>
-                  <p:par>
-                    <p:cTn id="11" fill="hold">
-                      <p:stCondLst>
-                        <p:cond delay="indefinite"/>
-                      </p:stCondLst>
-                      <p:childTnLst>
-                        <p:par>
-                          <p:cTn id="12" fill="hold">
-                            <p:stCondLst>
-                              <p:cond delay="0"/>
-                            </p:stCondLst>
-                            <p:childTnLst>
-                              <p:par>
-                                <p:cTn id="13" presetID="1" presetClass="entr" presetSubtype="0" fill="hold" grpId="0" nodeType="clickEffect">
-                                  <p:stCondLst>
-                                    <p:cond delay="0"/>
-                                  </p:stCondLst>
-                                  <p:childTnLst>
-                                    <p:set>
-                                      <p:cBhvr>
-                                        <p:cTn id="14" dur="1" fill="hold">
-                                          <p:stCondLst>
-                                            <p:cond delay="0"/>
-                                          </p:stCondLst>
-                                        </p:cTn>
-                                        <p:tgtEl>
-                                          <p:spTgt spid="5"/>
-                                        </p:tgtEl>
-                                        <p:attrNameLst>
-                                          <p:attrName>style.visibility</p:attrName>
-                                        </p:attrNameLst>
-                                      </p:cBhvr>
-                                      <p:to>
-                                        <p:strVal val="visible"/>
-                                      </p:to>
-                                    </p:set>
-                                  </p:childTnLst>
-                                </p:cTn>
-                              </p:par>
-                            </p:childTnLst>
-                          </p:cTn>
-                        </p:par>
-                      </p:childTnLst>
-                    </p:cTn>
-                  </p:par>
-                  <p:par>
-                    <p:cTn id="15" fill="hold">
-                      <p:stCondLst>
-                        <p:cond delay="indefinite"/>
-                      </p:stCondLst>
-                      <p:childTnLst>
-                        <p:par>
-                          <p:cTn id="16" fill="hold">
-                            <p:stCondLst>
-                              <p:cond delay="0"/>
-                            </p:stCondLst>
-                            <p:childTnLst>
-                              <p:par>
-                                <p:cTn id="17" presetID="1" presetClass="entr" presetSubtype="0" fill="hold" nodeType="clickEffect">
-                                  <p:stCondLst>
-                                    <p:cond delay="0"/>
-                                  </p:stCondLst>
-                                  <p:childTnLst>
-                                    <p:set>
-                                      <p:cBhvr>
-                                        <p:cTn id="18" dur="1" fill="hold">
-                                          <p:stCondLst>
-                                            <p:cond delay="0"/>
-                                          </p:stCondLst>
-                                        </p:cTn>
-                                        <p:tgtEl>
-                                          <p:spTgt spid="13"/>
-                                        </p:tgtEl>
-                                        <p:attrNameLst>
-                                          <p:attrName>style.visibility</p:attrName>
-                                        </p:attrNameLst>
-                                      </p:cBhvr>
-                                      <p:to>
-                                        <p:strVal val="visible"/>
-                                      </p:to>
-                                    </p:set>
-                                  </p:childTnLst>
-                                </p:cTn>
-                              </p:par>
-                            </p:childTnLst>
-                          </p:cTn>
-                        </p:par>
-                      </p:childTnLst>
-                    </p:cTn>
-                  </p:par>
-                  <p:par>
-                    <p:cTn id="19" fill="hold">
-                      <p:stCondLst>
-                        <p:cond delay="indefinite"/>
-                      </p:stCondLst>
-                      <p:childTnLst>
-                        <p:par>
-                          <p:cTn id="20" fill="hold">
-                            <p:stCondLst>
-                              <p:cond delay="0"/>
-                            </p:stCondLst>
-                            <p:childTnLst>
-                              <p:par>
-                                <p:cTn id="21" presetID="1" presetClass="entr" presetSubtype="0" fill="hold" grpId="0" nodeType="clickEffect">
-                                  <p:stCondLst>
-                                    <p:cond delay="0"/>
-                                  </p:stCondLst>
-                                  <p:childTnLst>
-                                    <p:set>
-                                      <p:cBhvr>
-                                        <p:cTn id="22" dur="1" fill="hold">
-                                          <p:stCondLst>
-                                            <p:cond delay="0"/>
-                                          </p:stCondLst>
-                                        </p:cTn>
-                                        <p:tgtEl>
-                                          <p:spTgt spid="14"/>
-                                        </p:tgtEl>
-                                        <p:attrNameLst>
-                                          <p:attrName>style.visibility</p:attrName>
-                                        </p:attrNameLst>
-                                      </p:cBhvr>
-                                      <p:to>
-                                        <p:strVal val="visible"/>
-                                      </p:to>
-                                    </p:set>
-                                  </p:childTnLst>
-                                </p:cTn>
-                              </p:par>
-                              <p:par>
-                                <p:cTn id="23" presetID="1" presetClass="entr" presetSubtype="0" fill="hold" nodeType="withEffect">
-                                  <p:stCondLst>
-                                    <p:cond delay="0"/>
-                                  </p:stCondLst>
-                                  <p:childTnLst>
-                                    <p:set>
-                                      <p:cBhvr>
-                                        <p:cTn id="24" dur="1" fill="hold">
-                                          <p:stCondLst>
-                                            <p:cond delay="0"/>
-                                          </p:stCondLst>
-                                        </p:cTn>
-                                        <p:tgtEl>
-                                          <p:spTgt spid="18"/>
-                                        </p:tgtEl>
-                                        <p:attrNameLst>
-                                          <p:attrName>style.visibility</p:attrName>
-                                        </p:attrNameLst>
-                                      </p:cBhvr>
-                                      <p:to>
-                                        <p:strVal val="visible"/>
-                                      </p:to>
-                                    </p:set>
-                                  </p:childTnLst>
-                                </p:cTn>
-                              </p:par>
-                            </p:childTnLst>
-                          </p:cTn>
-                        </p:par>
-                      </p:childTnLst>
-                    </p:cTn>
-                  </p:par>
-                  <p:par>
-                    <p:cTn id="25" fill="hold">
-                      <p:stCondLst>
-                        <p:cond delay="indefinite"/>
-                      </p:stCondLst>
-                      <p:childTnLst>
-                        <p:par>
-                          <p:cTn id="26" fill="hold">
-                            <p:stCondLst>
-                              <p:cond delay="0"/>
-                            </p:stCondLst>
-                            <p:childTnLst>
-                              <p:par>
-                                <p:cTn id="27" presetID="1" presetClass="entr" presetSubtype="0" fill="hold" grpId="0" nodeType="clickEffect">
-                                  <p:stCondLst>
-                                    <p:cond delay="0"/>
-                                  </p:stCondLst>
-                                  <p:childTnLst>
-                                    <p:set>
-                                      <p:cBhvr>
-                                        <p:cTn id="28" dur="1" fill="hold">
-                                          <p:stCondLst>
-                                            <p:cond delay="0"/>
-                                          </p:stCondLst>
-                                        </p:cTn>
-                                        <p:tgtEl>
-                                          <p:spTgt spid="15"/>
-                                        </p:tgtEl>
-                                        <p:attrNameLst>
-                                          <p:attrName>style.visibility</p:attrName>
-                                        </p:attrNameLst>
-                                      </p:cBhvr>
-                                      <p:to>
-                                        <p:strVal val="visible"/>
-                                      </p:to>
-                                    </p:set>
-                                  </p:childTnLst>
-                                </p:cTn>
-                              </p:par>
-                              <p:par>
-                                <p:cTn id="29" presetID="1" presetClass="entr" presetSubtype="0" fill="hold" nodeType="withEffect">
-                                  <p:stCondLst>
-                                    <p:cond delay="0"/>
-                                  </p:stCondLst>
-                                  <p:childTnLst>
-                                    <p:set>
-                                      <p:cBhvr>
-                                        <p:cTn id="30" dur="1" fill="hold">
-                                          <p:stCondLst>
-                                            <p:cond delay="0"/>
-                                          </p:stCondLst>
-                                        </p:cTn>
-                                        <p:tgtEl>
-                                          <p:spTgt spid="19"/>
-                                        </p:tgtEl>
-                                        <p:attrNameLst>
-                                          <p:attrName>style.visibility</p:attrName>
-                                        </p:attrNameLst>
-                                      </p:cBhvr>
-                                      <p:to>
-                                        <p:strVal val="visible"/>
-                                      </p:to>
-                                    </p:set>
-                                  </p:childTnLst>
-                                </p:cTn>
-                              </p:par>
-                            </p:childTnLst>
-                          </p:cTn>
-                        </p:par>
-                      </p:childTnLst>
-                    </p:cTn>
-                  </p:par>
-                  <p:par>
-                    <p:cTn id="31" fill="hold">
-                      <p:stCondLst>
-                        <p:cond delay="indefinite"/>
-                      </p:stCondLst>
-                      <p:childTnLst>
-                        <p:par>
-                          <p:cTn id="32" fill="hold">
-                            <p:stCondLst>
-                              <p:cond delay="0"/>
-                            </p:stCondLst>
-                            <p:childTnLst>
-                              <p:par>
-                                <p:cTn id="33" presetID="1" presetClass="entr" presetSubtype="0" fill="hold" grpId="0" nodeType="clickEffect">
-                                  <p:stCondLst>
-                                    <p:cond delay="0"/>
-                                  </p:stCondLst>
-                                  <p:childTnLst>
-                                    <p:set>
-                                      <p:cBhvr>
-                                        <p:cTn id="34" dur="1" fill="hold">
-                                          <p:stCondLst>
-                                            <p:cond delay="0"/>
-                                          </p:stCondLst>
-                                        </p:cTn>
-                                        <p:tgtEl>
-                                          <p:spTgt spid="16"/>
-                                        </p:tgtEl>
-                                        <p:attrNameLst>
-                                          <p:attrName>style.visibility</p:attrName>
-                                        </p:attrNameLst>
-                                      </p:cBhvr>
-                                      <p:to>
-                                        <p:strVal val="visible"/>
-                                      </p:to>
-                                    </p:set>
-                                  </p:childTnLst>
-                                </p:cTn>
-                              </p:par>
-                              <p:par>
-                                <p:cTn id="35" presetID="1" presetClass="entr" presetSubtype="0" fill="hold" grpId="0" nodeType="withEffect">
-                                  <p:stCondLst>
-                                    <p:cond delay="0"/>
-                                  </p:stCondLst>
-                                  <p:childTnLst>
-                                    <p:set>
-                                      <p:cBhvr>
-                                        <p:cTn id="36" dur="1" fill="hold">
-                                          <p:stCondLst>
-                                            <p:cond delay="0"/>
-                                          </p:stCondLst>
-                                        </p:cTn>
-                                        <p:tgtEl>
-                                          <p:spTgt spid="21"/>
+                                          <p:spTgt spid="4"/>
                                         </p:tgtEl>
                                         <p:attrNameLst>
                                           <p:attrName>style.visibility</p:attrName>
@@ -5472,1795 +4455,7 @@
         </p:cTn>
       </p:par>
     </p:tnLst>
-    <p:bldLst>
-      <p:bldP spid="14" grpId="0"/>
-      <p:bldP spid="15" grpId="0"/>
-      <p:bldP spid="16" grpId="0"/>
-      <p:bldP spid="21" grpId="0" animBg="1"/>
-      <p:bldP spid="5" grpId="0"/>
-    </p:bldLst>
   </p:timing>
-</p:sld>
-</file>
-
-<file path=ppt/slides/slide11.xml><?xml version="1.0" encoding="utf-8"?>
-<p:sld xmlns:a="http://schemas.openxmlformats.org/drawingml/2006/main" xmlns:r="http://schemas.openxmlformats.org/officeDocument/2006/relationships" xmlns:p="http://schemas.openxmlformats.org/presentationml/2006/main">
-  <p:cSld>
-    <p:spTree>
-      <p:nvGrpSpPr>
-        <p:cNvPr id="1" name=""/>
-        <p:cNvGrpSpPr/>
-        <p:nvPr/>
-      </p:nvGrpSpPr>
-      <p:grpSpPr>
-        <a:xfrm>
-          <a:off x="0" y="0"/>
-          <a:ext cx="0" cy="0"/>
-          <a:chOff x="0" y="0"/>
-          <a:chExt cx="0" cy="0"/>
-        </a:xfrm>
-      </p:grpSpPr>
-      <p:pic>
-        <p:nvPicPr>
-          <p:cNvPr id="21" name="圖片 20"/>
-          <p:cNvPicPr>
-            <a:picLocks noChangeAspect="1"/>
-          </p:cNvPicPr>
-          <p:nvPr/>
-        </p:nvPicPr>
-        <p:blipFill>
-          <a:blip r:embed="rId3"/>
-          <a:stretch>
-            <a:fillRect/>
-          </a:stretch>
-        </p:blipFill>
-        <p:spPr>
-          <a:xfrm>
-            <a:off x="2358559" y="330137"/>
-            <a:ext cx="6584974" cy="1312280"/>
-          </a:xfrm>
-          <a:prstGeom prst="rect">
-            <a:avLst/>
-          </a:prstGeom>
-        </p:spPr>
-      </p:pic>
-      <p:pic>
-        <p:nvPicPr>
-          <p:cNvPr id="33" name="圖片 32"/>
-          <p:cNvPicPr>
-            <a:picLocks noChangeAspect="1"/>
-          </p:cNvPicPr>
-          <p:nvPr/>
-        </p:nvPicPr>
-        <p:blipFill>
-          <a:blip r:embed="rId4"/>
-          <a:stretch>
-            <a:fillRect/>
-          </a:stretch>
-        </p:blipFill>
-        <p:spPr>
-          <a:xfrm>
-            <a:off x="4750895" y="3760052"/>
-            <a:ext cx="4997644" cy="2183586"/>
-          </a:xfrm>
-          <a:prstGeom prst="rect">
-            <a:avLst/>
-          </a:prstGeom>
-        </p:spPr>
-      </p:pic>
-      <p:sp>
-        <p:nvSpPr>
-          <p:cNvPr id="2" name="標題 1"/>
-          <p:cNvSpPr>
-            <a:spLocks noGrp="1"/>
-          </p:cNvSpPr>
-          <p:nvPr>
-            <p:ph type="title"/>
-          </p:nvPr>
-        </p:nvSpPr>
-        <p:spPr/>
-        <p:txBody>
-          <a:bodyPr/>
-          <a:lstStyle/>
-          <a:p>
-            <a:r>
-              <a:rPr lang="en-US" altLang="zh-TW" dirty="0" err="1"/>
-              <a:t>Keras</a:t>
-            </a:r>
-            <a:endParaRPr lang="zh-TW" altLang="en-US" dirty="0"/>
-          </a:p>
-        </p:txBody>
-      </p:sp>
-      <p:sp>
-        <p:nvSpPr>
-          <p:cNvPr id="3" name="矩形 2"/>
-          <p:cNvSpPr/>
-          <p:nvPr/>
-        </p:nvSpPr>
-        <p:spPr>
-          <a:xfrm>
-            <a:off x="7119872" y="365126"/>
-            <a:ext cx="1805189" cy="1235074"/>
-          </a:xfrm>
-          <a:prstGeom prst="rect">
-            <a:avLst/>
-          </a:prstGeom>
-          <a:noFill/>
-          <a:ln w="57150">
-            <a:solidFill>
-              <a:srgbClr val="FF0000"/>
-            </a:solidFill>
-          </a:ln>
-        </p:spPr>
-        <p:style>
-          <a:lnRef idx="2">
-            <a:schemeClr val="accent1">
-              <a:shade val="50000"/>
-            </a:schemeClr>
-          </a:lnRef>
-          <a:fillRef idx="1">
-            <a:schemeClr val="accent1"/>
-          </a:fillRef>
-          <a:effectRef idx="0">
-            <a:schemeClr val="accent1"/>
-          </a:effectRef>
-          <a:fontRef idx="minor">
-            <a:schemeClr val="lt1"/>
-          </a:fontRef>
-        </p:style>
-        <p:txBody>
-          <a:bodyPr rtlCol="0" anchor="ctr"/>
-          <a:lstStyle/>
-          <a:p>
-            <a:pPr algn="ctr"/>
-            <a:endParaRPr lang="zh-TW" altLang="en-US"/>
-          </a:p>
-        </p:txBody>
-      </p:sp>
-      <p:sp>
-        <p:nvSpPr>
-          <p:cNvPr id="9" name="文字方塊 8"/>
-          <p:cNvSpPr txBox="1"/>
-          <p:nvPr/>
-        </p:nvSpPr>
-        <p:spPr>
-          <a:xfrm>
-            <a:off x="463639" y="1868965"/>
-            <a:ext cx="6246254" cy="461665"/>
-          </a:xfrm>
-          <a:prstGeom prst="rect">
-            <a:avLst/>
-          </a:prstGeom>
-          <a:noFill/>
-        </p:spPr>
-        <p:txBody>
-          <a:bodyPr wrap="square" rtlCol="0">
-            <a:spAutoFit/>
-          </a:bodyPr>
-          <a:lstStyle/>
-          <a:p>
-            <a:r>
-              <a:rPr lang="en-US" altLang="zh-TW" sz="2400" dirty="0"/>
-              <a:t>Step 3.2: Find the optimal network parameters</a:t>
-            </a:r>
-            <a:endParaRPr lang="zh-TW" altLang="en-US" sz="2400" dirty="0"/>
-          </a:p>
-        </p:txBody>
-      </p:sp>
-      <p:pic>
-        <p:nvPicPr>
-          <p:cNvPr id="13" name="圖片 12"/>
-          <p:cNvPicPr>
-            <a:picLocks noChangeAspect="1"/>
-          </p:cNvPicPr>
-          <p:nvPr/>
-        </p:nvPicPr>
-        <p:blipFill>
-          <a:blip r:embed="rId5"/>
-          <a:stretch>
-            <a:fillRect/>
-          </a:stretch>
-        </p:blipFill>
-        <p:spPr>
-          <a:xfrm>
-            <a:off x="190947" y="2504862"/>
-            <a:ext cx="8771898" cy="441579"/>
-          </a:xfrm>
-          <a:prstGeom prst="rect">
-            <a:avLst/>
-          </a:prstGeom>
-        </p:spPr>
-      </p:pic>
-      <p:cxnSp>
-        <p:nvCxnSpPr>
-          <p:cNvPr id="18" name="直線單箭頭接點 17"/>
-          <p:cNvCxnSpPr>
-            <a:stCxn id="26" idx="0"/>
-          </p:cNvCxnSpPr>
-          <p:nvPr/>
-        </p:nvCxnSpPr>
-        <p:spPr>
-          <a:xfrm flipH="1" flipV="1">
-            <a:off x="2157627" y="2946441"/>
-            <a:ext cx="355706" cy="464347"/>
-          </a:xfrm>
-          <a:prstGeom prst="straightConnector1">
-            <a:avLst/>
-          </a:prstGeom>
-          <a:ln w="38100">
-            <a:solidFill>
-              <a:srgbClr val="FF0000"/>
-            </a:solidFill>
-            <a:tailEnd type="triangle"/>
-          </a:ln>
-        </p:spPr>
-        <p:style>
-          <a:lnRef idx="1">
-            <a:schemeClr val="accent1"/>
-          </a:lnRef>
-          <a:fillRef idx="0">
-            <a:schemeClr val="accent1"/>
-          </a:fillRef>
-          <a:effectRef idx="0">
-            <a:schemeClr val="accent1"/>
-          </a:effectRef>
-          <a:fontRef idx="minor">
-            <a:schemeClr val="tx1"/>
-          </a:fontRef>
-        </p:style>
-      </p:cxnSp>
-      <p:cxnSp>
-        <p:nvCxnSpPr>
-          <p:cNvPr id="19" name="直線單箭頭接點 18"/>
-          <p:cNvCxnSpPr/>
-          <p:nvPr/>
-        </p:nvCxnSpPr>
-        <p:spPr>
-          <a:xfrm flipH="1" flipV="1">
-            <a:off x="3729417" y="2892479"/>
-            <a:ext cx="1512284" cy="514801"/>
-          </a:xfrm>
-          <a:prstGeom prst="straightConnector1">
-            <a:avLst/>
-          </a:prstGeom>
-          <a:ln w="38100">
-            <a:solidFill>
-              <a:srgbClr val="FF0000"/>
-            </a:solidFill>
-            <a:tailEnd type="triangle"/>
-          </a:ln>
-        </p:spPr>
-        <p:style>
-          <a:lnRef idx="1">
-            <a:schemeClr val="accent1"/>
-          </a:lnRef>
-          <a:fillRef idx="0">
-            <a:schemeClr val="accent1"/>
-          </a:fillRef>
-          <a:effectRef idx="0">
-            <a:schemeClr val="accent1"/>
-          </a:effectRef>
-          <a:fontRef idx="minor">
-            <a:schemeClr val="tx1"/>
-          </a:fontRef>
-        </p:style>
-      </p:cxnSp>
-      <p:sp>
-        <p:nvSpPr>
-          <p:cNvPr id="23" name="矩形 22"/>
-          <p:cNvSpPr/>
-          <p:nvPr/>
-        </p:nvSpPr>
-        <p:spPr>
-          <a:xfrm>
-            <a:off x="77273" y="6370458"/>
-            <a:ext cx="8783865" cy="369332"/>
-          </a:xfrm>
-          <a:prstGeom prst="rect">
-            <a:avLst/>
-          </a:prstGeom>
-        </p:spPr>
-        <p:txBody>
-          <a:bodyPr wrap="square">
-            <a:spAutoFit/>
-          </a:bodyPr>
-          <a:lstStyle/>
-          <a:p>
-            <a:pPr algn="ctr"/>
-            <a:r>
-              <a:rPr lang="zh-TW" altLang="en-US" dirty="0"/>
-              <a:t>https://www.tensorflow.org/versions/r0.8/tutorials/mnist/beginners/index.html</a:t>
-            </a:r>
-          </a:p>
-        </p:txBody>
-      </p:sp>
-      <p:sp>
-        <p:nvSpPr>
-          <p:cNvPr id="11" name="文字方塊 10"/>
-          <p:cNvSpPr txBox="1"/>
-          <p:nvPr/>
-        </p:nvSpPr>
-        <p:spPr>
-          <a:xfrm>
-            <a:off x="470078" y="5751465"/>
-            <a:ext cx="4172755" cy="461665"/>
-          </a:xfrm>
-          <a:prstGeom prst="rect">
-            <a:avLst/>
-          </a:prstGeom>
-          <a:noFill/>
-        </p:spPr>
-        <p:txBody>
-          <a:bodyPr wrap="square" rtlCol="0">
-            <a:spAutoFit/>
-          </a:bodyPr>
-          <a:lstStyle/>
-          <a:p>
-            <a:pPr algn="ctr"/>
-            <a:r>
-              <a:rPr lang="en-US" altLang="zh-TW" sz="2400" dirty="0"/>
-              <a:t>Number of training examples</a:t>
-            </a:r>
-            <a:endParaRPr lang="zh-TW" altLang="en-US" sz="2400" dirty="0"/>
-          </a:p>
-        </p:txBody>
-      </p:sp>
-      <p:pic>
-        <p:nvPicPr>
-          <p:cNvPr id="24" name="圖片 23"/>
-          <p:cNvPicPr>
-            <a:picLocks noChangeAspect="1"/>
-          </p:cNvPicPr>
-          <p:nvPr/>
-        </p:nvPicPr>
-        <p:blipFill>
-          <a:blip r:embed="rId6"/>
-          <a:stretch>
-            <a:fillRect/>
-          </a:stretch>
-        </p:blipFill>
-        <p:spPr>
-          <a:xfrm>
-            <a:off x="1212318" y="3726114"/>
-            <a:ext cx="2852838" cy="2063213"/>
-          </a:xfrm>
-          <a:prstGeom prst="rect">
-            <a:avLst/>
-          </a:prstGeom>
-        </p:spPr>
-      </p:pic>
-      <p:sp>
-        <p:nvSpPr>
-          <p:cNvPr id="26" name="文字方塊 25"/>
-          <p:cNvSpPr txBox="1"/>
-          <p:nvPr/>
-        </p:nvSpPr>
-        <p:spPr>
-          <a:xfrm>
-            <a:off x="1634821" y="3410788"/>
-            <a:ext cx="1757023" cy="461665"/>
-          </a:xfrm>
-          <a:prstGeom prst="rect">
-            <a:avLst/>
-          </a:prstGeom>
-          <a:noFill/>
-        </p:spPr>
-        <p:txBody>
-          <a:bodyPr wrap="square" rtlCol="0">
-            <a:spAutoFit/>
-          </a:bodyPr>
-          <a:lstStyle/>
-          <a:p>
-            <a:pPr algn="ctr"/>
-            <a:r>
-              <a:rPr lang="en-US" altLang="zh-TW" sz="2400" dirty="0" err="1"/>
-              <a:t>numpy</a:t>
-            </a:r>
-            <a:r>
-              <a:rPr lang="en-US" altLang="zh-TW" sz="2400" dirty="0"/>
-              <a:t> array</a:t>
-            </a:r>
-            <a:endParaRPr lang="zh-TW" altLang="en-US" sz="2400" dirty="0"/>
-          </a:p>
-        </p:txBody>
-      </p:sp>
-      <p:sp>
-        <p:nvSpPr>
-          <p:cNvPr id="28" name="文字方塊 27"/>
-          <p:cNvSpPr txBox="1"/>
-          <p:nvPr/>
-        </p:nvSpPr>
-        <p:spPr>
-          <a:xfrm>
-            <a:off x="77273" y="4431359"/>
-            <a:ext cx="1336111" cy="830997"/>
-          </a:xfrm>
-          <a:prstGeom prst="rect">
-            <a:avLst/>
-          </a:prstGeom>
-          <a:noFill/>
-        </p:spPr>
-        <p:txBody>
-          <a:bodyPr wrap="square" rtlCol="0">
-            <a:spAutoFit/>
-          </a:bodyPr>
-          <a:lstStyle/>
-          <a:p>
-            <a:pPr algn="ctr"/>
-            <a:r>
-              <a:rPr lang="en-US" altLang="zh-TW" sz="2400" dirty="0"/>
-              <a:t>28 x 28</a:t>
-            </a:r>
-          </a:p>
-          <a:p>
-            <a:pPr algn="ctr"/>
-            <a:r>
-              <a:rPr lang="en-US" altLang="zh-TW" sz="2400" dirty="0"/>
-              <a:t>=784</a:t>
-            </a:r>
-            <a:endParaRPr lang="zh-TW" altLang="en-US" sz="2400" dirty="0"/>
-          </a:p>
-        </p:txBody>
-      </p:sp>
-      <p:sp>
-        <p:nvSpPr>
-          <p:cNvPr id="30" name="文字方塊 29"/>
-          <p:cNvSpPr txBox="1"/>
-          <p:nvPr/>
-        </p:nvSpPr>
-        <p:spPr>
-          <a:xfrm>
-            <a:off x="5153324" y="3333232"/>
-            <a:ext cx="1757023" cy="461665"/>
-          </a:xfrm>
-          <a:prstGeom prst="rect">
-            <a:avLst/>
-          </a:prstGeom>
-          <a:noFill/>
-        </p:spPr>
-        <p:txBody>
-          <a:bodyPr wrap="square" rtlCol="0">
-            <a:spAutoFit/>
-          </a:bodyPr>
-          <a:lstStyle/>
-          <a:p>
-            <a:pPr algn="ctr"/>
-            <a:r>
-              <a:rPr lang="en-US" altLang="zh-TW" sz="2400" dirty="0" err="1"/>
-              <a:t>numpy</a:t>
-            </a:r>
-            <a:r>
-              <a:rPr lang="en-US" altLang="zh-TW" sz="2400" dirty="0"/>
-              <a:t> array</a:t>
-            </a:r>
-            <a:endParaRPr lang="zh-TW" altLang="en-US" sz="2400" dirty="0"/>
-          </a:p>
-        </p:txBody>
-      </p:sp>
-      <p:sp>
-        <p:nvSpPr>
-          <p:cNvPr id="34" name="文字方塊 33"/>
-          <p:cNvSpPr txBox="1"/>
-          <p:nvPr/>
-        </p:nvSpPr>
-        <p:spPr>
-          <a:xfrm>
-            <a:off x="4428511" y="4434301"/>
-            <a:ext cx="541646" cy="461665"/>
-          </a:xfrm>
-          <a:prstGeom prst="rect">
-            <a:avLst/>
-          </a:prstGeom>
-          <a:noFill/>
-        </p:spPr>
-        <p:txBody>
-          <a:bodyPr wrap="square" rtlCol="0">
-            <a:spAutoFit/>
-          </a:bodyPr>
-          <a:lstStyle/>
-          <a:p>
-            <a:pPr algn="r"/>
-            <a:r>
-              <a:rPr lang="en-US" altLang="zh-TW" sz="2400" dirty="0"/>
-              <a:t>10</a:t>
-            </a:r>
-            <a:endParaRPr lang="zh-TW" altLang="en-US" sz="2400" dirty="0"/>
-          </a:p>
-        </p:txBody>
-      </p:sp>
-      <p:sp>
-        <p:nvSpPr>
-          <p:cNvPr id="35" name="文字方塊 34"/>
-          <p:cNvSpPr txBox="1"/>
-          <p:nvPr/>
-        </p:nvSpPr>
-        <p:spPr>
-          <a:xfrm>
-            <a:off x="4790090" y="5789327"/>
-            <a:ext cx="4172755" cy="461665"/>
-          </a:xfrm>
-          <a:prstGeom prst="rect">
-            <a:avLst/>
-          </a:prstGeom>
-          <a:noFill/>
-        </p:spPr>
-        <p:txBody>
-          <a:bodyPr wrap="square" rtlCol="0">
-            <a:spAutoFit/>
-          </a:bodyPr>
-          <a:lstStyle/>
-          <a:p>
-            <a:pPr algn="ctr"/>
-            <a:r>
-              <a:rPr lang="en-US" altLang="zh-TW" sz="2400" dirty="0"/>
-              <a:t>Number of training examples</a:t>
-            </a:r>
-            <a:endParaRPr lang="zh-TW" altLang="en-US" sz="2400" dirty="0"/>
-          </a:p>
-        </p:txBody>
-      </p:sp>
-      <p:sp>
-        <p:nvSpPr>
-          <p:cNvPr id="4" name="文字方塊 3"/>
-          <p:cNvSpPr txBox="1"/>
-          <p:nvPr/>
-        </p:nvSpPr>
-        <p:spPr>
-          <a:xfrm>
-            <a:off x="3318069" y="4302233"/>
-            <a:ext cx="995696" cy="523220"/>
-          </a:xfrm>
-          <a:prstGeom prst="rect">
-            <a:avLst/>
-          </a:prstGeom>
-          <a:noFill/>
-        </p:spPr>
-        <p:txBody>
-          <a:bodyPr wrap="square" rtlCol="0">
-            <a:spAutoFit/>
-          </a:bodyPr>
-          <a:lstStyle/>
-          <a:p>
-            <a:r>
-              <a:rPr lang="en-US" altLang="zh-TW" sz="2800" b="1" dirty="0"/>
-              <a:t>……</a:t>
-            </a:r>
-            <a:endParaRPr lang="zh-TW" altLang="en-US" sz="2800" b="1" dirty="0"/>
-          </a:p>
-        </p:txBody>
-      </p:sp>
-      <p:sp>
-        <p:nvSpPr>
-          <p:cNvPr id="20" name="文字方塊 19"/>
-          <p:cNvSpPr txBox="1"/>
-          <p:nvPr/>
-        </p:nvSpPr>
-        <p:spPr>
-          <a:xfrm>
-            <a:off x="7694740" y="4300890"/>
-            <a:ext cx="995696" cy="523220"/>
-          </a:xfrm>
-          <a:prstGeom prst="rect">
-            <a:avLst/>
-          </a:prstGeom>
-          <a:noFill/>
-        </p:spPr>
-        <p:txBody>
-          <a:bodyPr wrap="square" rtlCol="0">
-            <a:spAutoFit/>
-          </a:bodyPr>
-          <a:lstStyle/>
-          <a:p>
-            <a:r>
-              <a:rPr lang="en-US" altLang="zh-TW" sz="2800" b="1" dirty="0"/>
-              <a:t>……</a:t>
-            </a:r>
-            <a:endParaRPr lang="zh-TW" altLang="en-US" sz="2800" b="1" dirty="0"/>
-          </a:p>
-        </p:txBody>
-      </p:sp>
-    </p:spTree>
-    <p:extLst>
-      <p:ext uri="{BB962C8B-B14F-4D97-AF65-F5344CB8AC3E}">
-        <p14:creationId xmlns:p14="http://schemas.microsoft.com/office/powerpoint/2010/main" val="3174390193"/>
-      </p:ext>
-    </p:extLst>
-  </p:cSld>
-  <p:clrMapOvr>
-    <a:masterClrMapping/>
-  </p:clrMapOvr>
-  <mc:AlternateContent xmlns:mc="http://schemas.openxmlformats.org/markup-compatibility/2006" xmlns:p14="http://schemas.microsoft.com/office/powerpoint/2010/main">
-    <mc:Choice Requires="p14">
-      <p:transition spd="slow" p14:dur="2000">
-        <p:cut/>
-      </p:transition>
-    </mc:Choice>
-    <mc:Fallback xmlns="">
-      <p:transition spd="slow">
-        <p:cut/>
-      </p:transition>
-    </mc:Fallback>
-  </mc:AlternateContent>
-  <p:timing>
-    <p:tnLst>
-      <p:par>
-        <p:cTn id="1" dur="indefinite" restart="never" nodeType="tmRoot">
-          <p:childTnLst>
-            <p:seq concurrent="1" nextAc="seek">
-              <p:cTn id="2" dur="indefinite" nodeType="mainSeq">
-                <p:childTnLst>
-                  <p:par>
-                    <p:cTn id="3" fill="hold">
-                      <p:stCondLst>
-                        <p:cond delay="indefinite"/>
-                      </p:stCondLst>
-                      <p:childTnLst>
-                        <p:par>
-                          <p:cTn id="4" fill="hold">
-                            <p:stCondLst>
-                              <p:cond delay="0"/>
-                            </p:stCondLst>
-                            <p:childTnLst>
-                              <p:par>
-                                <p:cTn id="5" presetID="1" presetClass="entr" presetSubtype="0" fill="hold" nodeType="clickEffect">
-                                  <p:stCondLst>
-                                    <p:cond delay="0"/>
-                                  </p:stCondLst>
-                                  <p:childTnLst>
-                                    <p:set>
-                                      <p:cBhvr>
-                                        <p:cTn id="6" dur="1" fill="hold">
-                                          <p:stCondLst>
-                                            <p:cond delay="0"/>
-                                          </p:stCondLst>
-                                        </p:cTn>
-                                        <p:tgtEl>
-                                          <p:spTgt spid="18"/>
-                                        </p:tgtEl>
-                                        <p:attrNameLst>
-                                          <p:attrName>style.visibility</p:attrName>
-                                        </p:attrNameLst>
-                                      </p:cBhvr>
-                                      <p:to>
-                                        <p:strVal val="visible"/>
-                                      </p:to>
-                                    </p:set>
-                                  </p:childTnLst>
-                                </p:cTn>
-                              </p:par>
-                              <p:par>
-                                <p:cTn id="7" presetID="1" presetClass="entr" presetSubtype="0" fill="hold" grpId="0" nodeType="withEffect">
-                                  <p:stCondLst>
-                                    <p:cond delay="0"/>
-                                  </p:stCondLst>
-                                  <p:childTnLst>
-                                    <p:set>
-                                      <p:cBhvr>
-                                        <p:cTn id="8" dur="1" fill="hold">
-                                          <p:stCondLst>
-                                            <p:cond delay="0"/>
-                                          </p:stCondLst>
-                                        </p:cTn>
-                                        <p:tgtEl>
-                                          <p:spTgt spid="26"/>
-                                        </p:tgtEl>
-                                        <p:attrNameLst>
-                                          <p:attrName>style.visibility</p:attrName>
-                                        </p:attrNameLst>
-                                      </p:cBhvr>
-                                      <p:to>
-                                        <p:strVal val="visible"/>
-                                      </p:to>
-                                    </p:set>
-                                  </p:childTnLst>
-                                </p:cTn>
-                              </p:par>
-                              <p:par>
-                                <p:cTn id="9" presetID="1" presetClass="entr" presetSubtype="0" fill="hold" nodeType="withEffect">
-                                  <p:stCondLst>
-                                    <p:cond delay="0"/>
-                                  </p:stCondLst>
-                                  <p:childTnLst>
-                                    <p:set>
-                                      <p:cBhvr>
-                                        <p:cTn id="10" dur="1" fill="hold">
-                                          <p:stCondLst>
-                                            <p:cond delay="0"/>
-                                          </p:stCondLst>
-                                        </p:cTn>
-                                        <p:tgtEl>
-                                          <p:spTgt spid="24"/>
-                                        </p:tgtEl>
-                                        <p:attrNameLst>
-                                          <p:attrName>style.visibility</p:attrName>
-                                        </p:attrNameLst>
-                                      </p:cBhvr>
-                                      <p:to>
-                                        <p:strVal val="visible"/>
-                                      </p:to>
-                                    </p:set>
-                                  </p:childTnLst>
-                                </p:cTn>
-                              </p:par>
-                              <p:par>
-                                <p:cTn id="11" presetID="1" presetClass="entr" presetSubtype="0" fill="hold" grpId="0" nodeType="withEffect">
-                                  <p:stCondLst>
-                                    <p:cond delay="0"/>
-                                  </p:stCondLst>
-                                  <p:childTnLst>
-                                    <p:set>
-                                      <p:cBhvr>
-                                        <p:cTn id="12" dur="1" fill="hold">
-                                          <p:stCondLst>
-                                            <p:cond delay="0"/>
-                                          </p:stCondLst>
-                                        </p:cTn>
-                                        <p:tgtEl>
-                                          <p:spTgt spid="4"/>
-                                        </p:tgtEl>
-                                        <p:attrNameLst>
-                                          <p:attrName>style.visibility</p:attrName>
-                                        </p:attrNameLst>
-                                      </p:cBhvr>
-                                      <p:to>
-                                        <p:strVal val="visible"/>
-                                      </p:to>
-                                    </p:set>
-                                  </p:childTnLst>
-                                </p:cTn>
-                              </p:par>
-                            </p:childTnLst>
-                          </p:cTn>
-                        </p:par>
-                      </p:childTnLst>
-                    </p:cTn>
-                  </p:par>
-                  <p:par>
-                    <p:cTn id="13" fill="hold">
-                      <p:stCondLst>
-                        <p:cond delay="indefinite"/>
-                      </p:stCondLst>
-                      <p:childTnLst>
-                        <p:par>
-                          <p:cTn id="14" fill="hold">
-                            <p:stCondLst>
-                              <p:cond delay="0"/>
-                            </p:stCondLst>
-                            <p:childTnLst>
-                              <p:par>
-                                <p:cTn id="15" presetID="1" presetClass="entr" presetSubtype="0" fill="hold" grpId="0" nodeType="clickEffect">
-                                  <p:stCondLst>
-                                    <p:cond delay="0"/>
-                                  </p:stCondLst>
-                                  <p:childTnLst>
-                                    <p:set>
-                                      <p:cBhvr>
-                                        <p:cTn id="16" dur="1" fill="hold">
-                                          <p:stCondLst>
-                                            <p:cond delay="0"/>
-                                          </p:stCondLst>
-                                        </p:cTn>
-                                        <p:tgtEl>
-                                          <p:spTgt spid="11"/>
-                                        </p:tgtEl>
-                                        <p:attrNameLst>
-                                          <p:attrName>style.visibility</p:attrName>
-                                        </p:attrNameLst>
-                                      </p:cBhvr>
-                                      <p:to>
-                                        <p:strVal val="visible"/>
-                                      </p:to>
-                                    </p:set>
-                                  </p:childTnLst>
-                                </p:cTn>
-                              </p:par>
-                            </p:childTnLst>
-                          </p:cTn>
-                        </p:par>
-                      </p:childTnLst>
-                    </p:cTn>
-                  </p:par>
-                  <p:par>
-                    <p:cTn id="17" fill="hold">
-                      <p:stCondLst>
-                        <p:cond delay="indefinite"/>
-                      </p:stCondLst>
-                      <p:childTnLst>
-                        <p:par>
-                          <p:cTn id="18" fill="hold">
-                            <p:stCondLst>
-                              <p:cond delay="0"/>
-                            </p:stCondLst>
-                            <p:childTnLst>
-                              <p:par>
-                                <p:cTn id="19" presetID="1" presetClass="entr" presetSubtype="0" fill="hold" grpId="0" nodeType="clickEffect">
-                                  <p:stCondLst>
-                                    <p:cond delay="0"/>
-                                  </p:stCondLst>
-                                  <p:childTnLst>
-                                    <p:set>
-                                      <p:cBhvr>
-                                        <p:cTn id="20" dur="1" fill="hold">
-                                          <p:stCondLst>
-                                            <p:cond delay="0"/>
-                                          </p:stCondLst>
-                                        </p:cTn>
-                                        <p:tgtEl>
-                                          <p:spTgt spid="28"/>
-                                        </p:tgtEl>
-                                        <p:attrNameLst>
-                                          <p:attrName>style.visibility</p:attrName>
-                                        </p:attrNameLst>
-                                      </p:cBhvr>
-                                      <p:to>
-                                        <p:strVal val="visible"/>
-                                      </p:to>
-                                    </p:set>
-                                  </p:childTnLst>
-                                </p:cTn>
-                              </p:par>
-                            </p:childTnLst>
-                          </p:cTn>
-                        </p:par>
-                      </p:childTnLst>
-                    </p:cTn>
-                  </p:par>
-                  <p:par>
-                    <p:cTn id="21" fill="hold">
-                      <p:stCondLst>
-                        <p:cond delay="indefinite"/>
-                      </p:stCondLst>
-                      <p:childTnLst>
-                        <p:par>
-                          <p:cTn id="22" fill="hold">
-                            <p:stCondLst>
-                              <p:cond delay="0"/>
-                            </p:stCondLst>
-                            <p:childTnLst>
-                              <p:par>
-                                <p:cTn id="23" presetID="1" presetClass="entr" presetSubtype="0" fill="hold" nodeType="clickEffect">
-                                  <p:stCondLst>
-                                    <p:cond delay="0"/>
-                                  </p:stCondLst>
-                                  <p:childTnLst>
-                                    <p:set>
-                                      <p:cBhvr>
-                                        <p:cTn id="24" dur="1" fill="hold">
-                                          <p:stCondLst>
-                                            <p:cond delay="0"/>
-                                          </p:stCondLst>
-                                        </p:cTn>
-                                        <p:tgtEl>
-                                          <p:spTgt spid="19"/>
-                                        </p:tgtEl>
-                                        <p:attrNameLst>
-                                          <p:attrName>style.visibility</p:attrName>
-                                        </p:attrNameLst>
-                                      </p:cBhvr>
-                                      <p:to>
-                                        <p:strVal val="visible"/>
-                                      </p:to>
-                                    </p:set>
-                                  </p:childTnLst>
-                                </p:cTn>
-                              </p:par>
-                              <p:par>
-                                <p:cTn id="25" presetID="1" presetClass="entr" presetSubtype="0" fill="hold" grpId="0" nodeType="withEffect">
-                                  <p:stCondLst>
-                                    <p:cond delay="0"/>
-                                  </p:stCondLst>
-                                  <p:childTnLst>
-                                    <p:set>
-                                      <p:cBhvr>
-                                        <p:cTn id="26" dur="1" fill="hold">
-                                          <p:stCondLst>
-                                            <p:cond delay="0"/>
-                                          </p:stCondLst>
-                                        </p:cTn>
-                                        <p:tgtEl>
-                                          <p:spTgt spid="30"/>
-                                        </p:tgtEl>
-                                        <p:attrNameLst>
-                                          <p:attrName>style.visibility</p:attrName>
-                                        </p:attrNameLst>
-                                      </p:cBhvr>
-                                      <p:to>
-                                        <p:strVal val="visible"/>
-                                      </p:to>
-                                    </p:set>
-                                  </p:childTnLst>
-                                </p:cTn>
-                              </p:par>
-                              <p:par>
-                                <p:cTn id="27" presetID="1" presetClass="entr" presetSubtype="0" fill="hold" nodeType="withEffect">
-                                  <p:stCondLst>
-                                    <p:cond delay="0"/>
-                                  </p:stCondLst>
-                                  <p:childTnLst>
-                                    <p:set>
-                                      <p:cBhvr>
-                                        <p:cTn id="28" dur="1" fill="hold">
-                                          <p:stCondLst>
-                                            <p:cond delay="0"/>
-                                          </p:stCondLst>
-                                        </p:cTn>
-                                        <p:tgtEl>
-                                          <p:spTgt spid="33"/>
-                                        </p:tgtEl>
-                                        <p:attrNameLst>
-                                          <p:attrName>style.visibility</p:attrName>
-                                        </p:attrNameLst>
-                                      </p:cBhvr>
-                                      <p:to>
-                                        <p:strVal val="visible"/>
-                                      </p:to>
-                                    </p:set>
-                                  </p:childTnLst>
-                                </p:cTn>
-                              </p:par>
-                              <p:par>
-                                <p:cTn id="29" presetID="1" presetClass="entr" presetSubtype="0" fill="hold" grpId="0" nodeType="withEffect">
-                                  <p:stCondLst>
-                                    <p:cond delay="0"/>
-                                  </p:stCondLst>
-                                  <p:childTnLst>
-                                    <p:set>
-                                      <p:cBhvr>
-                                        <p:cTn id="30" dur="1" fill="hold">
-                                          <p:stCondLst>
-                                            <p:cond delay="0"/>
-                                          </p:stCondLst>
-                                        </p:cTn>
-                                        <p:tgtEl>
-                                          <p:spTgt spid="20"/>
-                                        </p:tgtEl>
-                                        <p:attrNameLst>
-                                          <p:attrName>style.visibility</p:attrName>
-                                        </p:attrNameLst>
-                                      </p:cBhvr>
-                                      <p:to>
-                                        <p:strVal val="visible"/>
-                                      </p:to>
-                                    </p:set>
-                                  </p:childTnLst>
-                                </p:cTn>
-                              </p:par>
-                            </p:childTnLst>
-                          </p:cTn>
-                        </p:par>
-                      </p:childTnLst>
-                    </p:cTn>
-                  </p:par>
-                  <p:par>
-                    <p:cTn id="31" fill="hold">
-                      <p:stCondLst>
-                        <p:cond delay="indefinite"/>
-                      </p:stCondLst>
-                      <p:childTnLst>
-                        <p:par>
-                          <p:cTn id="32" fill="hold">
-                            <p:stCondLst>
-                              <p:cond delay="0"/>
-                            </p:stCondLst>
-                            <p:childTnLst>
-                              <p:par>
-                                <p:cTn id="33" presetID="1" presetClass="entr" presetSubtype="0" fill="hold" grpId="0" nodeType="clickEffect">
-                                  <p:stCondLst>
-                                    <p:cond delay="0"/>
-                                  </p:stCondLst>
-                                  <p:childTnLst>
-                                    <p:set>
-                                      <p:cBhvr>
-                                        <p:cTn id="34" dur="1" fill="hold">
-                                          <p:stCondLst>
-                                            <p:cond delay="0"/>
-                                          </p:stCondLst>
-                                        </p:cTn>
-                                        <p:tgtEl>
-                                          <p:spTgt spid="35"/>
-                                        </p:tgtEl>
-                                        <p:attrNameLst>
-                                          <p:attrName>style.visibility</p:attrName>
-                                        </p:attrNameLst>
-                                      </p:cBhvr>
-                                      <p:to>
-                                        <p:strVal val="visible"/>
-                                      </p:to>
-                                    </p:set>
-                                  </p:childTnLst>
-                                </p:cTn>
-                              </p:par>
-                            </p:childTnLst>
-                          </p:cTn>
-                        </p:par>
-                      </p:childTnLst>
-                    </p:cTn>
-                  </p:par>
-                  <p:par>
-                    <p:cTn id="35" fill="hold">
-                      <p:stCondLst>
-                        <p:cond delay="indefinite"/>
-                      </p:stCondLst>
-                      <p:childTnLst>
-                        <p:par>
-                          <p:cTn id="36" fill="hold">
-                            <p:stCondLst>
-                              <p:cond delay="0"/>
-                            </p:stCondLst>
-                            <p:childTnLst>
-                              <p:par>
-                                <p:cTn id="37" presetID="1" presetClass="entr" presetSubtype="0" fill="hold" grpId="0" nodeType="clickEffect">
-                                  <p:stCondLst>
-                                    <p:cond delay="0"/>
-                                  </p:stCondLst>
-                                  <p:childTnLst>
-                                    <p:set>
-                                      <p:cBhvr>
-                                        <p:cTn id="38" dur="1" fill="hold">
-                                          <p:stCondLst>
-                                            <p:cond delay="0"/>
-                                          </p:stCondLst>
-                                        </p:cTn>
-                                        <p:tgtEl>
-                                          <p:spTgt spid="34"/>
-                                        </p:tgtEl>
-                                        <p:attrNameLst>
-                                          <p:attrName>style.visibility</p:attrName>
-                                        </p:attrNameLst>
-                                      </p:cBhvr>
-                                      <p:to>
-                                        <p:strVal val="visible"/>
-                                      </p:to>
-                                    </p:set>
-                                  </p:childTnLst>
-                                </p:cTn>
-                              </p:par>
-                            </p:childTnLst>
-                          </p:cTn>
-                        </p:par>
-                      </p:childTnLst>
-                    </p:cTn>
-                  </p:par>
-                </p:childTnLst>
-              </p:cTn>
-              <p:prevCondLst>
-                <p:cond evt="onPrev" delay="0">
-                  <p:tgtEl>
-                    <p:sldTgt/>
-                  </p:tgtEl>
-                </p:cond>
-              </p:prevCondLst>
-              <p:nextCondLst>
-                <p:cond evt="onNext" delay="0">
-                  <p:tgtEl>
-                    <p:sldTgt/>
-                  </p:tgtEl>
-                </p:cond>
-              </p:nextCondLst>
-            </p:seq>
-          </p:childTnLst>
-        </p:cTn>
-      </p:par>
-    </p:tnLst>
-    <p:bldLst>
-      <p:bldP spid="11" grpId="0"/>
-      <p:bldP spid="26" grpId="0"/>
-      <p:bldP spid="28" grpId="0"/>
-      <p:bldP spid="30" grpId="0"/>
-      <p:bldP spid="34" grpId="0"/>
-      <p:bldP spid="35" grpId="0"/>
-      <p:bldP spid="4" grpId="0"/>
-      <p:bldP spid="20" grpId="0"/>
-    </p:bldLst>
-  </p:timing>
-</p:sld>
-</file>
-
-<file path=ppt/slides/slide12.xml><?xml version="1.0" encoding="utf-8"?>
-<p:sld xmlns:a="http://schemas.openxmlformats.org/drawingml/2006/main" xmlns:r="http://schemas.openxmlformats.org/officeDocument/2006/relationships" xmlns:p="http://schemas.openxmlformats.org/presentationml/2006/main">
-  <p:cSld>
-    <p:spTree>
-      <p:nvGrpSpPr>
-        <p:cNvPr id="1" name=""/>
-        <p:cNvGrpSpPr/>
-        <p:nvPr/>
-      </p:nvGrpSpPr>
-      <p:grpSpPr>
-        <a:xfrm>
-          <a:off x="0" y="0"/>
-          <a:ext cx="0" cy="0"/>
-          <a:chOff x="0" y="0"/>
-          <a:chExt cx="0" cy="0"/>
-        </a:xfrm>
-      </p:grpSpPr>
-      <p:sp>
-        <p:nvSpPr>
-          <p:cNvPr id="2" name="標題 1"/>
-          <p:cNvSpPr>
-            <a:spLocks noGrp="1"/>
-          </p:cNvSpPr>
-          <p:nvPr>
-            <p:ph type="title"/>
-          </p:nvPr>
-        </p:nvSpPr>
-        <p:spPr/>
-        <p:txBody>
-          <a:bodyPr/>
-          <a:lstStyle/>
-          <a:p>
-            <a:r>
-              <a:rPr lang="en-US" altLang="zh-TW" dirty="0" err="1"/>
-              <a:t>Keras</a:t>
-            </a:r>
-            <a:endParaRPr lang="zh-TW" altLang="en-US" dirty="0"/>
-          </a:p>
-        </p:txBody>
-      </p:sp>
-      <p:sp>
-        <p:nvSpPr>
-          <p:cNvPr id="4" name="矩形 3"/>
-          <p:cNvSpPr/>
-          <p:nvPr/>
-        </p:nvSpPr>
-        <p:spPr>
-          <a:xfrm>
-            <a:off x="470079" y="3228603"/>
-            <a:ext cx="8673921" cy="461665"/>
-          </a:xfrm>
-          <a:prstGeom prst="rect">
-            <a:avLst/>
-          </a:prstGeom>
-        </p:spPr>
-        <p:txBody>
-          <a:bodyPr wrap="square">
-            <a:spAutoFit/>
-          </a:bodyPr>
-          <a:lstStyle/>
-          <a:p>
-            <a:r>
-              <a:rPr lang="zh-TW" altLang="en-US" sz="2400" dirty="0"/>
-              <a:t>http://keras.io/getting-started/faq/#how-can-i-save-a-keras-model</a:t>
-            </a:r>
-          </a:p>
-        </p:txBody>
-      </p:sp>
-      <p:sp>
-        <p:nvSpPr>
-          <p:cNvPr id="7" name="文字方塊 6"/>
-          <p:cNvSpPr txBox="1"/>
-          <p:nvPr/>
-        </p:nvSpPr>
-        <p:spPr>
-          <a:xfrm>
-            <a:off x="470079" y="3902315"/>
-            <a:ext cx="5613221" cy="461665"/>
-          </a:xfrm>
-          <a:prstGeom prst="rect">
-            <a:avLst/>
-          </a:prstGeom>
-          <a:noFill/>
-        </p:spPr>
-        <p:txBody>
-          <a:bodyPr wrap="square" rtlCol="0">
-            <a:spAutoFit/>
-          </a:bodyPr>
-          <a:lstStyle/>
-          <a:p>
-            <a:r>
-              <a:rPr lang="en-US" altLang="zh-TW" sz="2400" dirty="0"/>
-              <a:t>How to use the neural network (testing):</a:t>
-            </a:r>
-            <a:endParaRPr lang="zh-TW" altLang="en-US" sz="2400" dirty="0"/>
-          </a:p>
-        </p:txBody>
-      </p:sp>
-      <p:pic>
-        <p:nvPicPr>
-          <p:cNvPr id="9" name="圖片 8"/>
-          <p:cNvPicPr>
-            <a:picLocks noChangeAspect="1"/>
-          </p:cNvPicPr>
-          <p:nvPr/>
-        </p:nvPicPr>
-        <p:blipFill>
-          <a:blip r:embed="rId3"/>
-          <a:stretch>
-            <a:fillRect/>
-          </a:stretch>
-        </p:blipFill>
-        <p:spPr>
-          <a:xfrm>
-            <a:off x="1577662" y="4554300"/>
-            <a:ext cx="7114972" cy="931154"/>
-          </a:xfrm>
-          <a:prstGeom prst="rect">
-            <a:avLst/>
-          </a:prstGeom>
-        </p:spPr>
-      </p:pic>
-      <p:sp>
-        <p:nvSpPr>
-          <p:cNvPr id="10" name="文字方塊 9"/>
-          <p:cNvSpPr txBox="1"/>
-          <p:nvPr/>
-        </p:nvSpPr>
-        <p:spPr>
-          <a:xfrm>
-            <a:off x="470079" y="4783035"/>
-            <a:ext cx="1378040" cy="461665"/>
-          </a:xfrm>
-          <a:prstGeom prst="rect">
-            <a:avLst/>
-          </a:prstGeom>
-          <a:noFill/>
-        </p:spPr>
-        <p:txBody>
-          <a:bodyPr wrap="square" rtlCol="0">
-            <a:spAutoFit/>
-          </a:bodyPr>
-          <a:lstStyle/>
-          <a:p>
-            <a:r>
-              <a:rPr lang="en-US" altLang="zh-TW" sz="2400" dirty="0"/>
-              <a:t>case 1:</a:t>
-            </a:r>
-            <a:endParaRPr lang="zh-TW" altLang="en-US" sz="2400" dirty="0"/>
-          </a:p>
-        </p:txBody>
-      </p:sp>
-      <p:pic>
-        <p:nvPicPr>
-          <p:cNvPr id="11" name="圖片 10"/>
-          <p:cNvPicPr>
-            <a:picLocks noChangeAspect="1"/>
-          </p:cNvPicPr>
-          <p:nvPr/>
-        </p:nvPicPr>
-        <p:blipFill>
-          <a:blip r:embed="rId4"/>
-          <a:stretch>
-            <a:fillRect/>
-          </a:stretch>
-        </p:blipFill>
-        <p:spPr>
-          <a:xfrm>
-            <a:off x="1577662" y="5862143"/>
-            <a:ext cx="4907074" cy="505140"/>
-          </a:xfrm>
-          <a:prstGeom prst="rect">
-            <a:avLst/>
-          </a:prstGeom>
-        </p:spPr>
-      </p:pic>
-      <p:sp>
-        <p:nvSpPr>
-          <p:cNvPr id="12" name="文字方塊 11"/>
-          <p:cNvSpPr txBox="1"/>
-          <p:nvPr/>
-        </p:nvSpPr>
-        <p:spPr>
-          <a:xfrm>
-            <a:off x="470079" y="5835140"/>
-            <a:ext cx="1378040" cy="461665"/>
-          </a:xfrm>
-          <a:prstGeom prst="rect">
-            <a:avLst/>
-          </a:prstGeom>
-          <a:noFill/>
-        </p:spPr>
-        <p:txBody>
-          <a:bodyPr wrap="square" rtlCol="0">
-            <a:spAutoFit/>
-          </a:bodyPr>
-          <a:lstStyle/>
-          <a:p>
-            <a:r>
-              <a:rPr lang="en-US" altLang="zh-TW" sz="2400" dirty="0"/>
-              <a:t>case 2:</a:t>
-            </a:r>
-            <a:endParaRPr lang="zh-TW" altLang="en-US" sz="2400" dirty="0"/>
-          </a:p>
-        </p:txBody>
-      </p:sp>
-      <p:grpSp>
-        <p:nvGrpSpPr>
-          <p:cNvPr id="8" name="群組 7"/>
-          <p:cNvGrpSpPr/>
-          <p:nvPr/>
-        </p:nvGrpSpPr>
-        <p:grpSpPr>
-          <a:xfrm>
-            <a:off x="2640169" y="152909"/>
-            <a:ext cx="5875181" cy="2863477"/>
-            <a:chOff x="2640169" y="152909"/>
-            <a:chExt cx="5875181" cy="2863477"/>
-          </a:xfrm>
-        </p:grpSpPr>
-        <p:pic>
-          <p:nvPicPr>
-            <p:cNvPr id="5" name="圖片 4"/>
-            <p:cNvPicPr>
-              <a:picLocks noChangeAspect="1"/>
-            </p:cNvPicPr>
-            <p:nvPr/>
-          </p:nvPicPr>
-          <p:blipFill>
-            <a:blip r:embed="rId5"/>
-            <a:stretch>
-              <a:fillRect/>
-            </a:stretch>
-          </p:blipFill>
-          <p:spPr>
-            <a:xfrm>
-              <a:off x="2640169" y="152909"/>
-              <a:ext cx="5875181" cy="2863477"/>
-            </a:xfrm>
-            <a:prstGeom prst="rect">
-              <a:avLst/>
-            </a:prstGeom>
-          </p:spPr>
-        </p:pic>
-        <p:pic>
-          <p:nvPicPr>
-            <p:cNvPr id="13" name="圖片 12"/>
-            <p:cNvPicPr>
-              <a:picLocks noChangeAspect="1"/>
-            </p:cNvPicPr>
-            <p:nvPr/>
-          </p:nvPicPr>
-          <p:blipFill>
-            <a:blip r:embed="rId6"/>
-            <a:stretch>
-              <a:fillRect/>
-            </a:stretch>
-          </p:blipFill>
-          <p:spPr>
-            <a:xfrm>
-              <a:off x="2723866" y="385219"/>
-              <a:ext cx="5707785" cy="1137471"/>
-            </a:xfrm>
-            <a:prstGeom prst="rect">
-              <a:avLst/>
-            </a:prstGeom>
-          </p:spPr>
-        </p:pic>
-      </p:grpSp>
-      <p:sp>
-        <p:nvSpPr>
-          <p:cNvPr id="6" name="文字方塊 5"/>
-          <p:cNvSpPr txBox="1"/>
-          <p:nvPr/>
-        </p:nvSpPr>
-        <p:spPr>
-          <a:xfrm>
-            <a:off x="470079" y="2766938"/>
-            <a:ext cx="4365938" cy="461665"/>
-          </a:xfrm>
-          <a:prstGeom prst="rect">
-            <a:avLst/>
-          </a:prstGeom>
-          <a:noFill/>
-        </p:spPr>
-        <p:txBody>
-          <a:bodyPr wrap="square" rtlCol="0">
-            <a:spAutoFit/>
-          </a:bodyPr>
-          <a:lstStyle/>
-          <a:p>
-            <a:r>
-              <a:rPr lang="en-US" altLang="zh-TW" sz="2400" dirty="0"/>
-              <a:t>Save and load models</a:t>
-            </a:r>
-            <a:endParaRPr lang="zh-TW" altLang="en-US" sz="2400" dirty="0"/>
-          </a:p>
-        </p:txBody>
-      </p:sp>
-    </p:spTree>
-    <p:extLst>
-      <p:ext uri="{BB962C8B-B14F-4D97-AF65-F5344CB8AC3E}">
-        <p14:creationId xmlns:p14="http://schemas.microsoft.com/office/powerpoint/2010/main" val="2210976617"/>
-      </p:ext>
-    </p:extLst>
-  </p:cSld>
-  <p:clrMapOvr>
-    <a:masterClrMapping/>
-  </p:clrMapOvr>
-  <mc:AlternateContent xmlns:mc="http://schemas.openxmlformats.org/markup-compatibility/2006" xmlns:p14="http://schemas.microsoft.com/office/powerpoint/2010/main">
-    <mc:Choice Requires="p14">
-      <p:transition spd="slow" p14:dur="2000">
-        <p:cut/>
-      </p:transition>
-    </mc:Choice>
-    <mc:Fallback xmlns="">
-      <p:transition spd="slow">
-        <p:cut/>
-      </p:transition>
-    </mc:Fallback>
-  </mc:AlternateContent>
-  <p:timing>
-    <p:tnLst>
-      <p:par>
-        <p:cTn id="1" dur="indefinite" restart="never" nodeType="tmRoot">
-          <p:childTnLst>
-            <p:seq concurrent="1" nextAc="seek">
-              <p:cTn id="2" dur="indefinite" nodeType="mainSeq">
-                <p:childTnLst>
-                  <p:par>
-                    <p:cTn id="3" fill="hold">
-                      <p:stCondLst>
-                        <p:cond delay="indefinite"/>
-                      </p:stCondLst>
-                      <p:childTnLst>
-                        <p:par>
-                          <p:cTn id="4" fill="hold">
-                            <p:stCondLst>
-                              <p:cond delay="0"/>
-                            </p:stCondLst>
-                            <p:childTnLst>
-                              <p:par>
-                                <p:cTn id="5" presetID="1" presetClass="entr" presetSubtype="0" fill="hold" grpId="0" nodeType="clickEffect">
-                                  <p:stCondLst>
-                                    <p:cond delay="0"/>
-                                  </p:stCondLst>
-                                  <p:childTnLst>
-                                    <p:set>
-                                      <p:cBhvr>
-                                        <p:cTn id="6" dur="1" fill="hold">
-                                          <p:stCondLst>
-                                            <p:cond delay="0"/>
-                                          </p:stCondLst>
-                                        </p:cTn>
-                                        <p:tgtEl>
-                                          <p:spTgt spid="4"/>
-                                        </p:tgtEl>
-                                        <p:attrNameLst>
-                                          <p:attrName>style.visibility</p:attrName>
-                                        </p:attrNameLst>
-                                      </p:cBhvr>
-                                      <p:to>
-                                        <p:strVal val="visible"/>
-                                      </p:to>
-                                    </p:set>
-                                  </p:childTnLst>
-                                </p:cTn>
-                              </p:par>
-                              <p:par>
-                                <p:cTn id="7" presetID="1" presetClass="entr" presetSubtype="0" fill="hold" grpId="0" nodeType="withEffect">
-                                  <p:stCondLst>
-                                    <p:cond delay="0"/>
-                                  </p:stCondLst>
-                                  <p:childTnLst>
-                                    <p:set>
-                                      <p:cBhvr>
-                                        <p:cTn id="8" dur="1" fill="hold">
-                                          <p:stCondLst>
-                                            <p:cond delay="0"/>
-                                          </p:stCondLst>
-                                        </p:cTn>
-                                        <p:tgtEl>
-                                          <p:spTgt spid="6"/>
-                                        </p:tgtEl>
-                                        <p:attrNameLst>
-                                          <p:attrName>style.visibility</p:attrName>
-                                        </p:attrNameLst>
-                                      </p:cBhvr>
-                                      <p:to>
-                                        <p:strVal val="visible"/>
-                                      </p:to>
-                                    </p:set>
-                                  </p:childTnLst>
-                                </p:cTn>
-                              </p:par>
-                            </p:childTnLst>
-                          </p:cTn>
-                        </p:par>
-                      </p:childTnLst>
-                    </p:cTn>
-                  </p:par>
-                  <p:par>
-                    <p:cTn id="9" fill="hold">
-                      <p:stCondLst>
-                        <p:cond delay="indefinite"/>
-                      </p:stCondLst>
-                      <p:childTnLst>
-                        <p:par>
-                          <p:cTn id="10" fill="hold">
-                            <p:stCondLst>
-                              <p:cond delay="0"/>
-                            </p:stCondLst>
-                            <p:childTnLst>
-                              <p:par>
-                                <p:cTn id="11" presetID="1" presetClass="entr" presetSubtype="0" fill="hold" grpId="0" nodeType="clickEffect">
-                                  <p:stCondLst>
-                                    <p:cond delay="0"/>
-                                  </p:stCondLst>
-                                  <p:childTnLst>
-                                    <p:set>
-                                      <p:cBhvr>
-                                        <p:cTn id="12" dur="1" fill="hold">
-                                          <p:stCondLst>
-                                            <p:cond delay="0"/>
-                                          </p:stCondLst>
-                                        </p:cTn>
-                                        <p:tgtEl>
-                                          <p:spTgt spid="7"/>
-                                        </p:tgtEl>
-                                        <p:attrNameLst>
-                                          <p:attrName>style.visibility</p:attrName>
-                                        </p:attrNameLst>
-                                      </p:cBhvr>
-                                      <p:to>
-                                        <p:strVal val="visible"/>
-                                      </p:to>
-                                    </p:set>
-                                  </p:childTnLst>
-                                </p:cTn>
-                              </p:par>
-                            </p:childTnLst>
-                          </p:cTn>
-                        </p:par>
-                      </p:childTnLst>
-                    </p:cTn>
-                  </p:par>
-                  <p:par>
-                    <p:cTn id="13" fill="hold">
-                      <p:stCondLst>
-                        <p:cond delay="indefinite"/>
-                      </p:stCondLst>
-                      <p:childTnLst>
-                        <p:par>
-                          <p:cTn id="14" fill="hold">
-                            <p:stCondLst>
-                              <p:cond delay="0"/>
-                            </p:stCondLst>
-                            <p:childTnLst>
-                              <p:par>
-                                <p:cTn id="15" presetID="1" presetClass="entr" presetSubtype="0" fill="hold" grpId="0" nodeType="clickEffect">
-                                  <p:stCondLst>
-                                    <p:cond delay="0"/>
-                                  </p:stCondLst>
-                                  <p:childTnLst>
-                                    <p:set>
-                                      <p:cBhvr>
-                                        <p:cTn id="16" dur="1" fill="hold">
-                                          <p:stCondLst>
-                                            <p:cond delay="0"/>
-                                          </p:stCondLst>
-                                        </p:cTn>
-                                        <p:tgtEl>
-                                          <p:spTgt spid="10"/>
-                                        </p:tgtEl>
-                                        <p:attrNameLst>
-                                          <p:attrName>style.visibility</p:attrName>
-                                        </p:attrNameLst>
-                                      </p:cBhvr>
-                                      <p:to>
-                                        <p:strVal val="visible"/>
-                                      </p:to>
-                                    </p:set>
-                                  </p:childTnLst>
-                                </p:cTn>
-                              </p:par>
-                              <p:par>
-                                <p:cTn id="17" presetID="1" presetClass="entr" presetSubtype="0" fill="hold" nodeType="withEffect">
-                                  <p:stCondLst>
-                                    <p:cond delay="0"/>
-                                  </p:stCondLst>
-                                  <p:childTnLst>
-                                    <p:set>
-                                      <p:cBhvr>
-                                        <p:cTn id="18" dur="1" fill="hold">
-                                          <p:stCondLst>
-                                            <p:cond delay="0"/>
-                                          </p:stCondLst>
-                                        </p:cTn>
-                                        <p:tgtEl>
-                                          <p:spTgt spid="9"/>
-                                        </p:tgtEl>
-                                        <p:attrNameLst>
-                                          <p:attrName>style.visibility</p:attrName>
-                                        </p:attrNameLst>
-                                      </p:cBhvr>
-                                      <p:to>
-                                        <p:strVal val="visible"/>
-                                      </p:to>
-                                    </p:set>
-                                  </p:childTnLst>
-                                </p:cTn>
-                              </p:par>
-                            </p:childTnLst>
-                          </p:cTn>
-                        </p:par>
-                      </p:childTnLst>
-                    </p:cTn>
-                  </p:par>
-                  <p:par>
-                    <p:cTn id="19" fill="hold">
-                      <p:stCondLst>
-                        <p:cond delay="indefinite"/>
-                      </p:stCondLst>
-                      <p:childTnLst>
-                        <p:par>
-                          <p:cTn id="20" fill="hold">
-                            <p:stCondLst>
-                              <p:cond delay="0"/>
-                            </p:stCondLst>
-                            <p:childTnLst>
-                              <p:par>
-                                <p:cTn id="21" presetID="1" presetClass="entr" presetSubtype="0" fill="hold" nodeType="clickEffect">
-                                  <p:stCondLst>
-                                    <p:cond delay="0"/>
-                                  </p:stCondLst>
-                                  <p:childTnLst>
-                                    <p:set>
-                                      <p:cBhvr>
-                                        <p:cTn id="22" dur="1" fill="hold">
-                                          <p:stCondLst>
-                                            <p:cond delay="0"/>
-                                          </p:stCondLst>
-                                        </p:cTn>
-                                        <p:tgtEl>
-                                          <p:spTgt spid="11"/>
-                                        </p:tgtEl>
-                                        <p:attrNameLst>
-                                          <p:attrName>style.visibility</p:attrName>
-                                        </p:attrNameLst>
-                                      </p:cBhvr>
-                                      <p:to>
-                                        <p:strVal val="visible"/>
-                                      </p:to>
-                                    </p:set>
-                                  </p:childTnLst>
-                                </p:cTn>
-                              </p:par>
-                              <p:par>
-                                <p:cTn id="23" presetID="1" presetClass="entr" presetSubtype="0" fill="hold" grpId="0" nodeType="withEffect">
-                                  <p:stCondLst>
-                                    <p:cond delay="0"/>
-                                  </p:stCondLst>
-                                  <p:childTnLst>
-                                    <p:set>
-                                      <p:cBhvr>
-                                        <p:cTn id="24" dur="1" fill="hold">
-                                          <p:stCondLst>
-                                            <p:cond delay="0"/>
-                                          </p:stCondLst>
-                                        </p:cTn>
-                                        <p:tgtEl>
-                                          <p:spTgt spid="12"/>
-                                        </p:tgtEl>
-                                        <p:attrNameLst>
-                                          <p:attrName>style.visibility</p:attrName>
-                                        </p:attrNameLst>
-                                      </p:cBhvr>
-                                      <p:to>
-                                        <p:strVal val="visible"/>
-                                      </p:to>
-                                    </p:set>
-                                  </p:childTnLst>
-                                </p:cTn>
-                              </p:par>
-                            </p:childTnLst>
-                          </p:cTn>
-                        </p:par>
-                      </p:childTnLst>
-                    </p:cTn>
-                  </p:par>
-                </p:childTnLst>
-              </p:cTn>
-              <p:prevCondLst>
-                <p:cond evt="onPrev" delay="0">
-                  <p:tgtEl>
-                    <p:sldTgt/>
-                  </p:tgtEl>
-                </p:cond>
-              </p:prevCondLst>
-              <p:nextCondLst>
-                <p:cond evt="onNext" delay="0">
-                  <p:tgtEl>
-                    <p:sldTgt/>
-                  </p:tgtEl>
-                </p:cond>
-              </p:nextCondLst>
-            </p:seq>
-          </p:childTnLst>
-        </p:cTn>
-      </p:par>
-    </p:tnLst>
-    <p:bldLst>
-      <p:bldP spid="4" grpId="0"/>
-      <p:bldP spid="7" grpId="0"/>
-      <p:bldP spid="10" grpId="0"/>
-      <p:bldP spid="12" grpId="0"/>
-      <p:bldP spid="6" grpId="0"/>
-    </p:bldLst>
-  </p:timing>
-</p:sld>
-</file>
-
-<file path=ppt/slides/slide13.xml><?xml version="1.0" encoding="utf-8"?>
-<p:sld xmlns:a="http://schemas.openxmlformats.org/drawingml/2006/main" xmlns:r="http://schemas.openxmlformats.org/officeDocument/2006/relationships" xmlns:p="http://schemas.openxmlformats.org/presentationml/2006/main">
-  <p:cSld>
-    <p:spTree>
-      <p:nvGrpSpPr>
-        <p:cNvPr id="1" name=""/>
-        <p:cNvGrpSpPr/>
-        <p:nvPr/>
-      </p:nvGrpSpPr>
-      <p:grpSpPr>
-        <a:xfrm>
-          <a:off x="0" y="0"/>
-          <a:ext cx="0" cy="0"/>
-          <a:chOff x="0" y="0"/>
-          <a:chExt cx="0" cy="0"/>
-        </a:xfrm>
-      </p:grpSpPr>
-      <p:sp>
-        <p:nvSpPr>
-          <p:cNvPr id="2" name="標題 1"/>
-          <p:cNvSpPr>
-            <a:spLocks noGrp="1"/>
-          </p:cNvSpPr>
-          <p:nvPr>
-            <p:ph type="title"/>
-          </p:nvPr>
-        </p:nvSpPr>
-        <p:spPr/>
-        <p:txBody>
-          <a:bodyPr/>
-          <a:lstStyle/>
-          <a:p>
-            <a:r>
-              <a:rPr lang="en-US" altLang="zh-TW" dirty="0"/>
-              <a:t>Demo</a:t>
-            </a:r>
-            <a:endParaRPr lang="zh-TW" altLang="en-US" dirty="0"/>
-          </a:p>
-        </p:txBody>
-      </p:sp>
-      <p:sp>
-        <p:nvSpPr>
-          <p:cNvPr id="3" name="內容版面配置區 2"/>
-          <p:cNvSpPr>
-            <a:spLocks noGrp="1"/>
-          </p:cNvSpPr>
-          <p:nvPr>
-            <p:ph idx="1"/>
-          </p:nvPr>
-        </p:nvSpPr>
-        <p:spPr/>
-        <p:txBody>
-          <a:bodyPr>
-            <a:normAutofit/>
-          </a:bodyPr>
-          <a:lstStyle/>
-          <a:p>
-            <a:endParaRPr lang="zh-TW" altLang="en-US" dirty="0"/>
-          </a:p>
-        </p:txBody>
-      </p:sp>
-    </p:spTree>
-    <p:extLst>
-      <p:ext uri="{BB962C8B-B14F-4D97-AF65-F5344CB8AC3E}">
-        <p14:creationId xmlns:p14="http://schemas.microsoft.com/office/powerpoint/2010/main" val="326668807"/>
-      </p:ext>
-    </p:extLst>
-  </p:cSld>
-  <p:clrMapOvr>
-    <a:masterClrMapping/>
-  </p:clrMapOvr>
-  <mc:AlternateContent xmlns:mc="http://schemas.openxmlformats.org/markup-compatibility/2006" xmlns:p14="http://schemas.microsoft.com/office/powerpoint/2010/main">
-    <mc:Choice Requires="p14">
-      <p:transition spd="slow" p14:dur="2000">
-        <p:cut/>
-      </p:transition>
-    </mc:Choice>
-    <mc:Fallback xmlns="">
-      <p:transition spd="slow">
-        <p:cut/>
-      </p:transition>
-    </mc:Fallback>
-  </mc:AlternateContent>
 </p:sld>
 </file>
 
@@ -7888,176 +5083,6 @@
 </file>
 
 <file path=ppt/slides/slide3.xml><?xml version="1.0" encoding="utf-8"?>
-<p:sld xmlns:a="http://schemas.openxmlformats.org/drawingml/2006/main" xmlns:r="http://schemas.openxmlformats.org/officeDocument/2006/relationships" xmlns:p="http://schemas.openxmlformats.org/presentationml/2006/main">
-  <p:cSld>
-    <p:spTree>
-      <p:nvGrpSpPr>
-        <p:cNvPr id="1" name=""/>
-        <p:cNvGrpSpPr/>
-        <p:nvPr/>
-      </p:nvGrpSpPr>
-      <p:grpSpPr>
-        <a:xfrm>
-          <a:off x="0" y="0"/>
-          <a:ext cx="0" cy="0"/>
-          <a:chOff x="0" y="0"/>
-          <a:chExt cx="0" cy="0"/>
-        </a:xfrm>
-      </p:grpSpPr>
-      <p:sp>
-        <p:nvSpPr>
-          <p:cNvPr id="2" name="標題 1">
-            <a:extLst>
-              <a:ext uri="{FF2B5EF4-FFF2-40B4-BE49-F238E27FC236}">
-                <a16:creationId xmlns:a16="http://schemas.microsoft.com/office/drawing/2014/main" id="{F3F1C51B-912A-4120-8FB9-8EB467174543}"/>
-              </a:ext>
-            </a:extLst>
-          </p:cNvPr>
-          <p:cNvSpPr>
-            <a:spLocks noGrp="1"/>
-          </p:cNvSpPr>
-          <p:nvPr>
-            <p:ph type="title"/>
-          </p:nvPr>
-        </p:nvSpPr>
-        <p:spPr/>
-        <p:txBody>
-          <a:bodyPr/>
-          <a:lstStyle/>
-          <a:p>
-            <a:endParaRPr lang="zh-TW" altLang="en-US"/>
-          </a:p>
-        </p:txBody>
-      </p:sp>
-      <p:sp>
-        <p:nvSpPr>
-          <p:cNvPr id="3" name="內容版面配置區 2">
-            <a:extLst>
-              <a:ext uri="{FF2B5EF4-FFF2-40B4-BE49-F238E27FC236}">
-                <a16:creationId xmlns:a16="http://schemas.microsoft.com/office/drawing/2014/main" id="{9CBD007D-20CD-48B4-9C43-D11886C67047}"/>
-              </a:ext>
-            </a:extLst>
-          </p:cNvPr>
-          <p:cNvSpPr>
-            <a:spLocks noGrp="1"/>
-          </p:cNvSpPr>
-          <p:nvPr>
-            <p:ph idx="1"/>
-          </p:nvPr>
-        </p:nvSpPr>
-        <p:spPr/>
-        <p:txBody>
-          <a:bodyPr/>
-          <a:lstStyle/>
-          <a:p>
-            <a:endParaRPr lang="zh-TW" altLang="en-US"/>
-          </a:p>
-        </p:txBody>
-      </p:sp>
-      <p:pic>
-        <p:nvPicPr>
-          <p:cNvPr id="4" name="圖片 3" descr="「ali boris nips talk」的圖片搜尋結果">
-            <a:extLst>
-              <a:ext uri="{FF2B5EF4-FFF2-40B4-BE49-F238E27FC236}">
-                <a16:creationId xmlns:a16="http://schemas.microsoft.com/office/drawing/2014/main" id="{57AC0664-5290-4FC2-8078-8A1D22235A58}"/>
-              </a:ext>
-            </a:extLst>
-          </p:cNvPr>
-          <p:cNvPicPr/>
-          <p:nvPr/>
-        </p:nvPicPr>
-        <p:blipFill>
-          <a:blip r:embed="rId2">
-            <a:extLst>
-              <a:ext uri="{28A0092B-C50C-407E-A947-70E740481C1C}">
-                <a14:useLocalDpi xmlns:a14="http://schemas.microsoft.com/office/drawing/2010/main" val="0"/>
-              </a:ext>
-            </a:extLst>
-          </a:blip>
-          <a:srcRect/>
-          <a:stretch>
-            <a:fillRect/>
-          </a:stretch>
-        </p:blipFill>
-        <p:spPr bwMode="auto">
-          <a:xfrm>
-            <a:off x="407963" y="1388209"/>
-            <a:ext cx="8328074" cy="3141588"/>
-          </a:xfrm>
-          <a:prstGeom prst="rect">
-            <a:avLst/>
-          </a:prstGeom>
-          <a:ln w="38100" cap="sq">
-            <a:solidFill>
-              <a:srgbClr val="000000"/>
-            </a:solidFill>
-            <a:prstDash val="solid"/>
-            <a:miter lim="800000"/>
-          </a:ln>
-          <a:effectLst>
-            <a:outerShdw blurRad="50800" dist="38100" dir="2700000" algn="tl" rotWithShape="0">
-              <a:srgbClr val="000000">
-                <a:alpha val="43000"/>
-              </a:srgbClr>
-            </a:outerShdw>
-          </a:effectLst>
-        </p:spPr>
-      </p:pic>
-      <p:sp>
-        <p:nvSpPr>
-          <p:cNvPr id="5" name="矩形 4">
-            <a:extLst>
-              <a:ext uri="{FF2B5EF4-FFF2-40B4-BE49-F238E27FC236}">
-                <a16:creationId xmlns:a16="http://schemas.microsoft.com/office/drawing/2014/main" id="{956F038E-C5F3-4147-8CD3-4F7DEE464403}"/>
-              </a:ext>
-            </a:extLst>
-          </p:cNvPr>
-          <p:cNvSpPr/>
-          <p:nvPr/>
-        </p:nvSpPr>
-        <p:spPr>
-          <a:xfrm>
-            <a:off x="2798010" y="4664733"/>
-            <a:ext cx="6134115" cy="461665"/>
-          </a:xfrm>
-          <a:prstGeom prst="rect">
-            <a:avLst/>
-          </a:prstGeom>
-        </p:spPr>
-        <p:txBody>
-          <a:bodyPr wrap="none">
-            <a:spAutoFit/>
-          </a:bodyPr>
-          <a:lstStyle/>
-          <a:p>
-            <a:r>
-              <a:rPr lang="en-US" altLang="zh-TW" sz="2400" dirty="0">
-                <a:latin typeface="微軟正黑體" panose="020B0604030504040204" pitchFamily="34" charset="-120"/>
-                <a:ea typeface="微軟正黑體" panose="020B0604030504040204" pitchFamily="34" charset="-120"/>
-              </a:rPr>
-              <a:t>Ali Rahimi, Test of Time Award, NIPS 2017</a:t>
-            </a:r>
-            <a:endParaRPr lang="zh-TW" altLang="en-US" sz="2400" dirty="0">
-              <a:latin typeface="微軟正黑體" panose="020B0604030504040204" pitchFamily="34" charset="-120"/>
-              <a:ea typeface="微軟正黑體" panose="020B0604030504040204" pitchFamily="34" charset="-120"/>
-            </a:endParaRPr>
-          </a:p>
-        </p:txBody>
-      </p:sp>
-    </p:spTree>
-    <p:extLst>
-      <p:ext uri="{BB962C8B-B14F-4D97-AF65-F5344CB8AC3E}">
-        <p14:creationId xmlns:p14="http://schemas.microsoft.com/office/powerpoint/2010/main" val="2483011591"/>
-      </p:ext>
-    </p:extLst>
-  </p:cSld>
-  <p:clrMapOvr>
-    <a:masterClrMapping/>
-  </p:clrMapOvr>
-</p:sld>
-</file>
-
-<file path=ppt/slides/slide4.xml><?xml version="1.0" encoding="utf-8"?>
 <p:sld xmlns:a="http://schemas.openxmlformats.org/drawingml/2006/main" xmlns:r="http://schemas.openxmlformats.org/officeDocument/2006/relationships" xmlns:p="http://schemas.openxmlformats.org/presentationml/2006/main">
   <p:cSld>
     <p:spTree>
@@ -9276,7 +6301,7 @@
 </p:sld>
 </file>
 
-<file path=ppt/slides/slide5.xml><?xml version="1.0" encoding="utf-8"?>
+<file path=ppt/slides/slide4.xml><?xml version="1.0" encoding="utf-8"?>
 <p:sld xmlns:a="http://schemas.openxmlformats.org/drawingml/2006/main" xmlns:r="http://schemas.openxmlformats.org/officeDocument/2006/relationships" xmlns:p="http://schemas.openxmlformats.org/presentationml/2006/main">
   <p:cSld>
     <p:spTree>
@@ -9684,7 +6709,7 @@
 </p:sld>
 </file>
 
-<file path=ppt/slides/slide6.xml><?xml version="1.0" encoding="utf-8"?>
+<file path=ppt/slides/slide5.xml><?xml version="1.0" encoding="utf-8"?>
 <p:sld xmlns:a="http://schemas.openxmlformats.org/drawingml/2006/main" xmlns:r="http://schemas.openxmlformats.org/officeDocument/2006/relationships" xmlns:p="http://schemas.openxmlformats.org/presentationml/2006/main">
   <p:cSld>
     <p:spTree>
@@ -9907,7 +6932,7 @@
 </p:sld>
 </file>
 
-<file path=ppt/slides/slide7.xml><?xml version="1.0" encoding="utf-8"?>
+<file path=ppt/slides/slide6.xml><?xml version="1.0" encoding="utf-8"?>
 <p:sld xmlns:a="http://schemas.openxmlformats.org/drawingml/2006/main" xmlns:r="http://schemas.openxmlformats.org/officeDocument/2006/relationships" xmlns:p="http://schemas.openxmlformats.org/presentationml/2006/main">
   <p:cSld>
     <p:spTree>
@@ -10461,7 +7486,7 @@
 </p:sld>
 </file>
 
-<file path=ppt/slides/slide8.xml><?xml version="1.0" encoding="utf-8"?>
+<file path=ppt/slides/slide7.xml><?xml version="1.0" encoding="utf-8"?>
 <p:sld xmlns:a="http://schemas.openxmlformats.org/drawingml/2006/main" xmlns:r="http://schemas.openxmlformats.org/officeDocument/2006/relationships" xmlns:p="http://schemas.openxmlformats.org/presentationml/2006/main">
   <p:cSld>
     <p:spTree>
@@ -10478,30 +7503,6 @@
           <a:chExt cx="0" cy="0"/>
         </a:xfrm>
       </p:grpSpPr>
-      <p:pic>
-        <p:nvPicPr>
-          <p:cNvPr id="4" name="圖片 3"/>
-          <p:cNvPicPr>
-            <a:picLocks noChangeAspect="1"/>
-          </p:cNvPicPr>
-          <p:nvPr/>
-        </p:nvPicPr>
-        <p:blipFill>
-          <a:blip r:embed="rId3"/>
-          <a:stretch>
-            <a:fillRect/>
-          </a:stretch>
-        </p:blipFill>
-        <p:spPr>
-          <a:xfrm>
-            <a:off x="2358559" y="330137"/>
-            <a:ext cx="6584974" cy="1312280"/>
-          </a:xfrm>
-          <a:prstGeom prst="rect">
-            <a:avLst/>
-          </a:prstGeom>
-        </p:spPr>
-      </p:pic>
       <p:sp>
         <p:nvSpPr>
           <p:cNvPr id="2" name="標題 1"/>
@@ -10521,53 +7522,11 @@
               <a:rPr lang="en-US" altLang="zh-TW" dirty="0" err="1"/>
               <a:t>Keras</a:t>
             </a:r>
+            <a:r>
+              <a:rPr lang="en-US" altLang="zh-TW" dirty="0"/>
+              <a:t>: Building a Network</a:t>
+            </a:r>
             <a:endParaRPr lang="zh-TW" altLang="en-US" dirty="0"/>
-          </a:p>
-        </p:txBody>
-      </p:sp>
-      <p:sp>
-        <p:nvSpPr>
-          <p:cNvPr id="3" name="矩形 2"/>
-          <p:cNvSpPr/>
-          <p:nvPr/>
-        </p:nvSpPr>
-        <p:spPr>
-          <a:xfrm>
-            <a:off x="2322286" y="375327"/>
-            <a:ext cx="1790700" cy="1235074"/>
-          </a:xfrm>
-          <a:prstGeom prst="rect">
-            <a:avLst/>
-          </a:prstGeom>
-          <a:noFill/>
-          <a:ln w="57150">
-            <a:solidFill>
-              <a:srgbClr val="FF0000"/>
-            </a:solidFill>
-          </a:ln>
-        </p:spPr>
-        <p:style>
-          <a:lnRef idx="2">
-            <a:schemeClr val="accent1">
-              <a:shade val="50000"/>
-            </a:schemeClr>
-          </a:lnRef>
-          <a:fillRef idx="1">
-            <a:schemeClr val="accent1"/>
-          </a:fillRef>
-          <a:effectRef idx="0">
-            <a:schemeClr val="accent1"/>
-          </a:effectRef>
-          <a:fontRef idx="minor">
-            <a:schemeClr val="lt1"/>
-          </a:fontRef>
-        </p:style>
-        <p:txBody>
-          <a:bodyPr rtlCol="0" anchor="ctr"/>
-          <a:lstStyle/>
-          <a:p>
-            <a:pPr algn="ctr"/>
-            <a:endParaRPr lang="zh-TW" altLang="en-US"/>
           </a:p>
         </p:txBody>
       </p:sp>
@@ -12588,63 +9547,15 @@
           <p:nvPr/>
         </p:nvPicPr>
         <p:blipFill>
-          <a:blip r:embed="rId4"/>
+          <a:blip r:embed="rId3"/>
           <a:stretch>
             <a:fillRect/>
           </a:stretch>
         </p:blipFill>
         <p:spPr>
           <a:xfrm>
-            <a:off x="4656959" y="2219223"/>
-            <a:ext cx="2647950" cy="285750"/>
-          </a:xfrm>
-          <a:prstGeom prst="rect">
-            <a:avLst/>
-          </a:prstGeom>
-        </p:spPr>
-      </p:pic>
-      <p:pic>
-        <p:nvPicPr>
-          <p:cNvPr id="100" name="圖片 99"/>
-          <p:cNvPicPr>
-            <a:picLocks noChangeAspect="1"/>
-          </p:cNvPicPr>
-          <p:nvPr/>
-        </p:nvPicPr>
-        <p:blipFill>
-          <a:blip r:embed="rId5"/>
-          <a:stretch>
-            <a:fillRect/>
-          </a:stretch>
-        </p:blipFill>
-        <p:spPr>
-          <a:xfrm>
-            <a:off x="3849880" y="4420721"/>
-            <a:ext cx="4562475" cy="542925"/>
-          </a:xfrm>
-          <a:prstGeom prst="rect">
-            <a:avLst/>
-          </a:prstGeom>
-        </p:spPr>
-      </p:pic>
-      <p:pic>
-        <p:nvPicPr>
-          <p:cNvPr id="102" name="圖片 101"/>
-          <p:cNvPicPr>
-            <a:picLocks noChangeAspect="1"/>
-          </p:cNvPicPr>
-          <p:nvPr/>
-        </p:nvPicPr>
-        <p:blipFill>
-          <a:blip r:embed="rId6"/>
-          <a:stretch>
-            <a:fillRect/>
-          </a:stretch>
-        </p:blipFill>
-        <p:spPr>
-          <a:xfrm>
-            <a:off x="3849880" y="5504333"/>
-            <a:ext cx="4391025" cy="542925"/>
+            <a:off x="4656959" y="2219222"/>
+            <a:ext cx="2963042" cy="319753"/>
           </a:xfrm>
           <a:prstGeom prst="rect">
             <a:avLst/>
@@ -12789,30 +9700,6 @@
           </a:p>
         </p:txBody>
       </p:sp>
-      <p:pic>
-        <p:nvPicPr>
-          <p:cNvPr id="107" name="圖片 106"/>
-          <p:cNvPicPr>
-            <a:picLocks noChangeAspect="1"/>
-          </p:cNvPicPr>
-          <p:nvPr/>
-        </p:nvPicPr>
-        <p:blipFill>
-          <a:blip r:embed="rId7"/>
-          <a:stretch>
-            <a:fillRect/>
-          </a:stretch>
-        </p:blipFill>
-        <p:spPr>
-          <a:xfrm>
-            <a:off x="3853591" y="2926833"/>
-            <a:ext cx="4524375" cy="742950"/>
-          </a:xfrm>
-          <a:prstGeom prst="rect">
-            <a:avLst/>
-          </a:prstGeom>
-        </p:spPr>
-      </p:pic>
       <p:sp>
         <p:nvSpPr>
           <p:cNvPr id="147" name="文字方塊 146"/>
@@ -12843,16 +9730,135 @@
           </a:p>
         </p:txBody>
       </p:sp>
+      <p:sp>
+        <p:nvSpPr>
+          <p:cNvPr id="18" name="矩形 17"/>
+          <p:cNvSpPr/>
+          <p:nvPr/>
+        </p:nvSpPr>
+        <p:spPr>
+          <a:xfrm>
+            <a:off x="5026169" y="3541161"/>
+            <a:ext cx="3917364" cy="830997"/>
+          </a:xfrm>
+          <a:prstGeom prst="rect">
+            <a:avLst/>
+          </a:prstGeom>
+        </p:spPr>
+        <p:txBody>
+          <a:bodyPr wrap="square">
+            <a:spAutoFit/>
+          </a:bodyPr>
+          <a:lstStyle/>
+          <a:p>
+            <a:pPr>
+              <a:spcAft>
+                <a:spcPts val="0"/>
+              </a:spcAft>
+            </a:pPr>
+            <a:r>
+              <a:rPr lang="en-US" altLang="zh-TW" sz="2400" kern="0" dirty="0" err="1">
+                <a:solidFill>
+                  <a:srgbClr val="404040"/>
+                </a:solidFill>
+                <a:latin typeface="Times New Roman" panose="02020603050405020304" pitchFamily="18" charset="0"/>
+                <a:cs typeface="Times New Roman" panose="02020603050405020304" pitchFamily="18" charset="0"/>
+              </a:rPr>
+              <a:t>softplus</a:t>
+            </a:r>
+            <a:r>
+              <a:rPr lang="en-US" altLang="zh-TW" sz="2400" kern="0" dirty="0">
+                <a:solidFill>
+                  <a:srgbClr val="404040"/>
+                </a:solidFill>
+                <a:latin typeface="Times New Roman" panose="02020603050405020304" pitchFamily="18" charset="0"/>
+                <a:cs typeface="Times New Roman" panose="02020603050405020304" pitchFamily="18" charset="0"/>
+              </a:rPr>
+              <a:t>, </a:t>
+            </a:r>
+            <a:r>
+              <a:rPr lang="en-US" altLang="zh-TW" sz="2400" kern="0" dirty="0" err="1">
+                <a:solidFill>
+                  <a:srgbClr val="404040"/>
+                </a:solidFill>
+                <a:latin typeface="Times New Roman" panose="02020603050405020304" pitchFamily="18" charset="0"/>
+                <a:cs typeface="Times New Roman" panose="02020603050405020304" pitchFamily="18" charset="0"/>
+              </a:rPr>
+              <a:t>softsign</a:t>
+            </a:r>
+            <a:r>
+              <a:rPr lang="en-US" altLang="zh-TW" sz="2400" kern="0" dirty="0">
+                <a:solidFill>
+                  <a:srgbClr val="404040"/>
+                </a:solidFill>
+                <a:latin typeface="Times New Roman" panose="02020603050405020304" pitchFamily="18" charset="0"/>
+                <a:cs typeface="Times New Roman" panose="02020603050405020304" pitchFamily="18" charset="0"/>
+              </a:rPr>
+              <a:t>, sigmoid, tanh, </a:t>
+            </a:r>
+            <a:r>
+              <a:rPr lang="en-US" altLang="zh-TW" sz="2400" kern="0" dirty="0" err="1">
+                <a:solidFill>
+                  <a:srgbClr val="404040"/>
+                </a:solidFill>
+                <a:latin typeface="Times New Roman" panose="02020603050405020304" pitchFamily="18" charset="0"/>
+                <a:cs typeface="Times New Roman" panose="02020603050405020304" pitchFamily="18" charset="0"/>
+              </a:rPr>
+              <a:t>hard_sigmoid</a:t>
+            </a:r>
+            <a:r>
+              <a:rPr lang="en-US" altLang="zh-TW" sz="2400" kern="0" dirty="0">
+                <a:solidFill>
+                  <a:srgbClr val="404040"/>
+                </a:solidFill>
+                <a:latin typeface="Times New Roman" panose="02020603050405020304" pitchFamily="18" charset="0"/>
+                <a:cs typeface="Times New Roman" panose="02020603050405020304" pitchFamily="18" charset="0"/>
+              </a:rPr>
+              <a:t>, linear …</a:t>
+            </a:r>
+            <a:endParaRPr lang="zh-TW" altLang="zh-TW" sz="2400" kern="100" dirty="0">
+              <a:latin typeface="Times New Roman" panose="02020603050405020304" pitchFamily="18" charset="0"/>
+              <a:cs typeface="Times New Roman" panose="02020603050405020304" pitchFamily="18" charset="0"/>
+            </a:endParaRPr>
+          </a:p>
+        </p:txBody>
+      </p:sp>
+      <p:pic>
+        <p:nvPicPr>
+          <p:cNvPr id="5" name="圖片 4"/>
+          <p:cNvPicPr>
+            <a:picLocks noChangeAspect="1"/>
+          </p:cNvPicPr>
+          <p:nvPr/>
+        </p:nvPicPr>
+        <p:blipFill>
+          <a:blip r:embed="rId4"/>
+          <a:stretch>
+            <a:fillRect/>
+          </a:stretch>
+        </p:blipFill>
+        <p:spPr>
+          <a:xfrm>
+            <a:off x="3399334" y="3129471"/>
+            <a:ext cx="5686425" cy="495300"/>
+          </a:xfrm>
+          <a:prstGeom prst="rect">
+            <a:avLst/>
+          </a:prstGeom>
+        </p:spPr>
+      </p:pic>
       <p:cxnSp>
         <p:nvCxnSpPr>
-          <p:cNvPr id="6" name="直線接點 5"/>
-          <p:cNvCxnSpPr/>
+          <p:cNvPr id="80" name="直線接點 79"/>
+          <p:cNvCxnSpPr>
+            <a:cxnSpLocks/>
+          </p:cNvCxnSpPr>
           <p:nvPr/>
         </p:nvCxnSpPr>
         <p:spPr>
           <a:xfrm>
-            <a:off x="5208104" y="3163128"/>
-            <a:ext cx="689113" cy="0"/>
+            <a:off x="7141696" y="3555896"/>
+            <a:ext cx="598954" cy="0"/>
           </a:xfrm>
           <a:prstGeom prst="line">
             <a:avLst/>
@@ -12878,269 +9884,96 @@
           </a:fontRef>
         </p:style>
       </p:cxnSp>
-      <p:cxnSp>
-        <p:nvCxnSpPr>
-          <p:cNvPr id="73" name="直線接點 72"/>
-          <p:cNvCxnSpPr/>
+      <p:pic>
+        <p:nvPicPr>
+          <p:cNvPr id="11" name="圖片 10"/>
+          <p:cNvPicPr>
+            <a:picLocks noChangeAspect="1"/>
+          </p:cNvPicPr>
           <p:nvPr/>
-        </p:nvCxnSpPr>
+        </p:nvPicPr>
+        <p:blipFill>
+          <a:blip r:embed="rId5"/>
+          <a:stretch>
+            <a:fillRect/>
+          </a:stretch>
+        </p:blipFill>
         <p:spPr>
           <a:xfrm>
-            <a:off x="6114884" y="3163128"/>
-            <a:ext cx="1078396" cy="0"/>
-          </a:xfrm>
-          <a:prstGeom prst="line">
-            <a:avLst/>
-          </a:prstGeom>
-          <a:ln w="38100">
-            <a:solidFill>
-              <a:srgbClr val="FFFF00"/>
-            </a:solidFill>
-          </a:ln>
-        </p:spPr>
-        <p:style>
-          <a:lnRef idx="1">
-            <a:schemeClr val="accent1"/>
-          </a:lnRef>
-          <a:fillRef idx="0">
-            <a:schemeClr val="accent1"/>
-          </a:fillRef>
-          <a:effectRef idx="0">
-            <a:schemeClr val="accent1"/>
-          </a:effectRef>
-          <a:fontRef idx="minor">
-            <a:schemeClr val="tx1"/>
-          </a:fontRef>
-        </p:style>
-      </p:cxnSp>
-      <p:cxnSp>
-        <p:nvCxnSpPr>
-          <p:cNvPr id="75" name="直線接點 74"/>
-          <p:cNvCxnSpPr/>
-          <p:nvPr/>
-        </p:nvCxnSpPr>
-        <p:spPr>
-          <a:xfrm>
-            <a:off x="6114884" y="3376488"/>
-            <a:ext cx="1190025" cy="0"/>
-          </a:xfrm>
-          <a:prstGeom prst="line">
-            <a:avLst/>
-          </a:prstGeom>
-          <a:ln w="38100">
-            <a:solidFill>
-              <a:srgbClr val="FFFF00"/>
-            </a:solidFill>
-          </a:ln>
-        </p:spPr>
-        <p:style>
-          <a:lnRef idx="1">
-            <a:schemeClr val="accent1"/>
-          </a:lnRef>
-          <a:fillRef idx="0">
-            <a:schemeClr val="accent1"/>
-          </a:fillRef>
-          <a:effectRef idx="0">
-            <a:schemeClr val="accent1"/>
-          </a:effectRef>
-          <a:fontRef idx="minor">
-            <a:schemeClr val="tx1"/>
-          </a:fontRef>
-        </p:style>
-      </p:cxnSp>
-      <p:cxnSp>
-        <p:nvCxnSpPr>
-          <p:cNvPr id="80" name="直線接點 79"/>
-          <p:cNvCxnSpPr/>
-          <p:nvPr/>
-        </p:nvCxnSpPr>
-        <p:spPr>
-          <a:xfrm>
-            <a:off x="6709896" y="3607912"/>
-            <a:ext cx="971064" cy="0"/>
-          </a:xfrm>
-          <a:prstGeom prst="line">
-            <a:avLst/>
-          </a:prstGeom>
-          <a:ln w="38100">
-            <a:solidFill>
-              <a:srgbClr val="FFFF00"/>
-            </a:solidFill>
-          </a:ln>
-        </p:spPr>
-        <p:style>
-          <a:lnRef idx="1">
-            <a:schemeClr val="accent1"/>
-          </a:lnRef>
-          <a:fillRef idx="0">
-            <a:schemeClr val="accent1"/>
-          </a:fillRef>
-          <a:effectRef idx="0">
-            <a:schemeClr val="accent1"/>
-          </a:effectRef>
-          <a:fontRef idx="minor">
-            <a:schemeClr val="tx1"/>
-          </a:fontRef>
-        </p:style>
-      </p:cxnSp>
-      <p:cxnSp>
-        <p:nvCxnSpPr>
-          <p:cNvPr id="81" name="直線接點 80"/>
-          <p:cNvCxnSpPr/>
-          <p:nvPr/>
-        </p:nvCxnSpPr>
-        <p:spPr>
-          <a:xfrm>
-            <a:off x="6039336" y="4680332"/>
-            <a:ext cx="1265573" cy="0"/>
-          </a:xfrm>
-          <a:prstGeom prst="line">
-            <a:avLst/>
-          </a:prstGeom>
-          <a:ln w="38100">
-            <a:solidFill>
-              <a:srgbClr val="FFFF00"/>
-            </a:solidFill>
-          </a:ln>
-        </p:spPr>
-        <p:style>
-          <a:lnRef idx="1">
-            <a:schemeClr val="accent1"/>
-          </a:lnRef>
-          <a:fillRef idx="0">
-            <a:schemeClr val="accent1"/>
-          </a:fillRef>
-          <a:effectRef idx="0">
-            <a:schemeClr val="accent1"/>
-          </a:effectRef>
-          <a:fontRef idx="minor">
-            <a:schemeClr val="tx1"/>
-          </a:fontRef>
-        </p:style>
-      </p:cxnSp>
-      <p:sp>
-        <p:nvSpPr>
-          <p:cNvPr id="18" name="矩形 17"/>
-          <p:cNvSpPr/>
-          <p:nvPr/>
-        </p:nvSpPr>
-        <p:spPr>
-          <a:xfrm>
-            <a:off x="5026169" y="3578991"/>
-            <a:ext cx="3917364" cy="830997"/>
+            <a:off x="3399334" y="4329394"/>
+            <a:ext cx="4695825" cy="542925"/>
           </a:xfrm>
           <a:prstGeom prst="rect">
             <a:avLst/>
           </a:prstGeom>
         </p:spPr>
-        <p:txBody>
-          <a:bodyPr wrap="square">
+      </p:pic>
+      <p:pic>
+        <p:nvPicPr>
+          <p:cNvPr id="14" name="圖片 13"/>
+          <p:cNvPicPr>
+            <a:picLocks noChangeAspect="1"/>
+          </p:cNvPicPr>
+          <p:nvPr/>
+        </p:nvPicPr>
+        <p:blipFill>
+          <a:blip r:embed="rId6"/>
+          <a:stretch>
+            <a:fillRect/>
+          </a:stretch>
+        </p:blipFill>
+        <p:spPr>
+          <a:xfrm>
+            <a:off x="3409184" y="5558231"/>
+            <a:ext cx="5143500" cy="514350"/>
+          </a:xfrm>
+          <a:prstGeom prst="rect">
+            <a:avLst/>
+          </a:prstGeom>
+        </p:spPr>
+      </p:pic>
+      <p:sp>
+        <p:nvSpPr>
+          <p:cNvPr id="15" name="文字方塊 14"/>
+          <p:cNvSpPr txBox="1"/>
+          <p:nvPr/>
+        </p:nvSpPr>
+        <p:spPr>
+          <a:xfrm>
+            <a:off x="5669310" y="6035379"/>
+            <a:ext cx="3416449" cy="461665"/>
+          </a:xfrm>
+          <a:prstGeom prst="rect">
+            <a:avLst/>
+          </a:prstGeom>
+          <a:noFill/>
+        </p:spPr>
+        <p:txBody>
+          <a:bodyPr wrap="square" rtlCol="0">
             <a:spAutoFit/>
           </a:bodyPr>
           <a:lstStyle/>
           <a:p>
-            <a:pPr>
-              <a:spcAft>
-                <a:spcPts val="0"/>
-              </a:spcAft>
-            </a:pPr>
-            <a:r>
-              <a:rPr lang="en-US" altLang="zh-TW" sz="2400" kern="0" dirty="0" err="1">
-                <a:solidFill>
-                  <a:srgbClr val="404040"/>
-                </a:solidFill>
-                <a:latin typeface="Times New Roman" panose="02020603050405020304" pitchFamily="18" charset="0"/>
-                <a:cs typeface="Times New Roman" panose="02020603050405020304" pitchFamily="18" charset="0"/>
-              </a:rPr>
-              <a:t>softplus</a:t>
-            </a:r>
-            <a:r>
-              <a:rPr lang="en-US" altLang="zh-TW" sz="2400" kern="0" dirty="0">
-                <a:solidFill>
-                  <a:srgbClr val="404040"/>
-                </a:solidFill>
-                <a:latin typeface="Times New Roman" panose="02020603050405020304" pitchFamily="18" charset="0"/>
-                <a:cs typeface="Times New Roman" panose="02020603050405020304" pitchFamily="18" charset="0"/>
-              </a:rPr>
-              <a:t>, </a:t>
-            </a:r>
-            <a:r>
-              <a:rPr lang="en-US" altLang="zh-TW" sz="2400" kern="0" dirty="0" err="1">
-                <a:solidFill>
-                  <a:srgbClr val="404040"/>
-                </a:solidFill>
-                <a:latin typeface="Times New Roman" panose="02020603050405020304" pitchFamily="18" charset="0"/>
-                <a:cs typeface="Times New Roman" panose="02020603050405020304" pitchFamily="18" charset="0"/>
-              </a:rPr>
-              <a:t>softsign</a:t>
-            </a:r>
-            <a:r>
-              <a:rPr lang="en-US" altLang="zh-TW" sz="2400" kern="0" dirty="0">
-                <a:solidFill>
-                  <a:srgbClr val="404040"/>
-                </a:solidFill>
-                <a:latin typeface="Times New Roman" panose="02020603050405020304" pitchFamily="18" charset="0"/>
-                <a:cs typeface="Times New Roman" panose="02020603050405020304" pitchFamily="18" charset="0"/>
-              </a:rPr>
-              <a:t>, </a:t>
-            </a:r>
-            <a:r>
-              <a:rPr lang="en-US" altLang="zh-TW" sz="2400" kern="0" dirty="0" err="1">
-                <a:solidFill>
-                  <a:srgbClr val="404040"/>
-                </a:solidFill>
-                <a:latin typeface="Times New Roman" panose="02020603050405020304" pitchFamily="18" charset="0"/>
-                <a:cs typeface="Times New Roman" panose="02020603050405020304" pitchFamily="18" charset="0"/>
-              </a:rPr>
-              <a:t>relu</a:t>
-            </a:r>
-            <a:r>
-              <a:rPr lang="en-US" altLang="zh-TW" sz="2400" kern="0" dirty="0">
-                <a:solidFill>
-                  <a:srgbClr val="404040"/>
-                </a:solidFill>
-                <a:latin typeface="Times New Roman" panose="02020603050405020304" pitchFamily="18" charset="0"/>
-                <a:cs typeface="Times New Roman" panose="02020603050405020304" pitchFamily="18" charset="0"/>
-              </a:rPr>
-              <a:t>, tanh, </a:t>
-            </a:r>
-            <a:r>
-              <a:rPr lang="en-US" altLang="zh-TW" sz="2400" kern="0" dirty="0" err="1">
-                <a:solidFill>
-                  <a:srgbClr val="404040"/>
-                </a:solidFill>
-                <a:latin typeface="Times New Roman" panose="02020603050405020304" pitchFamily="18" charset="0"/>
-                <a:cs typeface="Times New Roman" panose="02020603050405020304" pitchFamily="18" charset="0"/>
-              </a:rPr>
-              <a:t>hard_sigmoid</a:t>
-            </a:r>
-            <a:r>
-              <a:rPr lang="en-US" altLang="zh-TW" sz="2400" kern="0" dirty="0">
-                <a:solidFill>
-                  <a:srgbClr val="404040"/>
-                </a:solidFill>
-                <a:latin typeface="Times New Roman" panose="02020603050405020304" pitchFamily="18" charset="0"/>
-                <a:cs typeface="Times New Roman" panose="02020603050405020304" pitchFamily="18" charset="0"/>
-              </a:rPr>
-              <a:t>, linear</a:t>
-            </a:r>
-            <a:endParaRPr lang="zh-TW" altLang="zh-TW" sz="2400" kern="100" dirty="0">
-              <a:latin typeface="Times New Roman" panose="02020603050405020304" pitchFamily="18" charset="0"/>
-              <a:cs typeface="Times New Roman" panose="02020603050405020304" pitchFamily="18" charset="0"/>
-            </a:endParaRPr>
+            <a:r>
+              <a:rPr lang="en-US" altLang="zh-TW" sz="2400" dirty="0"/>
+              <a:t>Output between 0 and 1</a:t>
+            </a:r>
+            <a:endParaRPr lang="zh-TW" altLang="en-US" sz="2400" dirty="0"/>
           </a:p>
         </p:txBody>
       </p:sp>
       <p:cxnSp>
         <p:nvCxnSpPr>
-          <p:cNvPr id="82" name="直線接點 81"/>
-          <p:cNvCxnSpPr/>
+          <p:cNvPr id="83" name="直線接點 82"/>
+          <p:cNvCxnSpPr>
+            <a:cxnSpLocks/>
+          </p:cNvCxnSpPr>
           <p:nvPr/>
         </p:nvCxnSpPr>
         <p:spPr>
           <a:xfrm>
-            <a:off x="6556199" y="5976945"/>
-            <a:ext cx="1265573" cy="0"/>
+            <a:off x="7141696" y="6020345"/>
+            <a:ext cx="953463" cy="0"/>
           </a:xfrm>
           <a:prstGeom prst="line">
             <a:avLst/>
@@ -13294,7 +10127,7 @@
                                           </p:stCondLst>
                                         </p:cTn>
                                         <p:tgtEl>
-                                          <p:spTgt spid="107"/>
+                                          <p:spTgt spid="5"/>
                                         </p:tgtEl>
                                         <p:attrNameLst>
                                           <p:attrName>style.visibility</p:attrName>
@@ -13339,7 +10172,7 @@
                                           </p:stCondLst>
                                         </p:cTn>
                                         <p:tgtEl>
-                                          <p:spTgt spid="6"/>
+                                          <p:spTgt spid="80"/>
                                         </p:tgtEl>
                                         <p:attrNameLst>
                                           <p:attrName>style.visibility</p:attrName>
@@ -13371,7 +10204,7 @@
                             </p:stCondLst>
                             <p:childTnLst>
                               <p:par>
-                                <p:cTn id="19" presetID="1" presetClass="entr" presetSubtype="0" fill="hold" nodeType="clickEffect">
+                                <p:cTn id="19" presetID="1" presetClass="entr" presetSubtype="0" fill="hold" grpId="0" nodeType="clickEffect">
                                   <p:stCondLst>
                                     <p:cond delay="0"/>
                                   </p:stCondLst>
@@ -13384,7 +10217,7 @@
                                           </p:stCondLst>
                                         </p:cTn>
                                         <p:tgtEl>
-                                          <p:spTgt spid="73"/>
+                                          <p:spTgt spid="18"/>
                                         </p:tgtEl>
                                         <p:attrNameLst>
                                           <p:attrName>style.visibility</p:attrName>
@@ -13416,7 +10249,7 @@
                             </p:stCondLst>
                             <p:childTnLst>
                               <p:par>
-                                <p:cTn id="23" presetID="1" presetClass="entr" presetSubtype="0" fill="hold" nodeType="clickEffect">
+                                <p:cTn id="23" presetID="1" presetClass="entr" presetSubtype="0" fill="hold" grpId="0" nodeType="clickEffect">
                                   <p:stCondLst>
                                     <p:cond delay="0"/>
                                   </p:stCondLst>
@@ -13429,7 +10262,34 @@
                                           </p:stCondLst>
                                         </p:cTn>
                                         <p:tgtEl>
-                                          <p:spTgt spid="75"/>
+                                          <p:spTgt spid="105"/>
+                                        </p:tgtEl>
+                                        <p:attrNameLst>
+                                          <p:attrName>style.visibility</p:attrName>
+                                        </p:attrNameLst>
+                                      </p:cBhvr>
+                                      <p:to>
+                                        <p:strVal val="visible"/>
+                                      </p:to>
+                                    </p:set>
+                                  </p:childTnLst>
+                                </p:cTn>
+                              </p:par>
+                              <p:par>
+                                <p:cTn id="25" presetID="1" presetClass="entr" presetSubtype="0" fill="hold" nodeType="withEffect">
+                                  <p:stCondLst>
+                                    <p:cond delay="0"/>
+                                  </p:stCondLst>
+                                  <p:childTnLst>
+                                    <p:set>
+                                      <p:cBhvr>
+                                        <p:cTn id="26" dur="1" fill="hold">
+                                          <p:stCondLst>
+                                            <p:cond delay="0"/>
+                                          </p:stCondLst>
+                                        </p:cTn>
+                                        <p:tgtEl>
+                                          <p:spTgt spid="11"/>
                                         </p:tgtEl>
                                         <p:attrNameLst>
                                           <p:attrName>style.visibility</p:attrName>
@@ -13449,32 +10309,32 @@
                     </p:cTn>
                   </p:par>
                   <p:par>
-                    <p:cTn id="25" fill="hold">
+                    <p:cTn id="27" fill="hold">
                       <p:stCondLst>
                         <p:cond delay="indefinite"/>
                       </p:stCondLst>
                       <p:childTnLst>
                         <p:par>
-                          <p:cTn id="26" fill="hold">
+                          <p:cTn id="28" fill="hold">
                             <p:stCondLst>
                               <p:cond delay="0"/>
                             </p:stCondLst>
                             <p:childTnLst>
                               <p:par>
-                                <p:cTn id="27" presetID="1" presetClass="entr" presetSubtype="0" fill="hold" nodeType="clickEffect">
+                                <p:cTn id="29" presetID="1" presetClass="entr" presetSubtype="0" fill="hold" grpId="0" nodeType="clickEffect">
                                   <p:stCondLst>
                                     <p:cond delay="0"/>
                                   </p:stCondLst>
                                   <p:childTnLst>
                                     <p:set>
                                       <p:cBhvr>
-                                        <p:cTn id="28" dur="1" fill="hold">
+                                        <p:cTn id="30" dur="1" fill="hold">
                                           <p:stCondLst>
                                             <p:cond delay="0"/>
                                           </p:stCondLst>
                                         </p:cTn>
                                         <p:tgtEl>
-                                          <p:spTgt spid="80"/>
+                                          <p:spTgt spid="106"/>
                                         </p:tgtEl>
                                         <p:attrNameLst>
                                           <p:attrName>style.visibility</p:attrName>
@@ -13487,26 +10347,8 @@
                                   </p:childTnLst>
                                 </p:cTn>
                               </p:par>
-                            </p:childTnLst>
-                          </p:cTn>
-                        </p:par>
-                      </p:childTnLst>
-                    </p:cTn>
-                  </p:par>
-                  <p:par>
-                    <p:cTn id="29" fill="hold">
-                      <p:stCondLst>
-                        <p:cond delay="indefinite"/>
-                      </p:stCondLst>
-                      <p:childTnLst>
-                        <p:par>
-                          <p:cTn id="30" fill="hold">
-                            <p:stCondLst>
-                              <p:cond delay="0"/>
-                            </p:stCondLst>
-                            <p:childTnLst>
                               <p:par>
-                                <p:cTn id="31" presetID="1" presetClass="entr" presetSubtype="0" fill="hold" grpId="0" nodeType="clickEffect">
+                                <p:cTn id="31" presetID="1" presetClass="entr" presetSubtype="0" fill="hold" nodeType="withEffect">
                                   <p:stCondLst>
                                     <p:cond delay="0"/>
                                   </p:stCondLst>
@@ -13519,7 +10361,7 @@
                                           </p:stCondLst>
                                         </p:cTn>
                                         <p:tgtEl>
-                                          <p:spTgt spid="18"/>
+                                          <p:spTgt spid="14"/>
                                         </p:tgtEl>
                                         <p:attrNameLst>
                                           <p:attrName>style.visibility</p:attrName>
@@ -13551,7 +10393,7 @@
                             </p:stCondLst>
                             <p:childTnLst>
                               <p:par>
-                                <p:cTn id="35" presetID="1" presetClass="entr" presetSubtype="0" fill="hold" grpId="0" nodeType="clickEffect">
+                                <p:cTn id="35" presetID="1" presetClass="entr" presetSubtype="0" fill="hold" nodeType="clickEffect">
                                   <p:stCondLst>
                                     <p:cond delay="0"/>
                                   </p:stCondLst>
@@ -13564,34 +10406,7 @@
                                           </p:stCondLst>
                                         </p:cTn>
                                         <p:tgtEl>
-                                          <p:spTgt spid="105"/>
-                                        </p:tgtEl>
-                                        <p:attrNameLst>
-                                          <p:attrName>style.visibility</p:attrName>
-                                        </p:attrNameLst>
-                                      </p:cBhvr>
-                                      <p:to>
-                                        <p:strVal val="visible"/>
-                                      </p:to>
-                                    </p:set>
-                                  </p:childTnLst>
-                                </p:cTn>
-                              </p:par>
-                              <p:par>
-                                <p:cTn id="37" presetID="1" presetClass="entr" presetSubtype="0" fill="hold" nodeType="withEffect">
-                                  <p:stCondLst>
-                                    <p:cond delay="0"/>
-                                  </p:stCondLst>
-                                  <p:childTnLst>
-                                    <p:set>
-                                      <p:cBhvr>
-                                        <p:cTn id="38" dur="1" fill="hold">
-                                          <p:stCondLst>
-                                            <p:cond delay="0"/>
-                                          </p:stCondLst>
-                                        </p:cTn>
-                                        <p:tgtEl>
-                                          <p:spTgt spid="100"/>
+                                          <p:spTgt spid="83"/>
                                         </p:tgtEl>
                                         <p:attrNameLst>
                                           <p:attrName>style.visibility</p:attrName>
@@ -13611,149 +10426,32 @@
                     </p:cTn>
                   </p:par>
                   <p:par>
-                    <p:cTn id="39" fill="hold">
+                    <p:cTn id="37" fill="hold">
                       <p:stCondLst>
                         <p:cond delay="indefinite"/>
                       </p:stCondLst>
                       <p:childTnLst>
                         <p:par>
-                          <p:cTn id="40" fill="hold">
+                          <p:cTn id="38" fill="hold">
                             <p:stCondLst>
                               <p:cond delay="0"/>
                             </p:stCondLst>
                             <p:childTnLst>
                               <p:par>
-                                <p:cTn id="41" presetID="1" presetClass="entr" presetSubtype="0" fill="hold" nodeType="clickEffect">
+                                <p:cTn id="39" presetID="1" presetClass="entr" presetSubtype="0" fill="hold" grpId="0" nodeType="clickEffect">
                                   <p:stCondLst>
                                     <p:cond delay="0"/>
                                   </p:stCondLst>
                                   <p:childTnLst>
                                     <p:set>
                                       <p:cBhvr>
-                                        <p:cTn id="42" dur="1" fill="hold">
+                                        <p:cTn id="40" dur="1" fill="hold">
                                           <p:stCondLst>
                                             <p:cond delay="0"/>
                                           </p:stCondLst>
                                         </p:cTn>
                                         <p:tgtEl>
-                                          <p:spTgt spid="81"/>
-                                        </p:tgtEl>
-                                        <p:attrNameLst>
-                                          <p:attrName>style.visibility</p:attrName>
-                                        </p:attrNameLst>
-                                      </p:cBhvr>
-                                      <p:to>
-                                        <p:strVal val="visible"/>
-                                      </p:to>
-                                    </p:set>
-                                  </p:childTnLst>
-                                </p:cTn>
-                              </p:par>
-                            </p:childTnLst>
-                          </p:cTn>
-                        </p:par>
-                      </p:childTnLst>
-                    </p:cTn>
-                  </p:par>
-                  <p:par>
-                    <p:cTn id="43" fill="hold">
-                      <p:stCondLst>
-                        <p:cond delay="indefinite"/>
-                      </p:stCondLst>
-                      <p:childTnLst>
-                        <p:par>
-                          <p:cTn id="44" fill="hold">
-                            <p:stCondLst>
-                              <p:cond delay="0"/>
-                            </p:stCondLst>
-                            <p:childTnLst>
-                              <p:par>
-                                <p:cTn id="45" presetID="1" presetClass="entr" presetSubtype="0" fill="hold" grpId="0" nodeType="clickEffect">
-                                  <p:stCondLst>
-                                    <p:cond delay="0"/>
-                                  </p:stCondLst>
-                                  <p:childTnLst>
-                                    <p:set>
-                                      <p:cBhvr>
-                                        <p:cTn id="46" dur="1" fill="hold">
-                                          <p:stCondLst>
-                                            <p:cond delay="0"/>
-                                          </p:stCondLst>
-                                        </p:cTn>
-                                        <p:tgtEl>
-                                          <p:spTgt spid="106"/>
-                                        </p:tgtEl>
-                                        <p:attrNameLst>
-                                          <p:attrName>style.visibility</p:attrName>
-                                        </p:attrNameLst>
-                                      </p:cBhvr>
-                                      <p:to>
-                                        <p:strVal val="visible"/>
-                                      </p:to>
-                                    </p:set>
-                                  </p:childTnLst>
-                                </p:cTn>
-                              </p:par>
-                              <p:par>
-                                <p:cTn id="47" presetID="1" presetClass="entr" presetSubtype="0" fill="hold" nodeType="withEffect">
-                                  <p:stCondLst>
-                                    <p:cond delay="0"/>
-                                  </p:stCondLst>
-                                  <p:childTnLst>
-                                    <p:set>
-                                      <p:cBhvr>
-                                        <p:cTn id="48" dur="1" fill="hold">
-                                          <p:stCondLst>
-                                            <p:cond delay="0"/>
-                                          </p:stCondLst>
-                                        </p:cTn>
-                                        <p:tgtEl>
-                                          <p:spTgt spid="102"/>
-                                        </p:tgtEl>
-                                        <p:attrNameLst>
-                                          <p:attrName>style.visibility</p:attrName>
-                                        </p:attrNameLst>
-                                      </p:cBhvr>
-                                      <p:to>
-                                        <p:strVal val="visible"/>
-                                      </p:to>
-                                    </p:set>
-                                  </p:childTnLst>
-                                </p:cTn>
-                              </p:par>
-                            </p:childTnLst>
-                          </p:cTn>
-                        </p:par>
-                      </p:childTnLst>
-                    </p:cTn>
-                  </p:par>
-                  <p:par>
-                    <p:cTn id="49" fill="hold">
-                      <p:stCondLst>
-                        <p:cond delay="indefinite"/>
-                      </p:stCondLst>
-                      <p:childTnLst>
-                        <p:par>
-                          <p:cTn id="50" fill="hold">
-                            <p:stCondLst>
-                              <p:cond delay="0"/>
-                            </p:stCondLst>
-                            <p:childTnLst>
-                              <p:par>
-                                <p:cTn id="51" presetID="1" presetClass="entr" presetSubtype="0" fill="hold" nodeType="clickEffect">
-                                  <p:stCondLst>
-                                    <p:cond delay="0"/>
-                                  </p:stCondLst>
-                                  <p:childTnLst>
-                                    <p:set>
-                                      <p:cBhvr>
-                                        <p:cTn id="52" dur="1" fill="hold">
-                                          <p:stCondLst>
-                                            <p:cond delay="0"/>
-                                          </p:stCondLst>
-                                        </p:cTn>
-                                        <p:tgtEl>
-                                          <p:spTgt spid="82"/>
+                                          <p:spTgt spid="15"/>
                                         </p:tgtEl>
                                         <p:attrNameLst>
                                           <p:attrName>style.visibility</p:attrName>
@@ -13798,12 +10496,13 @@
       <p:bldP spid="105" grpId="0" animBg="1"/>
       <p:bldP spid="106" grpId="0" animBg="1"/>
       <p:bldP spid="18" grpId="0"/>
+      <p:bldP spid="15" grpId="0"/>
     </p:bldLst>
   </p:timing>
 </p:sld>
 </file>
 
-<file path=ppt/slides/slide9.xml><?xml version="1.0" encoding="utf-8"?>
+<file path=ppt/slides/slide8.xml><?xml version="1.0" encoding="utf-8"?>
 <p:sld xmlns:a="http://schemas.openxmlformats.org/drawingml/2006/main" xmlns:r="http://schemas.openxmlformats.org/officeDocument/2006/relationships" xmlns:p="http://schemas.openxmlformats.org/presentationml/2006/main">
   <p:cSld>
     <p:spTree>
@@ -13822,7 +10521,7 @@
       </p:grpSpPr>
       <p:pic>
         <p:nvPicPr>
-          <p:cNvPr id="5" name="圖片 4"/>
+          <p:cNvPr id="22" name="圖片 21"/>
           <p:cNvPicPr>
             <a:picLocks noChangeAspect="1"/>
           </p:cNvPicPr>
@@ -13836,131 +10535,8 @@
         </p:blipFill>
         <p:spPr>
           <a:xfrm>
-            <a:off x="1524000" y="5218112"/>
-            <a:ext cx="6400800" cy="866775"/>
-          </a:xfrm>
-          <a:prstGeom prst="rect">
-            <a:avLst/>
-          </a:prstGeom>
-        </p:spPr>
-      </p:pic>
-      <p:pic>
-        <p:nvPicPr>
-          <p:cNvPr id="9" name="圖片 8"/>
-          <p:cNvPicPr>
-            <a:picLocks noChangeAspect="1"/>
-          </p:cNvPicPr>
-          <p:nvPr/>
-        </p:nvPicPr>
-        <p:blipFill>
-          <a:blip r:embed="rId4"/>
-          <a:stretch>
-            <a:fillRect/>
-          </a:stretch>
-        </p:blipFill>
-        <p:spPr>
-          <a:xfrm>
-            <a:off x="2358559" y="330137"/>
-            <a:ext cx="6584974" cy="1312280"/>
-          </a:xfrm>
-          <a:prstGeom prst="rect">
-            <a:avLst/>
-          </a:prstGeom>
-        </p:spPr>
-      </p:pic>
-      <p:sp>
-        <p:nvSpPr>
-          <p:cNvPr id="2" name="標題 1"/>
-          <p:cNvSpPr>
-            <a:spLocks noGrp="1"/>
-          </p:cNvSpPr>
-          <p:nvPr>
-            <p:ph type="title"/>
-          </p:nvPr>
-        </p:nvSpPr>
-        <p:spPr/>
-        <p:txBody>
-          <a:bodyPr/>
-          <a:lstStyle/>
-          <a:p>
-            <a:r>
-              <a:rPr lang="en-US" altLang="zh-TW" dirty="0" err="1"/>
-              <a:t>Keras</a:t>
-            </a:r>
-            <a:endParaRPr lang="zh-TW" altLang="en-US" dirty="0"/>
-          </a:p>
-        </p:txBody>
-      </p:sp>
-      <p:sp>
-        <p:nvSpPr>
-          <p:cNvPr id="3" name="矩形 2"/>
-          <p:cNvSpPr/>
-          <p:nvPr/>
-        </p:nvSpPr>
-        <p:spPr>
-          <a:xfrm>
-            <a:off x="4724400" y="365126"/>
-            <a:ext cx="1805189" cy="1235074"/>
-          </a:xfrm>
-          <a:prstGeom prst="rect">
-            <a:avLst/>
-          </a:prstGeom>
-          <a:noFill/>
-          <a:ln w="57150">
-            <a:solidFill>
-              <a:srgbClr val="FF0000"/>
-            </a:solidFill>
-          </a:ln>
-        </p:spPr>
-        <p:style>
-          <a:lnRef idx="2">
-            <a:schemeClr val="accent1">
-              <a:shade val="50000"/>
-            </a:schemeClr>
-          </a:lnRef>
-          <a:fillRef idx="1">
-            <a:schemeClr val="accent1"/>
-          </a:fillRef>
-          <a:effectRef idx="0">
-            <a:schemeClr val="accent1"/>
-          </a:effectRef>
-          <a:fontRef idx="minor">
-            <a:schemeClr val="lt1"/>
-          </a:fontRef>
-        </p:style>
-        <p:txBody>
-          <a:bodyPr rtlCol="0" anchor="ctr"/>
-          <a:lstStyle/>
-          <a:p>
-            <a:pPr algn="ctr"/>
-            <a:endParaRPr lang="zh-TW" altLang="en-US"/>
-          </a:p>
-        </p:txBody>
-      </p:sp>
-      <p:pic>
-        <p:nvPicPr>
-          <p:cNvPr id="11" name="圖片 10"/>
-          <p:cNvPicPr>
-            <a:picLocks noChangeAspect="1"/>
-          </p:cNvPicPr>
-          <p:nvPr/>
-        </p:nvPicPr>
-        <p:blipFill>
-          <a:blip r:embed="rId5">
-            <a:extLst>
-              <a:ext uri="{28A0092B-C50C-407E-A947-70E740481C1C}">
-                <a14:useLocalDpi xmlns:a14="http://schemas.microsoft.com/office/drawing/2010/main" val="0"/>
-              </a:ext>
-            </a:extLst>
-          </a:blip>
-          <a:stretch>
-            <a:fillRect/>
-          </a:stretch>
-        </p:blipFill>
-        <p:spPr>
-          <a:xfrm>
-            <a:off x="1157196" y="1827276"/>
-            <a:ext cx="7163436" cy="3284289"/>
+            <a:off x="582187" y="950847"/>
+            <a:ext cx="7864711" cy="1065013"/>
           </a:xfrm>
           <a:prstGeom prst="rect">
             <a:avLst/>
@@ -13969,50 +10545,16 @@
       </p:pic>
       <p:cxnSp>
         <p:nvCxnSpPr>
-          <p:cNvPr id="7" name="直線單箭頭接點 6"/>
-          <p:cNvCxnSpPr/>
-          <p:nvPr/>
-        </p:nvCxnSpPr>
-        <p:spPr>
-          <a:xfrm flipV="1">
-            <a:off x="6143625" y="4739803"/>
-            <a:ext cx="893989" cy="508349"/>
-          </a:xfrm>
-          <a:prstGeom prst="straightConnector1">
-            <a:avLst/>
-          </a:prstGeom>
-          <a:ln w="57150">
-            <a:solidFill>
-              <a:srgbClr val="FF0000"/>
-            </a:solidFill>
-            <a:tailEnd type="triangle"/>
-          </a:ln>
-        </p:spPr>
-        <p:style>
-          <a:lnRef idx="1">
-            <a:schemeClr val="accent1"/>
-          </a:lnRef>
-          <a:fillRef idx="0">
-            <a:schemeClr val="accent1"/>
-          </a:fillRef>
-          <a:effectRef idx="0">
-            <a:schemeClr val="accent1"/>
-          </a:effectRef>
-          <a:fontRef idx="minor">
-            <a:schemeClr val="tx1"/>
-          </a:fontRef>
-        </p:style>
-      </p:cxnSp>
-      <p:cxnSp>
-        <p:nvCxnSpPr>
           <p:cNvPr id="8" name="直線接點 7"/>
-          <p:cNvCxnSpPr/>
+          <p:cNvCxnSpPr>
+            <a:cxnSpLocks/>
+          </p:cNvCxnSpPr>
           <p:nvPr/>
         </p:nvCxnSpPr>
         <p:spPr>
           <a:xfrm>
-            <a:off x="3440036" y="5485926"/>
-            <a:ext cx="4027564" cy="0"/>
+            <a:off x="4578042" y="1584099"/>
+            <a:ext cx="918879" cy="0"/>
           </a:xfrm>
           <a:prstGeom prst="line">
             <a:avLst/>
@@ -14040,13 +10582,239 @@
       </p:cxnSp>
       <p:sp>
         <p:nvSpPr>
-          <p:cNvPr id="12" name="矩形 11"/>
+          <p:cNvPr id="6" name="文字方塊 5"/>
+          <p:cNvSpPr txBox="1"/>
+          <p:nvPr/>
+        </p:nvSpPr>
+        <p:spPr>
+          <a:xfrm>
+            <a:off x="290748" y="105408"/>
+            <a:ext cx="3480046" cy="461665"/>
+          </a:xfrm>
+          <a:prstGeom prst="rect">
+            <a:avLst/>
+          </a:prstGeom>
+          <a:noFill/>
+        </p:spPr>
+        <p:txBody>
+          <a:bodyPr wrap="square" rtlCol="0">
+            <a:spAutoFit/>
+          </a:bodyPr>
+          <a:lstStyle/>
+          <a:p>
+            <a:r>
+              <a:rPr lang="en-US" altLang="zh-TW" sz="2400" b="1" i="1" u="sng" dirty="0"/>
+              <a:t>Configuration</a:t>
+            </a:r>
+            <a:endParaRPr lang="zh-TW" altLang="en-US" sz="2400" b="1" i="1" u="sng" dirty="0"/>
+          </a:p>
+        </p:txBody>
+      </p:sp>
+      <p:sp>
+        <p:nvSpPr>
+          <p:cNvPr id="9" name="文字方塊 8"/>
+          <p:cNvSpPr txBox="1"/>
+          <p:nvPr/>
+        </p:nvSpPr>
+        <p:spPr>
+          <a:xfrm>
+            <a:off x="290748" y="2477525"/>
+            <a:ext cx="3903485" cy="461665"/>
+          </a:xfrm>
+          <a:prstGeom prst="rect">
+            <a:avLst/>
+          </a:prstGeom>
+          <a:noFill/>
+        </p:spPr>
+        <p:txBody>
+          <a:bodyPr wrap="square" rtlCol="0">
+            <a:spAutoFit/>
+          </a:bodyPr>
+          <a:lstStyle/>
+          <a:p>
+            <a:r>
+              <a:rPr lang="en-US" altLang="zh-TW" sz="2400" b="1" i="1" u="sng" dirty="0"/>
+              <a:t>Pick the best function</a:t>
+            </a:r>
+            <a:endParaRPr lang="zh-TW" altLang="en-US" sz="2400" b="1" i="1" u="sng" dirty="0"/>
+          </a:p>
+        </p:txBody>
+      </p:sp>
+      <p:sp>
+        <p:nvSpPr>
+          <p:cNvPr id="5" name="矩形 4"/>
           <p:cNvSpPr/>
           <p:nvPr/>
         </p:nvSpPr>
         <p:spPr>
           <a:xfrm>
-            <a:off x="1641912" y="6153534"/>
+            <a:off x="915254" y="1980167"/>
+            <a:ext cx="7325575" cy="369332"/>
+          </a:xfrm>
+          <a:prstGeom prst="rect">
+            <a:avLst/>
+          </a:prstGeom>
+        </p:spPr>
+        <p:txBody>
+          <a:bodyPr wrap="square">
+            <a:spAutoFit/>
+          </a:bodyPr>
+          <a:lstStyle/>
+          <a:p>
+            <a:pPr algn="ctr"/>
+            <a:r>
+              <a:rPr lang="en-US" altLang="zh-TW" b="1" dirty="0">
+                <a:solidFill>
+                  <a:srgbClr val="404040"/>
+                </a:solidFill>
+                <a:latin typeface="Georgia" panose="02040502050405020303" pitchFamily="18" charset="0"/>
+                <a:cs typeface="新細明體" panose="02020500000000000000" pitchFamily="18" charset="-120"/>
+              </a:rPr>
+              <a:t>SGD, </a:t>
+            </a:r>
+            <a:r>
+              <a:rPr lang="en-US" altLang="zh-TW" b="1" dirty="0" err="1">
+                <a:solidFill>
+                  <a:srgbClr val="404040"/>
+                </a:solidFill>
+                <a:latin typeface="Georgia" panose="02040502050405020303" pitchFamily="18" charset="0"/>
+                <a:cs typeface="新細明體" panose="02020500000000000000" pitchFamily="18" charset="-120"/>
+              </a:rPr>
+              <a:t>RMSprop</a:t>
+            </a:r>
+            <a:r>
+              <a:rPr lang="en-US" altLang="zh-TW" b="1" dirty="0">
+                <a:solidFill>
+                  <a:srgbClr val="404040"/>
+                </a:solidFill>
+                <a:latin typeface="Georgia" panose="02040502050405020303" pitchFamily="18" charset="0"/>
+                <a:cs typeface="新細明體" panose="02020500000000000000" pitchFamily="18" charset="-120"/>
+              </a:rPr>
+              <a:t>, </a:t>
+            </a:r>
+            <a:r>
+              <a:rPr lang="en-US" altLang="zh-TW" b="1" dirty="0" err="1">
+                <a:solidFill>
+                  <a:srgbClr val="404040"/>
+                </a:solidFill>
+                <a:latin typeface="Georgia" panose="02040502050405020303" pitchFamily="18" charset="0"/>
+                <a:cs typeface="新細明體" panose="02020500000000000000" pitchFamily="18" charset="-120"/>
+              </a:rPr>
+              <a:t>Adagrad</a:t>
+            </a:r>
+            <a:r>
+              <a:rPr lang="en-US" altLang="zh-TW" b="1" dirty="0">
+                <a:solidFill>
+                  <a:srgbClr val="404040"/>
+                </a:solidFill>
+                <a:latin typeface="Georgia" panose="02040502050405020303" pitchFamily="18" charset="0"/>
+                <a:cs typeface="新細明體" panose="02020500000000000000" pitchFamily="18" charset="-120"/>
+              </a:rPr>
+              <a:t>, </a:t>
+            </a:r>
+            <a:r>
+              <a:rPr lang="en-US" altLang="zh-TW" b="1" dirty="0" err="1">
+                <a:solidFill>
+                  <a:srgbClr val="404040"/>
+                </a:solidFill>
+                <a:latin typeface="Georgia" panose="02040502050405020303" pitchFamily="18" charset="0"/>
+                <a:cs typeface="新細明體" panose="02020500000000000000" pitchFamily="18" charset="-120"/>
+              </a:rPr>
+              <a:t>Adadelta</a:t>
+            </a:r>
+            <a:r>
+              <a:rPr lang="en-US" altLang="zh-TW" b="1" dirty="0">
+                <a:solidFill>
+                  <a:srgbClr val="404040"/>
+                </a:solidFill>
+                <a:latin typeface="Georgia" panose="02040502050405020303" pitchFamily="18" charset="0"/>
+                <a:cs typeface="新細明體" panose="02020500000000000000" pitchFamily="18" charset="-120"/>
+              </a:rPr>
+              <a:t>, Adam, </a:t>
+            </a:r>
+            <a:r>
+              <a:rPr lang="en-US" altLang="zh-TW" b="1" dirty="0" err="1">
+                <a:solidFill>
+                  <a:srgbClr val="404040"/>
+                </a:solidFill>
+                <a:latin typeface="Georgia" panose="02040502050405020303" pitchFamily="18" charset="0"/>
+                <a:cs typeface="新細明體" panose="02020500000000000000" pitchFamily="18" charset="-120"/>
+              </a:rPr>
+              <a:t>Adamax</a:t>
+            </a:r>
+            <a:r>
+              <a:rPr lang="en-US" altLang="zh-TW" b="1" dirty="0">
+                <a:solidFill>
+                  <a:srgbClr val="404040"/>
+                </a:solidFill>
+                <a:latin typeface="Georgia" panose="02040502050405020303" pitchFamily="18" charset="0"/>
+                <a:cs typeface="新細明體" panose="02020500000000000000" pitchFamily="18" charset="-120"/>
+              </a:rPr>
+              <a:t>, </a:t>
+            </a:r>
+            <a:r>
+              <a:rPr lang="en-US" altLang="zh-TW" b="1" dirty="0" err="1">
+                <a:solidFill>
+                  <a:srgbClr val="404040"/>
+                </a:solidFill>
+                <a:latin typeface="Georgia" panose="02040502050405020303" pitchFamily="18" charset="0"/>
+                <a:cs typeface="新細明體" panose="02020500000000000000" pitchFamily="18" charset="-120"/>
+              </a:rPr>
+              <a:t>Nadam</a:t>
+            </a:r>
+            <a:endParaRPr lang="zh-TW" altLang="zh-TW" b="1" dirty="0">
+              <a:latin typeface="新細明體" panose="02020500000000000000" pitchFamily="18" charset="-120"/>
+              <a:cs typeface="新細明體" panose="02020500000000000000" pitchFamily="18" charset="-120"/>
+            </a:endParaRPr>
+          </a:p>
+        </p:txBody>
+      </p:sp>
+      <p:cxnSp>
+        <p:nvCxnSpPr>
+          <p:cNvPr id="17" name="直線接點 16"/>
+          <p:cNvCxnSpPr>
+            <a:cxnSpLocks/>
+          </p:cNvCxnSpPr>
+          <p:nvPr/>
+        </p:nvCxnSpPr>
+        <p:spPr>
+          <a:xfrm>
+            <a:off x="3755229" y="1272673"/>
+            <a:ext cx="4127083" cy="0"/>
+          </a:xfrm>
+          <a:prstGeom prst="line">
+            <a:avLst/>
+          </a:prstGeom>
+          <a:ln w="57150">
+            <a:solidFill>
+              <a:srgbClr val="FFFF00"/>
+            </a:solidFill>
+          </a:ln>
+        </p:spPr>
+        <p:style>
+          <a:lnRef idx="1">
+            <a:schemeClr val="accent1"/>
+          </a:lnRef>
+          <a:fillRef idx="0">
+            <a:schemeClr val="accent1"/>
+          </a:fillRef>
+          <a:effectRef idx="0">
+            <a:schemeClr val="accent1"/>
+          </a:effectRef>
+          <a:fontRef idx="minor">
+            <a:schemeClr val="tx1"/>
+          </a:fontRef>
+        </p:style>
+      </p:cxnSp>
+      <p:sp>
+        <p:nvSpPr>
+          <p:cNvPr id="23" name="矩形 22"/>
+          <p:cNvSpPr/>
+          <p:nvPr/>
+        </p:nvSpPr>
+        <p:spPr>
+          <a:xfrm>
+            <a:off x="2601588" y="489182"/>
             <a:ext cx="6194003" cy="461665"/>
           </a:xfrm>
           <a:prstGeom prst="rect">
@@ -14070,10 +10838,448 @@
           </a:p>
         </p:txBody>
       </p:sp>
+      <p:pic>
+        <p:nvPicPr>
+          <p:cNvPr id="25" name="圖片 24"/>
+          <p:cNvPicPr>
+            <a:picLocks noChangeAspect="1"/>
+          </p:cNvPicPr>
+          <p:nvPr/>
+        </p:nvPicPr>
+        <p:blipFill>
+          <a:blip r:embed="rId4"/>
+          <a:stretch>
+            <a:fillRect/>
+          </a:stretch>
+        </p:blipFill>
+        <p:spPr>
+          <a:xfrm>
+            <a:off x="4673622" y="3962103"/>
+            <a:ext cx="4997644" cy="2183586"/>
+          </a:xfrm>
+          <a:prstGeom prst="rect">
+            <a:avLst/>
+          </a:prstGeom>
+        </p:spPr>
+      </p:pic>
+      <p:sp>
+        <p:nvSpPr>
+          <p:cNvPr id="29" name="矩形 28"/>
+          <p:cNvSpPr/>
+          <p:nvPr/>
+        </p:nvSpPr>
+        <p:spPr>
+          <a:xfrm>
+            <a:off x="0" y="6414313"/>
+            <a:ext cx="9144000" cy="369332"/>
+          </a:xfrm>
+          <a:prstGeom prst="rect">
+            <a:avLst/>
+          </a:prstGeom>
+        </p:spPr>
+        <p:txBody>
+          <a:bodyPr wrap="square">
+            <a:spAutoFit/>
+          </a:bodyPr>
+          <a:lstStyle/>
+          <a:p>
+            <a:pPr algn="ctr"/>
+            <a:r>
+              <a:rPr lang="zh-TW" altLang="en-US" dirty="0"/>
+              <a:t>https://www.tensorflow.org/versions/r0.8/tutorials/mnist/beginners/index.html</a:t>
+            </a:r>
+          </a:p>
+        </p:txBody>
+      </p:sp>
+      <p:sp>
+        <p:nvSpPr>
+          <p:cNvPr id="30" name="文字方塊 29"/>
+          <p:cNvSpPr txBox="1"/>
+          <p:nvPr/>
+        </p:nvSpPr>
+        <p:spPr>
+          <a:xfrm>
+            <a:off x="449306" y="5855279"/>
+            <a:ext cx="4172755" cy="461665"/>
+          </a:xfrm>
+          <a:prstGeom prst="rect">
+            <a:avLst/>
+          </a:prstGeom>
+          <a:noFill/>
+        </p:spPr>
+        <p:txBody>
+          <a:bodyPr wrap="square" rtlCol="0">
+            <a:spAutoFit/>
+          </a:bodyPr>
+          <a:lstStyle/>
+          <a:p>
+            <a:pPr algn="ctr"/>
+            <a:r>
+              <a:rPr lang="en-US" altLang="zh-TW" sz="2400" dirty="0"/>
+              <a:t>Number of training examples</a:t>
+            </a:r>
+            <a:endParaRPr lang="zh-TW" altLang="en-US" sz="2400" dirty="0"/>
+          </a:p>
+        </p:txBody>
+      </p:sp>
+      <p:pic>
+        <p:nvPicPr>
+          <p:cNvPr id="31" name="圖片 30"/>
+          <p:cNvPicPr>
+            <a:picLocks noChangeAspect="1"/>
+          </p:cNvPicPr>
+          <p:nvPr/>
+        </p:nvPicPr>
+        <p:blipFill>
+          <a:blip r:embed="rId5"/>
+          <a:stretch>
+            <a:fillRect/>
+          </a:stretch>
+        </p:blipFill>
+        <p:spPr>
+          <a:xfrm>
+            <a:off x="1135045" y="3928165"/>
+            <a:ext cx="2852838" cy="2063213"/>
+          </a:xfrm>
+          <a:prstGeom prst="rect">
+            <a:avLst/>
+          </a:prstGeom>
+        </p:spPr>
+      </p:pic>
+      <p:sp>
+        <p:nvSpPr>
+          <p:cNvPr id="32" name="文字方塊 31"/>
+          <p:cNvSpPr txBox="1"/>
+          <p:nvPr/>
+        </p:nvSpPr>
+        <p:spPr>
+          <a:xfrm>
+            <a:off x="1557548" y="3612839"/>
+            <a:ext cx="1757023" cy="461665"/>
+          </a:xfrm>
+          <a:prstGeom prst="rect">
+            <a:avLst/>
+          </a:prstGeom>
+          <a:noFill/>
+        </p:spPr>
+        <p:txBody>
+          <a:bodyPr wrap="square" rtlCol="0">
+            <a:spAutoFit/>
+          </a:bodyPr>
+          <a:lstStyle/>
+          <a:p>
+            <a:pPr algn="ctr"/>
+            <a:r>
+              <a:rPr lang="en-US" altLang="zh-TW" sz="2400" dirty="0" err="1"/>
+              <a:t>numpy</a:t>
+            </a:r>
+            <a:r>
+              <a:rPr lang="en-US" altLang="zh-TW" sz="2400" dirty="0"/>
+              <a:t> array</a:t>
+            </a:r>
+            <a:endParaRPr lang="zh-TW" altLang="en-US" sz="2400" dirty="0"/>
+          </a:p>
+        </p:txBody>
+      </p:sp>
+      <p:sp>
+        <p:nvSpPr>
+          <p:cNvPr id="33" name="文字方塊 32"/>
+          <p:cNvSpPr txBox="1"/>
+          <p:nvPr/>
+        </p:nvSpPr>
+        <p:spPr>
+          <a:xfrm>
+            <a:off x="0" y="4633410"/>
+            <a:ext cx="1336111" cy="830997"/>
+          </a:xfrm>
+          <a:prstGeom prst="rect">
+            <a:avLst/>
+          </a:prstGeom>
+          <a:noFill/>
+        </p:spPr>
+        <p:txBody>
+          <a:bodyPr wrap="square" rtlCol="0">
+            <a:spAutoFit/>
+          </a:bodyPr>
+          <a:lstStyle/>
+          <a:p>
+            <a:pPr algn="ctr"/>
+            <a:r>
+              <a:rPr lang="en-US" altLang="zh-TW" sz="2400" dirty="0"/>
+              <a:t>28 x 28</a:t>
+            </a:r>
+          </a:p>
+          <a:p>
+            <a:pPr algn="ctr"/>
+            <a:r>
+              <a:rPr lang="en-US" altLang="zh-TW" sz="2400" dirty="0"/>
+              <a:t>=784</a:t>
+            </a:r>
+            <a:endParaRPr lang="zh-TW" altLang="en-US" sz="2400" dirty="0"/>
+          </a:p>
+        </p:txBody>
+      </p:sp>
+      <p:sp>
+        <p:nvSpPr>
+          <p:cNvPr id="34" name="文字方塊 33"/>
+          <p:cNvSpPr txBox="1"/>
+          <p:nvPr/>
+        </p:nvSpPr>
+        <p:spPr>
+          <a:xfrm>
+            <a:off x="5076051" y="3535283"/>
+            <a:ext cx="1757023" cy="461665"/>
+          </a:xfrm>
+          <a:prstGeom prst="rect">
+            <a:avLst/>
+          </a:prstGeom>
+          <a:noFill/>
+        </p:spPr>
+        <p:txBody>
+          <a:bodyPr wrap="square" rtlCol="0">
+            <a:spAutoFit/>
+          </a:bodyPr>
+          <a:lstStyle/>
+          <a:p>
+            <a:pPr algn="ctr"/>
+            <a:r>
+              <a:rPr lang="en-US" altLang="zh-TW" sz="2400" dirty="0" err="1"/>
+              <a:t>numpy</a:t>
+            </a:r>
+            <a:r>
+              <a:rPr lang="en-US" altLang="zh-TW" sz="2400" dirty="0"/>
+              <a:t> array</a:t>
+            </a:r>
+            <a:endParaRPr lang="zh-TW" altLang="en-US" sz="2400" dirty="0"/>
+          </a:p>
+        </p:txBody>
+      </p:sp>
+      <p:sp>
+        <p:nvSpPr>
+          <p:cNvPr id="35" name="文字方塊 34"/>
+          <p:cNvSpPr txBox="1"/>
+          <p:nvPr/>
+        </p:nvSpPr>
+        <p:spPr>
+          <a:xfrm>
+            <a:off x="4351238" y="4636352"/>
+            <a:ext cx="541646" cy="461665"/>
+          </a:xfrm>
+          <a:prstGeom prst="rect">
+            <a:avLst/>
+          </a:prstGeom>
+          <a:noFill/>
+        </p:spPr>
+        <p:txBody>
+          <a:bodyPr wrap="square" rtlCol="0">
+            <a:spAutoFit/>
+          </a:bodyPr>
+          <a:lstStyle/>
+          <a:p>
+            <a:pPr algn="r"/>
+            <a:r>
+              <a:rPr lang="en-US" altLang="zh-TW" sz="2400" dirty="0"/>
+              <a:t>10</a:t>
+            </a:r>
+            <a:endParaRPr lang="zh-TW" altLang="en-US" sz="2400" dirty="0"/>
+          </a:p>
+        </p:txBody>
+      </p:sp>
+      <p:sp>
+        <p:nvSpPr>
+          <p:cNvPr id="36" name="文字方塊 35"/>
+          <p:cNvSpPr txBox="1"/>
+          <p:nvPr/>
+        </p:nvSpPr>
+        <p:spPr>
+          <a:xfrm>
+            <a:off x="4673622" y="5861454"/>
+            <a:ext cx="4172755" cy="461665"/>
+          </a:xfrm>
+          <a:prstGeom prst="rect">
+            <a:avLst/>
+          </a:prstGeom>
+          <a:noFill/>
+        </p:spPr>
+        <p:txBody>
+          <a:bodyPr wrap="square" rtlCol="0">
+            <a:spAutoFit/>
+          </a:bodyPr>
+          <a:lstStyle/>
+          <a:p>
+            <a:pPr algn="ctr"/>
+            <a:r>
+              <a:rPr lang="en-US" altLang="zh-TW" sz="2400" dirty="0"/>
+              <a:t>Number of training examples</a:t>
+            </a:r>
+            <a:endParaRPr lang="zh-TW" altLang="en-US" sz="2400" dirty="0"/>
+          </a:p>
+        </p:txBody>
+      </p:sp>
+      <p:sp>
+        <p:nvSpPr>
+          <p:cNvPr id="37" name="文字方塊 36"/>
+          <p:cNvSpPr txBox="1"/>
+          <p:nvPr/>
+        </p:nvSpPr>
+        <p:spPr>
+          <a:xfrm>
+            <a:off x="3240796" y="4504284"/>
+            <a:ext cx="995696" cy="523220"/>
+          </a:xfrm>
+          <a:prstGeom prst="rect">
+            <a:avLst/>
+          </a:prstGeom>
+          <a:noFill/>
+        </p:spPr>
+        <p:txBody>
+          <a:bodyPr wrap="square" rtlCol="0">
+            <a:spAutoFit/>
+          </a:bodyPr>
+          <a:lstStyle/>
+          <a:p>
+            <a:r>
+              <a:rPr lang="en-US" altLang="zh-TW" sz="2800" b="1" dirty="0"/>
+              <a:t>……</a:t>
+            </a:r>
+            <a:endParaRPr lang="zh-TW" altLang="en-US" sz="2800" b="1" dirty="0"/>
+          </a:p>
+        </p:txBody>
+      </p:sp>
+      <p:sp>
+        <p:nvSpPr>
+          <p:cNvPr id="38" name="文字方塊 37"/>
+          <p:cNvSpPr txBox="1"/>
+          <p:nvPr/>
+        </p:nvSpPr>
+        <p:spPr>
+          <a:xfrm>
+            <a:off x="7617467" y="4502941"/>
+            <a:ext cx="995696" cy="523220"/>
+          </a:xfrm>
+          <a:prstGeom prst="rect">
+            <a:avLst/>
+          </a:prstGeom>
+          <a:noFill/>
+        </p:spPr>
+        <p:txBody>
+          <a:bodyPr wrap="square" rtlCol="0">
+            <a:spAutoFit/>
+          </a:bodyPr>
+          <a:lstStyle/>
+          <a:p>
+            <a:r>
+              <a:rPr lang="en-US" altLang="zh-TW" sz="2800" b="1" dirty="0"/>
+              <a:t>……</a:t>
+            </a:r>
+            <a:endParaRPr lang="zh-TW" altLang="en-US" sz="2800" b="1" dirty="0"/>
+          </a:p>
+        </p:txBody>
+      </p:sp>
+      <p:pic>
+        <p:nvPicPr>
+          <p:cNvPr id="12" name="圖片 11"/>
+          <p:cNvPicPr>
+            <a:picLocks noChangeAspect="1"/>
+          </p:cNvPicPr>
+          <p:nvPr/>
+        </p:nvPicPr>
+        <p:blipFill>
+          <a:blip r:embed="rId6"/>
+          <a:stretch>
+            <a:fillRect/>
+          </a:stretch>
+        </p:blipFill>
+        <p:spPr>
+          <a:xfrm>
+            <a:off x="582187" y="3026416"/>
+            <a:ext cx="7841026" cy="410412"/>
+          </a:xfrm>
+          <a:prstGeom prst="rect">
+            <a:avLst/>
+          </a:prstGeom>
+        </p:spPr>
+      </p:pic>
+      <p:cxnSp>
+        <p:nvCxnSpPr>
+          <p:cNvPr id="27" name="直線單箭頭接點 26"/>
+          <p:cNvCxnSpPr>
+            <a:cxnSpLocks/>
+          </p:cNvCxnSpPr>
+          <p:nvPr/>
+        </p:nvCxnSpPr>
+        <p:spPr>
+          <a:xfrm flipH="1">
+            <a:off x="2438400" y="3393898"/>
+            <a:ext cx="235701" cy="358256"/>
+          </a:xfrm>
+          <a:prstGeom prst="straightConnector1">
+            <a:avLst/>
+          </a:prstGeom>
+          <a:ln w="38100">
+            <a:solidFill>
+              <a:srgbClr val="FF0000"/>
+            </a:solidFill>
+            <a:tailEnd type="triangle"/>
+          </a:ln>
+        </p:spPr>
+        <p:style>
+          <a:lnRef idx="1">
+            <a:schemeClr val="accent1"/>
+          </a:lnRef>
+          <a:fillRef idx="0">
+            <a:schemeClr val="accent1"/>
+          </a:fillRef>
+          <a:effectRef idx="0">
+            <a:schemeClr val="accent1"/>
+          </a:effectRef>
+          <a:fontRef idx="minor">
+            <a:schemeClr val="tx1"/>
+          </a:fontRef>
+        </p:style>
+      </p:cxnSp>
+      <p:cxnSp>
+        <p:nvCxnSpPr>
+          <p:cNvPr id="28" name="直線單箭頭接點 27"/>
+          <p:cNvCxnSpPr>
+            <a:cxnSpLocks/>
+          </p:cNvCxnSpPr>
+          <p:nvPr/>
+        </p:nvCxnSpPr>
+        <p:spPr>
+          <a:xfrm>
+            <a:off x="3795455" y="3393898"/>
+            <a:ext cx="1324350" cy="409620"/>
+          </a:xfrm>
+          <a:prstGeom prst="straightConnector1">
+            <a:avLst/>
+          </a:prstGeom>
+          <a:ln w="38100">
+            <a:solidFill>
+              <a:srgbClr val="FF0000"/>
+            </a:solidFill>
+            <a:tailEnd type="triangle"/>
+          </a:ln>
+        </p:spPr>
+        <p:style>
+          <a:lnRef idx="1">
+            <a:schemeClr val="accent1"/>
+          </a:lnRef>
+          <a:fillRef idx="0">
+            <a:schemeClr val="accent1"/>
+          </a:fillRef>
+          <a:effectRef idx="0">
+            <a:schemeClr val="accent1"/>
+          </a:effectRef>
+          <a:fontRef idx="minor">
+            <a:schemeClr val="tx1"/>
+          </a:fontRef>
+        </p:style>
+      </p:cxnSp>
     </p:spTree>
     <p:extLst>
       <p:ext uri="{BB962C8B-B14F-4D97-AF65-F5344CB8AC3E}">
-        <p14:creationId xmlns:p14="http://schemas.microsoft.com/office/powerpoint/2010/main" val="694084932"/>
+        <p14:creationId xmlns:p14="http://schemas.microsoft.com/office/powerpoint/2010/main" val="2364973935"/>
       </p:ext>
     </p:extLst>
   </p:cSld>
@@ -14126,7 +11332,7 @@
                                           </p:stCondLst>
                                         </p:cTn>
                                         <p:tgtEl>
-                                          <p:spTgt spid="11"/>
+                                          <p:spTgt spid="17"/>
                                         </p:tgtEl>
                                         <p:attrNameLst>
                                           <p:attrName>style.visibility</p:attrName>
@@ -14158,7 +11364,7 @@
                             </p:stCondLst>
                             <p:childTnLst>
                               <p:par>
-                                <p:cTn id="9" presetID="1" presetClass="entr" presetSubtype="0" fill="hold" nodeType="clickEffect">
+                                <p:cTn id="9" presetID="1" presetClass="entr" presetSubtype="0" fill="hold" grpId="0" nodeType="clickEffect">
                                   <p:stCondLst>
                                     <p:cond delay="0"/>
                                   </p:stCondLst>
@@ -14171,7 +11377,142 @@
                                           </p:stCondLst>
                                         </p:cTn>
                                         <p:tgtEl>
-                                          <p:spTgt spid="7"/>
+                                          <p:spTgt spid="23"/>
+                                        </p:tgtEl>
+                                        <p:attrNameLst>
+                                          <p:attrName>style.visibility</p:attrName>
+                                        </p:attrNameLst>
+                                      </p:cBhvr>
+                                      <p:to>
+                                        <p:strVal val="visible"/>
+                                      </p:to>
+                                    </p:set>
+                                  </p:childTnLst>
+                                </p:cTn>
+                              </p:par>
+                            </p:childTnLst>
+                          </p:cTn>
+                        </p:par>
+                      </p:childTnLst>
+                    </p:cTn>
+                  </p:par>
+                  <p:par>
+                    <p:cTn id="11" fill="hold">
+                      <p:stCondLst>
+                        <p:cond delay="indefinite"/>
+                      </p:stCondLst>
+                      <p:childTnLst>
+                        <p:par>
+                          <p:cTn id="12" fill="hold">
+                            <p:stCondLst>
+                              <p:cond delay="0"/>
+                            </p:stCondLst>
+                            <p:childTnLst>
+                              <p:par>
+                                <p:cTn id="13" presetID="1" presetClass="entr" presetSubtype="0" fill="hold" nodeType="clickEffect">
+                                  <p:stCondLst>
+                                    <p:cond delay="0"/>
+                                  </p:stCondLst>
+                                  <p:childTnLst>
+                                    <p:set>
+                                      <p:cBhvr>
+                                        <p:cTn id="14" dur="1" fill="hold">
+                                          <p:stCondLst>
+                                            <p:cond delay="0"/>
+                                          </p:stCondLst>
+                                        </p:cTn>
+                                        <p:tgtEl>
+                                          <p:spTgt spid="8"/>
+                                        </p:tgtEl>
+                                        <p:attrNameLst>
+                                          <p:attrName>style.visibility</p:attrName>
+                                        </p:attrNameLst>
+                                      </p:cBhvr>
+                                      <p:to>
+                                        <p:strVal val="visible"/>
+                                      </p:to>
+                                    </p:set>
+                                  </p:childTnLst>
+                                </p:cTn>
+                              </p:par>
+                            </p:childTnLst>
+                          </p:cTn>
+                        </p:par>
+                      </p:childTnLst>
+                    </p:cTn>
+                  </p:par>
+                  <p:par>
+                    <p:cTn id="15" fill="hold">
+                      <p:stCondLst>
+                        <p:cond delay="indefinite"/>
+                      </p:stCondLst>
+                      <p:childTnLst>
+                        <p:par>
+                          <p:cTn id="16" fill="hold">
+                            <p:stCondLst>
+                              <p:cond delay="0"/>
+                            </p:stCondLst>
+                            <p:childTnLst>
+                              <p:par>
+                                <p:cTn id="17" presetID="1" presetClass="entr" presetSubtype="0" fill="hold" grpId="0" nodeType="clickEffect">
+                                  <p:stCondLst>
+                                    <p:cond delay="0"/>
+                                  </p:stCondLst>
+                                  <p:childTnLst>
+                                    <p:set>
+                                      <p:cBhvr>
+                                        <p:cTn id="18" dur="1" fill="hold">
+                                          <p:stCondLst>
+                                            <p:cond delay="0"/>
+                                          </p:stCondLst>
+                                        </p:cTn>
+                                        <p:tgtEl>
+                                          <p:spTgt spid="5"/>
+                                        </p:tgtEl>
+                                        <p:attrNameLst>
+                                          <p:attrName>style.visibility</p:attrName>
+                                        </p:attrNameLst>
+                                      </p:cBhvr>
+                                      <p:to>
+                                        <p:strVal val="visible"/>
+                                      </p:to>
+                                    </p:set>
+                                  </p:childTnLst>
+                                </p:cTn>
+                              </p:par>
+                            </p:childTnLst>
+                          </p:cTn>
+                        </p:par>
+                      </p:childTnLst>
+                    </p:cTn>
+                  </p:par>
+                  <p:par>
+                    <p:cTn id="19" fill="hold">
+                      <p:stCondLst>
+                        <p:cond delay="indefinite"/>
+                      </p:stCondLst>
+                      <p:childTnLst>
+                        <p:par>
+                          <p:cTn id="20" fill="hold">
+                            <p:stCondLst>
+                              <p:cond delay="0"/>
+                            </p:stCondLst>
+                            <p:childTnLst>
+                              <p:par>
+                                <p:cTn id="21" presetID="1" presetClass="entr" presetSubtype="0" fill="hold" nodeType="clickEffect">
+                                  <p:stCondLst>
+                                    <p:cond delay="0"/>
+                                  </p:stCondLst>
+                                  <p:childTnLst>
+                                    <p:set>
+                                      <p:cBhvr>
+                                        <p:cTn id="22" dur="1" fill="hold">
+                                          <p:stCondLst>
+                                            <p:cond delay="0"/>
+                                          </p:stCondLst>
+                                        </p:cTn>
+                                        <p:tgtEl>
+                                          <p:spTgt spid="31"/>
                                         </p:tgtEl>
                                         <p:attrNameLst>
                                           <p:attrName>style.visibility</p:attrName>
@@ -14185,7 +11526,779 @@
                                 </p:cTn>
                               </p:par>
                               <p:par>
-                                <p:cTn id="11" presetID="1" presetClass="entr" presetSubtype="0" fill="hold" nodeType="withEffect">
+                                <p:cTn id="23" presetID="1" presetClass="entr" presetSubtype="0" fill="hold" grpId="0" nodeType="withEffect">
+                                  <p:stCondLst>
+                                    <p:cond delay="0"/>
+                                  </p:stCondLst>
+                                  <p:childTnLst>
+                                    <p:set>
+                                      <p:cBhvr>
+                                        <p:cTn id="24" dur="1" fill="hold">
+                                          <p:stCondLst>
+                                            <p:cond delay="0"/>
+                                          </p:stCondLst>
+                                        </p:cTn>
+                                        <p:tgtEl>
+                                          <p:spTgt spid="32"/>
+                                        </p:tgtEl>
+                                        <p:attrNameLst>
+                                          <p:attrName>style.visibility</p:attrName>
+                                        </p:attrNameLst>
+                                      </p:cBhvr>
+                                      <p:to>
+                                        <p:strVal val="visible"/>
+                                      </p:to>
+                                    </p:set>
+                                  </p:childTnLst>
+                                </p:cTn>
+                              </p:par>
+                              <p:par>
+                                <p:cTn id="25" presetID="1" presetClass="entr" presetSubtype="0" fill="hold" grpId="0" nodeType="withEffect">
+                                  <p:stCondLst>
+                                    <p:cond delay="0"/>
+                                  </p:stCondLst>
+                                  <p:childTnLst>
+                                    <p:set>
+                                      <p:cBhvr>
+                                        <p:cTn id="26" dur="1" fill="hold">
+                                          <p:stCondLst>
+                                            <p:cond delay="0"/>
+                                          </p:stCondLst>
+                                        </p:cTn>
+                                        <p:tgtEl>
+                                          <p:spTgt spid="33"/>
+                                        </p:tgtEl>
+                                        <p:attrNameLst>
+                                          <p:attrName>style.visibility</p:attrName>
+                                        </p:attrNameLst>
+                                      </p:cBhvr>
+                                      <p:to>
+                                        <p:strVal val="visible"/>
+                                      </p:to>
+                                    </p:set>
+                                  </p:childTnLst>
+                                </p:cTn>
+                              </p:par>
+                              <p:par>
+                                <p:cTn id="27" presetID="1" presetClass="entr" presetSubtype="0" fill="hold" grpId="0" nodeType="withEffect">
+                                  <p:stCondLst>
+                                    <p:cond delay="0"/>
+                                  </p:stCondLst>
+                                  <p:childTnLst>
+                                    <p:set>
+                                      <p:cBhvr>
+                                        <p:cTn id="28" dur="1" fill="hold">
+                                          <p:stCondLst>
+                                            <p:cond delay="0"/>
+                                          </p:stCondLst>
+                                        </p:cTn>
+                                        <p:tgtEl>
+                                          <p:spTgt spid="37"/>
+                                        </p:tgtEl>
+                                        <p:attrNameLst>
+                                          <p:attrName>style.visibility</p:attrName>
+                                        </p:attrNameLst>
+                                      </p:cBhvr>
+                                      <p:to>
+                                        <p:strVal val="visible"/>
+                                      </p:to>
+                                    </p:set>
+                                  </p:childTnLst>
+                                </p:cTn>
+                              </p:par>
+                              <p:par>
+                                <p:cTn id="29" presetID="1" presetClass="entr" presetSubtype="0" fill="hold" nodeType="withEffect">
+                                  <p:stCondLst>
+                                    <p:cond delay="0"/>
+                                  </p:stCondLst>
+                                  <p:childTnLst>
+                                    <p:set>
+                                      <p:cBhvr>
+                                        <p:cTn id="30" dur="1" fill="hold">
+                                          <p:stCondLst>
+                                            <p:cond delay="0"/>
+                                          </p:stCondLst>
+                                        </p:cTn>
+                                        <p:tgtEl>
+                                          <p:spTgt spid="27"/>
+                                        </p:tgtEl>
+                                        <p:attrNameLst>
+                                          <p:attrName>style.visibility</p:attrName>
+                                        </p:attrNameLst>
+                                      </p:cBhvr>
+                                      <p:to>
+                                        <p:strVal val="visible"/>
+                                      </p:to>
+                                    </p:set>
+                                  </p:childTnLst>
+                                </p:cTn>
+                              </p:par>
+                              <p:par>
+                                <p:cTn id="31" presetID="1" presetClass="entr" presetSubtype="0" fill="hold" grpId="0" nodeType="withEffect">
+                                  <p:stCondLst>
+                                    <p:cond delay="0"/>
+                                  </p:stCondLst>
+                                  <p:childTnLst>
+                                    <p:set>
+                                      <p:cBhvr>
+                                        <p:cTn id="32" dur="1" fill="hold">
+                                          <p:stCondLst>
+                                            <p:cond delay="0"/>
+                                          </p:stCondLst>
+                                        </p:cTn>
+                                        <p:tgtEl>
+                                          <p:spTgt spid="30"/>
+                                        </p:tgtEl>
+                                        <p:attrNameLst>
+                                          <p:attrName>style.visibility</p:attrName>
+                                        </p:attrNameLst>
+                                      </p:cBhvr>
+                                      <p:to>
+                                        <p:strVal val="visible"/>
+                                      </p:to>
+                                    </p:set>
+                                  </p:childTnLst>
+                                </p:cTn>
+                              </p:par>
+                            </p:childTnLst>
+                          </p:cTn>
+                        </p:par>
+                      </p:childTnLst>
+                    </p:cTn>
+                  </p:par>
+                  <p:par>
+                    <p:cTn id="33" fill="hold">
+                      <p:stCondLst>
+                        <p:cond delay="indefinite"/>
+                      </p:stCondLst>
+                      <p:childTnLst>
+                        <p:par>
+                          <p:cTn id="34" fill="hold">
+                            <p:stCondLst>
+                              <p:cond delay="0"/>
+                            </p:stCondLst>
+                            <p:childTnLst>
+                              <p:par>
+                                <p:cTn id="35" presetID="1" presetClass="entr" presetSubtype="0" fill="hold" nodeType="clickEffect">
+                                  <p:stCondLst>
+                                    <p:cond delay="0"/>
+                                  </p:stCondLst>
+                                  <p:childTnLst>
+                                    <p:set>
+                                      <p:cBhvr>
+                                        <p:cTn id="36" dur="1" fill="hold">
+                                          <p:stCondLst>
+                                            <p:cond delay="0"/>
+                                          </p:stCondLst>
+                                        </p:cTn>
+                                        <p:tgtEl>
+                                          <p:spTgt spid="25"/>
+                                        </p:tgtEl>
+                                        <p:attrNameLst>
+                                          <p:attrName>style.visibility</p:attrName>
+                                        </p:attrNameLst>
+                                      </p:cBhvr>
+                                      <p:to>
+                                        <p:strVal val="visible"/>
+                                      </p:to>
+                                    </p:set>
+                                  </p:childTnLst>
+                                </p:cTn>
+                              </p:par>
+                              <p:par>
+                                <p:cTn id="37" presetID="1" presetClass="entr" presetSubtype="0" fill="hold" grpId="0" nodeType="withEffect">
+                                  <p:stCondLst>
+                                    <p:cond delay="0"/>
+                                  </p:stCondLst>
+                                  <p:childTnLst>
+                                    <p:set>
+                                      <p:cBhvr>
+                                        <p:cTn id="38" dur="1" fill="hold">
+                                          <p:stCondLst>
+                                            <p:cond delay="0"/>
+                                          </p:stCondLst>
+                                        </p:cTn>
+                                        <p:tgtEl>
+                                          <p:spTgt spid="34"/>
+                                        </p:tgtEl>
+                                        <p:attrNameLst>
+                                          <p:attrName>style.visibility</p:attrName>
+                                        </p:attrNameLst>
+                                      </p:cBhvr>
+                                      <p:to>
+                                        <p:strVal val="visible"/>
+                                      </p:to>
+                                    </p:set>
+                                  </p:childTnLst>
+                                </p:cTn>
+                              </p:par>
+                              <p:par>
+                                <p:cTn id="39" presetID="1" presetClass="entr" presetSubtype="0" fill="hold" grpId="0" nodeType="withEffect">
+                                  <p:stCondLst>
+                                    <p:cond delay="0"/>
+                                  </p:stCondLst>
+                                  <p:childTnLst>
+                                    <p:set>
+                                      <p:cBhvr>
+                                        <p:cTn id="40" dur="1" fill="hold">
+                                          <p:stCondLst>
+                                            <p:cond delay="0"/>
+                                          </p:stCondLst>
+                                        </p:cTn>
+                                        <p:tgtEl>
+                                          <p:spTgt spid="36"/>
+                                        </p:tgtEl>
+                                        <p:attrNameLst>
+                                          <p:attrName>style.visibility</p:attrName>
+                                        </p:attrNameLst>
+                                      </p:cBhvr>
+                                      <p:to>
+                                        <p:strVal val="visible"/>
+                                      </p:to>
+                                    </p:set>
+                                  </p:childTnLst>
+                                </p:cTn>
+                              </p:par>
+                              <p:par>
+                                <p:cTn id="41" presetID="1" presetClass="entr" presetSubtype="0" fill="hold" grpId="0" nodeType="withEffect">
+                                  <p:stCondLst>
+                                    <p:cond delay="0"/>
+                                  </p:stCondLst>
+                                  <p:childTnLst>
+                                    <p:set>
+                                      <p:cBhvr>
+                                        <p:cTn id="42" dur="1" fill="hold">
+                                          <p:stCondLst>
+                                            <p:cond delay="0"/>
+                                          </p:stCondLst>
+                                        </p:cTn>
+                                        <p:tgtEl>
+                                          <p:spTgt spid="38"/>
+                                        </p:tgtEl>
+                                        <p:attrNameLst>
+                                          <p:attrName>style.visibility</p:attrName>
+                                        </p:attrNameLst>
+                                      </p:cBhvr>
+                                      <p:to>
+                                        <p:strVal val="visible"/>
+                                      </p:to>
+                                    </p:set>
+                                  </p:childTnLst>
+                                </p:cTn>
+                              </p:par>
+                              <p:par>
+                                <p:cTn id="43" presetID="1" presetClass="entr" presetSubtype="0" fill="hold" grpId="0" nodeType="withEffect">
+                                  <p:stCondLst>
+                                    <p:cond delay="0"/>
+                                  </p:stCondLst>
+                                  <p:childTnLst>
+                                    <p:set>
+                                      <p:cBhvr>
+                                        <p:cTn id="44" dur="1" fill="hold">
+                                          <p:stCondLst>
+                                            <p:cond delay="0"/>
+                                          </p:stCondLst>
+                                        </p:cTn>
+                                        <p:tgtEl>
+                                          <p:spTgt spid="35"/>
+                                        </p:tgtEl>
+                                        <p:attrNameLst>
+                                          <p:attrName>style.visibility</p:attrName>
+                                        </p:attrNameLst>
+                                      </p:cBhvr>
+                                      <p:to>
+                                        <p:strVal val="visible"/>
+                                      </p:to>
+                                    </p:set>
+                                  </p:childTnLst>
+                                </p:cTn>
+                              </p:par>
+                              <p:par>
+                                <p:cTn id="45" presetID="1" presetClass="entr" presetSubtype="0" fill="hold" nodeType="withEffect">
+                                  <p:stCondLst>
+                                    <p:cond delay="0"/>
+                                  </p:stCondLst>
+                                  <p:childTnLst>
+                                    <p:set>
+                                      <p:cBhvr>
+                                        <p:cTn id="46" dur="1" fill="hold">
+                                          <p:stCondLst>
+                                            <p:cond delay="0"/>
+                                          </p:stCondLst>
+                                        </p:cTn>
+                                        <p:tgtEl>
+                                          <p:spTgt spid="28"/>
+                                        </p:tgtEl>
+                                        <p:attrNameLst>
+                                          <p:attrName>style.visibility</p:attrName>
+                                        </p:attrNameLst>
+                                      </p:cBhvr>
+                                      <p:to>
+                                        <p:strVal val="visible"/>
+                                      </p:to>
+                                    </p:set>
+                                  </p:childTnLst>
+                                </p:cTn>
+                              </p:par>
+                            </p:childTnLst>
+                          </p:cTn>
+                        </p:par>
+                      </p:childTnLst>
+                    </p:cTn>
+                  </p:par>
+                </p:childTnLst>
+              </p:cTn>
+              <p:prevCondLst>
+                <p:cond evt="onPrev" delay="0">
+                  <p:tgtEl>
+                    <p:sldTgt/>
+                  </p:tgtEl>
+                </p:cond>
+              </p:prevCondLst>
+              <p:nextCondLst>
+                <p:cond evt="onNext" delay="0">
+                  <p:tgtEl>
+                    <p:sldTgt/>
+                  </p:tgtEl>
+                </p:cond>
+              </p:nextCondLst>
+            </p:seq>
+          </p:childTnLst>
+        </p:cTn>
+      </p:par>
+    </p:tnLst>
+    <p:bldLst>
+      <p:bldP spid="5" grpId="0"/>
+      <p:bldP spid="23" grpId="0"/>
+      <p:bldP spid="30" grpId="0"/>
+      <p:bldP spid="32" grpId="0"/>
+      <p:bldP spid="33" grpId="0"/>
+      <p:bldP spid="34" grpId="0"/>
+      <p:bldP spid="35" grpId="0"/>
+      <p:bldP spid="36" grpId="0"/>
+      <p:bldP spid="37" grpId="0"/>
+      <p:bldP spid="38" grpId="0"/>
+    </p:bldLst>
+  </p:timing>
+</p:sld>
+</file>
+
+<file path=ppt/slides/slide9.xml><?xml version="1.0" encoding="utf-8"?>
+<p:sld xmlns:a="http://schemas.openxmlformats.org/drawingml/2006/main" xmlns:r="http://schemas.openxmlformats.org/officeDocument/2006/relationships" xmlns:p="http://schemas.openxmlformats.org/presentationml/2006/main">
+  <p:cSld>
+    <p:spTree>
+      <p:nvGrpSpPr>
+        <p:cNvPr id="1" name=""/>
+        <p:cNvGrpSpPr/>
+        <p:nvPr/>
+      </p:nvGrpSpPr>
+      <p:grpSpPr>
+        <a:xfrm>
+          <a:off x="0" y="0"/>
+          <a:ext cx="0" cy="0"/>
+          <a:chOff x="0" y="0"/>
+          <a:chExt cx="0" cy="0"/>
+        </a:xfrm>
+      </p:grpSpPr>
+      <p:sp>
+        <p:nvSpPr>
+          <p:cNvPr id="2" name="標題 1"/>
+          <p:cNvSpPr>
+            <a:spLocks noGrp="1"/>
+          </p:cNvSpPr>
+          <p:nvPr>
+            <p:ph type="title"/>
+          </p:nvPr>
+        </p:nvSpPr>
+        <p:spPr/>
+        <p:txBody>
+          <a:bodyPr/>
+          <a:lstStyle/>
+          <a:p>
+            <a:r>
+              <a:rPr lang="en-US" altLang="zh-TW" dirty="0" err="1"/>
+              <a:t>Keras</a:t>
+            </a:r>
+            <a:endParaRPr lang="zh-TW" altLang="en-US" dirty="0"/>
+          </a:p>
+        </p:txBody>
+      </p:sp>
+      <p:sp>
+        <p:nvSpPr>
+          <p:cNvPr id="4" name="矩形 3"/>
+          <p:cNvSpPr/>
+          <p:nvPr/>
+        </p:nvSpPr>
+        <p:spPr>
+          <a:xfrm>
+            <a:off x="352092" y="3057816"/>
+            <a:ext cx="8673921" cy="830997"/>
+          </a:xfrm>
+          <a:prstGeom prst="rect">
+            <a:avLst/>
+          </a:prstGeom>
+        </p:spPr>
+        <p:txBody>
+          <a:bodyPr wrap="square">
+            <a:spAutoFit/>
+          </a:bodyPr>
+          <a:lstStyle/>
+          <a:p>
+            <a:r>
+              <a:rPr lang="en-US" altLang="zh-TW" sz="2400" dirty="0"/>
+              <a:t>https://faroit.github.io/keras-docs/2.0.2/getting-started/faq/#how-can-i-save-a-keras-model</a:t>
+            </a:r>
+            <a:endParaRPr lang="zh-TW" altLang="en-US" sz="2400" dirty="0"/>
+          </a:p>
+        </p:txBody>
+      </p:sp>
+      <p:sp>
+        <p:nvSpPr>
+          <p:cNvPr id="7" name="文字方塊 6"/>
+          <p:cNvSpPr txBox="1"/>
+          <p:nvPr/>
+        </p:nvSpPr>
+        <p:spPr>
+          <a:xfrm>
+            <a:off x="470079" y="3902315"/>
+            <a:ext cx="5613221" cy="461665"/>
+          </a:xfrm>
+          <a:prstGeom prst="rect">
+            <a:avLst/>
+          </a:prstGeom>
+          <a:noFill/>
+        </p:spPr>
+        <p:txBody>
+          <a:bodyPr wrap="square" rtlCol="0">
+            <a:spAutoFit/>
+          </a:bodyPr>
+          <a:lstStyle/>
+          <a:p>
+            <a:r>
+              <a:rPr lang="en-US" altLang="zh-TW" sz="2400" dirty="0"/>
+              <a:t>How to use the neural network (testing):</a:t>
+            </a:r>
+            <a:endParaRPr lang="zh-TW" altLang="en-US" sz="2400" dirty="0"/>
+          </a:p>
+        </p:txBody>
+      </p:sp>
+      <p:pic>
+        <p:nvPicPr>
+          <p:cNvPr id="9" name="圖片 8"/>
+          <p:cNvPicPr>
+            <a:picLocks noChangeAspect="1"/>
+          </p:cNvPicPr>
+          <p:nvPr/>
+        </p:nvPicPr>
+        <p:blipFill>
+          <a:blip r:embed="rId3"/>
+          <a:stretch>
+            <a:fillRect/>
+          </a:stretch>
+        </p:blipFill>
+        <p:spPr>
+          <a:xfrm>
+            <a:off x="1577662" y="4554300"/>
+            <a:ext cx="7114972" cy="931154"/>
+          </a:xfrm>
+          <a:prstGeom prst="rect">
+            <a:avLst/>
+          </a:prstGeom>
+        </p:spPr>
+      </p:pic>
+      <p:sp>
+        <p:nvSpPr>
+          <p:cNvPr id="10" name="文字方塊 9"/>
+          <p:cNvSpPr txBox="1"/>
+          <p:nvPr/>
+        </p:nvSpPr>
+        <p:spPr>
+          <a:xfrm>
+            <a:off x="470079" y="4783035"/>
+            <a:ext cx="1378040" cy="461665"/>
+          </a:xfrm>
+          <a:prstGeom prst="rect">
+            <a:avLst/>
+          </a:prstGeom>
+          <a:noFill/>
+        </p:spPr>
+        <p:txBody>
+          <a:bodyPr wrap="square" rtlCol="0">
+            <a:spAutoFit/>
+          </a:bodyPr>
+          <a:lstStyle/>
+          <a:p>
+            <a:r>
+              <a:rPr lang="en-US" altLang="zh-TW" sz="2400" dirty="0"/>
+              <a:t>case 1:</a:t>
+            </a:r>
+            <a:endParaRPr lang="zh-TW" altLang="en-US" sz="2400" dirty="0"/>
+          </a:p>
+        </p:txBody>
+      </p:sp>
+      <p:pic>
+        <p:nvPicPr>
+          <p:cNvPr id="11" name="圖片 10"/>
+          <p:cNvPicPr>
+            <a:picLocks noChangeAspect="1"/>
+          </p:cNvPicPr>
+          <p:nvPr/>
+        </p:nvPicPr>
+        <p:blipFill>
+          <a:blip r:embed="rId4"/>
+          <a:stretch>
+            <a:fillRect/>
+          </a:stretch>
+        </p:blipFill>
+        <p:spPr>
+          <a:xfrm>
+            <a:off x="1577662" y="5862143"/>
+            <a:ext cx="4907074" cy="505140"/>
+          </a:xfrm>
+          <a:prstGeom prst="rect">
+            <a:avLst/>
+          </a:prstGeom>
+        </p:spPr>
+      </p:pic>
+      <p:sp>
+        <p:nvSpPr>
+          <p:cNvPr id="12" name="文字方塊 11"/>
+          <p:cNvSpPr txBox="1"/>
+          <p:nvPr/>
+        </p:nvSpPr>
+        <p:spPr>
+          <a:xfrm>
+            <a:off x="470079" y="5835140"/>
+            <a:ext cx="1378040" cy="461665"/>
+          </a:xfrm>
+          <a:prstGeom prst="rect">
+            <a:avLst/>
+          </a:prstGeom>
+          <a:noFill/>
+        </p:spPr>
+        <p:txBody>
+          <a:bodyPr wrap="square" rtlCol="0">
+            <a:spAutoFit/>
+          </a:bodyPr>
+          <a:lstStyle/>
+          <a:p>
+            <a:r>
+              <a:rPr lang="en-US" altLang="zh-TW" sz="2400" dirty="0"/>
+              <a:t>case 2:</a:t>
+            </a:r>
+            <a:endParaRPr lang="zh-TW" altLang="en-US" sz="2400" dirty="0"/>
+          </a:p>
+        </p:txBody>
+      </p:sp>
+      <p:grpSp>
+        <p:nvGrpSpPr>
+          <p:cNvPr id="8" name="群組 7"/>
+          <p:cNvGrpSpPr/>
+          <p:nvPr/>
+        </p:nvGrpSpPr>
+        <p:grpSpPr>
+          <a:xfrm>
+            <a:off x="2640169" y="152909"/>
+            <a:ext cx="5875181" cy="2863477"/>
+            <a:chOff x="2640169" y="152909"/>
+            <a:chExt cx="5875181" cy="2863477"/>
+          </a:xfrm>
+        </p:grpSpPr>
+        <p:pic>
+          <p:nvPicPr>
+            <p:cNvPr id="5" name="圖片 4"/>
+            <p:cNvPicPr>
+              <a:picLocks noChangeAspect="1"/>
+            </p:cNvPicPr>
+            <p:nvPr/>
+          </p:nvPicPr>
+          <p:blipFill>
+            <a:blip r:embed="rId5"/>
+            <a:stretch>
+              <a:fillRect/>
+            </a:stretch>
+          </p:blipFill>
+          <p:spPr>
+            <a:xfrm>
+              <a:off x="2640169" y="152909"/>
+              <a:ext cx="5875181" cy="2863477"/>
+            </a:xfrm>
+            <a:prstGeom prst="rect">
+              <a:avLst/>
+            </a:prstGeom>
+          </p:spPr>
+        </p:pic>
+        <p:pic>
+          <p:nvPicPr>
+            <p:cNvPr id="13" name="圖片 12"/>
+            <p:cNvPicPr>
+              <a:picLocks noChangeAspect="1"/>
+            </p:cNvPicPr>
+            <p:nvPr/>
+          </p:nvPicPr>
+          <p:blipFill>
+            <a:blip r:embed="rId6"/>
+            <a:stretch>
+              <a:fillRect/>
+            </a:stretch>
+          </p:blipFill>
+          <p:spPr>
+            <a:xfrm>
+              <a:off x="2723866" y="385219"/>
+              <a:ext cx="5707785" cy="1137471"/>
+            </a:xfrm>
+            <a:prstGeom prst="rect">
+              <a:avLst/>
+            </a:prstGeom>
+          </p:spPr>
+        </p:pic>
+      </p:grpSp>
+      <p:sp>
+        <p:nvSpPr>
+          <p:cNvPr id="6" name="文字方塊 5"/>
+          <p:cNvSpPr txBox="1"/>
+          <p:nvPr/>
+        </p:nvSpPr>
+        <p:spPr>
+          <a:xfrm>
+            <a:off x="352092" y="2619108"/>
+            <a:ext cx="4365938" cy="461665"/>
+          </a:xfrm>
+          <a:prstGeom prst="rect">
+            <a:avLst/>
+          </a:prstGeom>
+          <a:noFill/>
+        </p:spPr>
+        <p:txBody>
+          <a:bodyPr wrap="square" rtlCol="0">
+            <a:spAutoFit/>
+          </a:bodyPr>
+          <a:lstStyle/>
+          <a:p>
+            <a:r>
+              <a:rPr lang="en-US" altLang="zh-TW" sz="2400" dirty="0"/>
+              <a:t>Save and load models</a:t>
+            </a:r>
+            <a:endParaRPr lang="zh-TW" altLang="en-US" sz="2400" dirty="0"/>
+          </a:p>
+        </p:txBody>
+      </p:sp>
+    </p:spTree>
+    <p:extLst>
+      <p:ext uri="{BB962C8B-B14F-4D97-AF65-F5344CB8AC3E}">
+        <p14:creationId xmlns:p14="http://schemas.microsoft.com/office/powerpoint/2010/main" val="2210976617"/>
+      </p:ext>
+    </p:extLst>
+  </p:cSld>
+  <p:clrMapOvr>
+    <a:masterClrMapping/>
+  </p:clrMapOvr>
+  <mc:AlternateContent xmlns:mc="http://schemas.openxmlformats.org/markup-compatibility/2006" xmlns:p14="http://schemas.microsoft.com/office/powerpoint/2010/main">
+    <mc:Choice Requires="p14">
+      <p:transition spd="slow" p14:dur="2000">
+        <p:cut/>
+      </p:transition>
+    </mc:Choice>
+    <mc:Fallback xmlns="">
+      <p:transition spd="slow">
+        <p:cut/>
+      </p:transition>
+    </mc:Fallback>
+  </mc:AlternateContent>
+  <p:timing>
+    <p:tnLst>
+      <p:par>
+        <p:cTn id="1" dur="indefinite" restart="never" nodeType="tmRoot">
+          <p:childTnLst>
+            <p:seq concurrent="1" nextAc="seek">
+              <p:cTn id="2" dur="indefinite" nodeType="mainSeq">
+                <p:childTnLst>
+                  <p:par>
+                    <p:cTn id="3" fill="hold">
+                      <p:stCondLst>
+                        <p:cond delay="indefinite"/>
+                      </p:stCondLst>
+                      <p:childTnLst>
+                        <p:par>
+                          <p:cTn id="4" fill="hold">
+                            <p:stCondLst>
+                              <p:cond delay="0"/>
+                            </p:stCondLst>
+                            <p:childTnLst>
+                              <p:par>
+                                <p:cTn id="5" presetID="1" presetClass="entr" presetSubtype="0" fill="hold" grpId="0" nodeType="clickEffect">
+                                  <p:stCondLst>
+                                    <p:cond delay="0"/>
+                                  </p:stCondLst>
+                                  <p:childTnLst>
+                                    <p:set>
+                                      <p:cBhvr>
+                                        <p:cTn id="6" dur="1" fill="hold">
+                                          <p:stCondLst>
+                                            <p:cond delay="0"/>
+                                          </p:stCondLst>
+                                        </p:cTn>
+                                        <p:tgtEl>
+                                          <p:spTgt spid="4"/>
+                                        </p:tgtEl>
+                                        <p:attrNameLst>
+                                          <p:attrName>style.visibility</p:attrName>
+                                        </p:attrNameLst>
+                                      </p:cBhvr>
+                                      <p:to>
+                                        <p:strVal val="visible"/>
+                                      </p:to>
+                                    </p:set>
+                                  </p:childTnLst>
+                                </p:cTn>
+                              </p:par>
+                              <p:par>
+                                <p:cTn id="7" presetID="1" presetClass="entr" presetSubtype="0" fill="hold" grpId="0" nodeType="withEffect">
+                                  <p:stCondLst>
+                                    <p:cond delay="0"/>
+                                  </p:stCondLst>
+                                  <p:childTnLst>
+                                    <p:set>
+                                      <p:cBhvr>
+                                        <p:cTn id="8" dur="1" fill="hold">
+                                          <p:stCondLst>
+                                            <p:cond delay="0"/>
+                                          </p:stCondLst>
+                                        </p:cTn>
+                                        <p:tgtEl>
+                                          <p:spTgt spid="6"/>
+                                        </p:tgtEl>
+                                        <p:attrNameLst>
+                                          <p:attrName>style.visibility</p:attrName>
+                                        </p:attrNameLst>
+                                      </p:cBhvr>
+                                      <p:to>
+                                        <p:strVal val="visible"/>
+                                      </p:to>
+                                    </p:set>
+                                  </p:childTnLst>
+                                </p:cTn>
+                              </p:par>
+                            </p:childTnLst>
+                          </p:cTn>
+                        </p:par>
+                      </p:childTnLst>
+                    </p:cTn>
+                  </p:par>
+                  <p:par>
+                    <p:cTn id="9" fill="hold">
+                      <p:stCondLst>
+                        <p:cond delay="indefinite"/>
+                      </p:stCondLst>
+                      <p:childTnLst>
+                        <p:par>
+                          <p:cTn id="10" fill="hold">
+                            <p:stCondLst>
+                              <p:cond delay="0"/>
+                            </p:stCondLst>
+                            <p:childTnLst>
+                              <p:par>
+                                <p:cTn id="11" presetID="1" presetClass="entr" presetSubtype="0" fill="hold" grpId="0" nodeType="clickEffect">
                                   <p:stCondLst>
                                     <p:cond delay="0"/>
                                   </p:stCondLst>
@@ -14198,7 +12311,7 @@
                                           </p:stCondLst>
                                         </p:cTn>
                                         <p:tgtEl>
-                                          <p:spTgt spid="5"/>
+                                          <p:spTgt spid="7"/>
                                         </p:tgtEl>
                                         <p:attrNameLst>
                                           <p:attrName>style.visibility</p:attrName>
@@ -14230,7 +12343,7 @@
                             </p:stCondLst>
                             <p:childTnLst>
                               <p:par>
-                                <p:cTn id="15" presetID="1" presetClass="entr" presetSubtype="0" fill="hold" nodeType="clickEffect">
+                                <p:cTn id="15" presetID="1" presetClass="entr" presetSubtype="0" fill="hold" grpId="0" nodeType="clickEffect">
                                   <p:stCondLst>
                                     <p:cond delay="0"/>
                                   </p:stCondLst>
@@ -14243,7 +12356,34 @@
                                           </p:stCondLst>
                                         </p:cTn>
                                         <p:tgtEl>
-                                          <p:spTgt spid="8"/>
+                                          <p:spTgt spid="10"/>
+                                        </p:tgtEl>
+                                        <p:attrNameLst>
+                                          <p:attrName>style.visibility</p:attrName>
+                                        </p:attrNameLst>
+                                      </p:cBhvr>
+                                      <p:to>
+                                        <p:strVal val="visible"/>
+                                      </p:to>
+                                    </p:set>
+                                  </p:childTnLst>
+                                </p:cTn>
+                              </p:par>
+                              <p:par>
+                                <p:cTn id="17" presetID="1" presetClass="entr" presetSubtype="0" fill="hold" nodeType="withEffect">
+                                  <p:stCondLst>
+                                    <p:cond delay="0"/>
+                                  </p:stCondLst>
+                                  <p:childTnLst>
+                                    <p:set>
+                                      <p:cBhvr>
+                                        <p:cTn id="18" dur="1" fill="hold">
+                                          <p:stCondLst>
+                                            <p:cond delay="0"/>
+                                          </p:stCondLst>
+                                        </p:cTn>
+                                        <p:tgtEl>
+                                          <p:spTgt spid="9"/>
                                         </p:tgtEl>
                                         <p:attrNameLst>
                                           <p:attrName>style.visibility</p:attrName>
@@ -14263,26 +12403,53 @@
                     </p:cTn>
                   </p:par>
                   <p:par>
-                    <p:cTn id="17" fill="hold">
+                    <p:cTn id="19" fill="hold">
                       <p:stCondLst>
                         <p:cond delay="indefinite"/>
                       </p:stCondLst>
                       <p:childTnLst>
                         <p:par>
-                          <p:cTn id="18" fill="hold">
+                          <p:cTn id="20" fill="hold">
                             <p:stCondLst>
                               <p:cond delay="0"/>
                             </p:stCondLst>
                             <p:childTnLst>
                               <p:par>
-                                <p:cTn id="19" presetID="1" presetClass="entr" presetSubtype="0" fill="hold" grpId="0" nodeType="clickEffect">
+                                <p:cTn id="21" presetID="1" presetClass="entr" presetSubtype="0" fill="hold" nodeType="clickEffect">
                                   <p:stCondLst>
                                     <p:cond delay="0"/>
                                   </p:stCondLst>
                                   <p:childTnLst>
                                     <p:set>
                                       <p:cBhvr>
-                                        <p:cTn id="20" dur="1" fill="hold">
+                                        <p:cTn id="22" dur="1" fill="hold">
+                                          <p:stCondLst>
+                                            <p:cond delay="0"/>
+                                          </p:stCondLst>
+                                        </p:cTn>
+                                        <p:tgtEl>
+                                          <p:spTgt spid="11"/>
+                                        </p:tgtEl>
+                                        <p:attrNameLst>
+                                          <p:attrName>style.visibility</p:attrName>
+                                        </p:attrNameLst>
+                                      </p:cBhvr>
+                                      <p:to>
+                                        <p:strVal val="visible"/>
+                                      </p:to>
+                                    </p:set>
+                                  </p:childTnLst>
+                                </p:cTn>
+                              </p:par>
+                              <p:par>
+                                <p:cTn id="23" presetID="1" presetClass="entr" presetSubtype="0" fill="hold" grpId="0" nodeType="withEffect">
+                                  <p:stCondLst>
+                                    <p:cond delay="0"/>
+                                  </p:stCondLst>
+                                  <p:childTnLst>
+                                    <p:set>
+                                      <p:cBhvr>
+                                        <p:cTn id="24" dur="1" fill="hold">
                                           <p:stCondLst>
                                             <p:cond delay="0"/>
                                           </p:stCondLst>
@@ -14329,7 +12496,11 @@
       </p:par>
     </p:tnLst>
     <p:bldLst>
+      <p:bldP spid="4" grpId="0"/>
+      <p:bldP spid="7" grpId="0"/>
+      <p:bldP spid="10" grpId="0"/>
       <p:bldP spid="12" grpId="0"/>
+      <p:bldP spid="6" grpId="0"/>
     </p:bldLst>
   </p:timing>
 </p:sld>
